--- a/01-LED/01_Pro_ucitele/Prezentace/13-obrazky.pptx
+++ b/01-LED/01_Pro_ucitele/Prezentace/13-obrazky.pptx
@@ -70,7 +70,7 @@
         <p:spPr>
           <a:xfrm>
             <a:off x="504000" y="72000"/>
-            <a:ext cx="9070560" cy="862920"/>
+            <a:ext cx="9070200" cy="862560"/>
           </a:xfrm>
           <a:prstGeom prst="rect">
             <a:avLst/>
@@ -98,8 +98,8 @@
         </p:nvSpPr>
         <p:spPr>
           <a:xfrm>
-            <a:off x="504000" y="1769040"/>
-            <a:ext cx="9070560" cy="2090880"/>
+            <a:off x="504000" y="1768680"/>
+            <a:ext cx="9072000" cy="2090880"/>
           </a:xfrm>
           <a:prstGeom prst="rect">
             <a:avLst/>
@@ -128,8 +128,8 @@
         </p:nvSpPr>
         <p:spPr>
           <a:xfrm>
-            <a:off x="504000" y="4059000"/>
-            <a:ext cx="9070560" cy="2090880"/>
+            <a:off x="504000" y="4058640"/>
+            <a:ext cx="9072000" cy="2090880"/>
           </a:xfrm>
           <a:prstGeom prst="rect">
             <a:avLst/>
@@ -181,7 +181,7 @@
         <p:spPr>
           <a:xfrm>
             <a:off x="504000" y="72000"/>
-            <a:ext cx="9070560" cy="862920"/>
+            <a:ext cx="9070200" cy="862560"/>
           </a:xfrm>
           <a:prstGeom prst="rect">
             <a:avLst/>
@@ -209,8 +209,8 @@
         </p:nvSpPr>
         <p:spPr>
           <a:xfrm>
-            <a:off x="504000" y="1769040"/>
-            <a:ext cx="4426200" cy="2090880"/>
+            <a:off x="504000" y="1768680"/>
+            <a:ext cx="4426920" cy="2090880"/>
           </a:xfrm>
           <a:prstGeom prst="rect">
             <a:avLst/>
@@ -239,8 +239,8 @@
         </p:nvSpPr>
         <p:spPr>
           <a:xfrm>
-            <a:off x="5151960" y="1769040"/>
-            <a:ext cx="4426200" cy="2090880"/>
+            <a:off x="5152680" y="1768680"/>
+            <a:ext cx="4426920" cy="2090880"/>
           </a:xfrm>
           <a:prstGeom prst="rect">
             <a:avLst/>
@@ -269,8 +269,8 @@
         </p:nvSpPr>
         <p:spPr>
           <a:xfrm>
-            <a:off x="504000" y="4059000"/>
-            <a:ext cx="4426200" cy="2090880"/>
+            <a:off x="504000" y="4058640"/>
+            <a:ext cx="4426920" cy="2090880"/>
           </a:xfrm>
           <a:prstGeom prst="rect">
             <a:avLst/>
@@ -299,8 +299,8 @@
         </p:nvSpPr>
         <p:spPr>
           <a:xfrm>
-            <a:off x="5151960" y="4059000"/>
-            <a:ext cx="4426200" cy="2090880"/>
+            <a:off x="5152680" y="4058640"/>
+            <a:ext cx="4426920" cy="2090880"/>
           </a:xfrm>
           <a:prstGeom prst="rect">
             <a:avLst/>
@@ -352,7 +352,7 @@
         <p:spPr>
           <a:xfrm>
             <a:off x="504000" y="72000"/>
-            <a:ext cx="9070560" cy="862920"/>
+            <a:ext cx="9070200" cy="862560"/>
           </a:xfrm>
           <a:prstGeom prst="rect">
             <a:avLst/>
@@ -380,8 +380,8 @@
         </p:nvSpPr>
         <p:spPr>
           <a:xfrm>
-            <a:off x="504000" y="1769040"/>
-            <a:ext cx="2920320" cy="2090880"/>
+            <a:off x="504000" y="1768680"/>
+            <a:ext cx="2921040" cy="2090880"/>
           </a:xfrm>
           <a:prstGeom prst="rect">
             <a:avLst/>
@@ -410,8 +410,8 @@
         </p:nvSpPr>
         <p:spPr>
           <a:xfrm>
-            <a:off x="3570840" y="1769040"/>
-            <a:ext cx="2920320" cy="2090880"/>
+            <a:off x="3571560" y="1768680"/>
+            <a:ext cx="2921040" cy="2090880"/>
           </a:xfrm>
           <a:prstGeom prst="rect">
             <a:avLst/>
@@ -440,8 +440,8 @@
         </p:nvSpPr>
         <p:spPr>
           <a:xfrm>
-            <a:off x="6637320" y="1769040"/>
-            <a:ext cx="2920320" cy="2090880"/>
+            <a:off x="6639120" y="1768680"/>
+            <a:ext cx="2921040" cy="2090880"/>
           </a:xfrm>
           <a:prstGeom prst="rect">
             <a:avLst/>
@@ -470,8 +470,8 @@
         </p:nvSpPr>
         <p:spPr>
           <a:xfrm>
-            <a:off x="504000" y="4059000"/>
-            <a:ext cx="2920320" cy="2090880"/>
+            <a:off x="504000" y="4058640"/>
+            <a:ext cx="2921040" cy="2090880"/>
           </a:xfrm>
           <a:prstGeom prst="rect">
             <a:avLst/>
@@ -500,8 +500,8 @@
         </p:nvSpPr>
         <p:spPr>
           <a:xfrm>
-            <a:off x="3570840" y="4059000"/>
-            <a:ext cx="2920320" cy="2090880"/>
+            <a:off x="3571560" y="4058640"/>
+            <a:ext cx="2921040" cy="2090880"/>
           </a:xfrm>
           <a:prstGeom prst="rect">
             <a:avLst/>
@@ -530,8 +530,8 @@
         </p:nvSpPr>
         <p:spPr>
           <a:xfrm>
-            <a:off x="6637320" y="4059000"/>
-            <a:ext cx="2920320" cy="2090880"/>
+            <a:off x="6639120" y="4058640"/>
+            <a:ext cx="2921040" cy="2090880"/>
           </a:xfrm>
           <a:prstGeom prst="rect">
             <a:avLst/>
@@ -605,7 +605,7 @@
         <p:spPr>
           <a:xfrm>
             <a:off x="504000" y="72000"/>
-            <a:ext cx="9070560" cy="862920"/>
+            <a:ext cx="9070200" cy="862560"/>
           </a:xfrm>
           <a:prstGeom prst="rect">
             <a:avLst/>
@@ -633,8 +633,8 @@
         </p:nvSpPr>
         <p:spPr>
           <a:xfrm>
-            <a:off x="504000" y="1769040"/>
-            <a:ext cx="9070560" cy="4383720"/>
+            <a:off x="504000" y="1768680"/>
+            <a:ext cx="9072000" cy="4384080"/>
           </a:xfrm>
           <a:prstGeom prst="rect">
             <a:avLst/>
@@ -685,7 +685,7 @@
         <p:spPr>
           <a:xfrm>
             <a:off x="504000" y="72000"/>
-            <a:ext cx="9070560" cy="862920"/>
+            <a:ext cx="9070200" cy="862560"/>
           </a:xfrm>
           <a:prstGeom prst="rect">
             <a:avLst/>
@@ -713,8 +713,8 @@
         </p:nvSpPr>
         <p:spPr>
           <a:xfrm>
-            <a:off x="504000" y="1769040"/>
-            <a:ext cx="9070560" cy="4383720"/>
+            <a:off x="504000" y="1768680"/>
+            <a:ext cx="9072000" cy="4384080"/>
           </a:xfrm>
           <a:prstGeom prst="rect">
             <a:avLst/>
@@ -766,7 +766,7 @@
         <p:spPr>
           <a:xfrm>
             <a:off x="504000" y="72000"/>
-            <a:ext cx="9070560" cy="862920"/>
+            <a:ext cx="9070200" cy="862560"/>
           </a:xfrm>
           <a:prstGeom prst="rect">
             <a:avLst/>
@@ -794,8 +794,8 @@
         </p:nvSpPr>
         <p:spPr>
           <a:xfrm>
-            <a:off x="504000" y="1769040"/>
-            <a:ext cx="4426200" cy="4383720"/>
+            <a:off x="504000" y="1768680"/>
+            <a:ext cx="4426920" cy="4384080"/>
           </a:xfrm>
           <a:prstGeom prst="rect">
             <a:avLst/>
@@ -824,8 +824,8 @@
         </p:nvSpPr>
         <p:spPr>
           <a:xfrm>
-            <a:off x="5151960" y="1769040"/>
-            <a:ext cx="4426200" cy="4383720"/>
+            <a:off x="5152680" y="1768680"/>
+            <a:ext cx="4426920" cy="4384080"/>
           </a:xfrm>
           <a:prstGeom prst="rect">
             <a:avLst/>
@@ -877,7 +877,7 @@
         <p:spPr>
           <a:xfrm>
             <a:off x="504000" y="72000"/>
-            <a:ext cx="9070560" cy="862920"/>
+            <a:ext cx="9070200" cy="862560"/>
           </a:xfrm>
           <a:prstGeom prst="rect">
             <a:avLst/>
@@ -928,7 +928,7 @@
         <p:spPr>
           <a:xfrm>
             <a:off x="504000" y="72000"/>
-            <a:ext cx="9070560" cy="4001400"/>
+            <a:ext cx="9070200" cy="3999600"/>
           </a:xfrm>
           <a:prstGeom prst="rect">
             <a:avLst/>
@@ -979,7 +979,7 @@
         <p:spPr>
           <a:xfrm>
             <a:off x="504000" y="72000"/>
-            <a:ext cx="9070560" cy="862920"/>
+            <a:ext cx="9070200" cy="862560"/>
           </a:xfrm>
           <a:prstGeom prst="rect">
             <a:avLst/>
@@ -1007,8 +1007,8 @@
         </p:nvSpPr>
         <p:spPr>
           <a:xfrm>
-            <a:off x="504000" y="1769040"/>
-            <a:ext cx="4426200" cy="2090880"/>
+            <a:off x="504000" y="1768680"/>
+            <a:ext cx="4426920" cy="2090880"/>
           </a:xfrm>
           <a:prstGeom prst="rect">
             <a:avLst/>
@@ -1037,8 +1037,8 @@
         </p:nvSpPr>
         <p:spPr>
           <a:xfrm>
-            <a:off x="5151960" y="1769040"/>
-            <a:ext cx="4426200" cy="4383720"/>
+            <a:off x="5152680" y="1768680"/>
+            <a:ext cx="4426920" cy="4384080"/>
           </a:xfrm>
           <a:prstGeom prst="rect">
             <a:avLst/>
@@ -1067,8 +1067,8 @@
         </p:nvSpPr>
         <p:spPr>
           <a:xfrm>
-            <a:off x="504000" y="4059000"/>
-            <a:ext cx="4426200" cy="2090880"/>
+            <a:off x="504000" y="4058640"/>
+            <a:ext cx="4426920" cy="2090880"/>
           </a:xfrm>
           <a:prstGeom prst="rect">
             <a:avLst/>
@@ -1120,7 +1120,7 @@
         <p:spPr>
           <a:xfrm>
             <a:off x="504000" y="72000"/>
-            <a:ext cx="9070560" cy="862920"/>
+            <a:ext cx="9070200" cy="862560"/>
           </a:xfrm>
           <a:prstGeom prst="rect">
             <a:avLst/>
@@ -1148,8 +1148,8 @@
         </p:nvSpPr>
         <p:spPr>
           <a:xfrm>
-            <a:off x="504000" y="1769040"/>
-            <a:ext cx="9070560" cy="4383720"/>
+            <a:off x="504000" y="1768680"/>
+            <a:ext cx="9072000" cy="4384080"/>
           </a:xfrm>
           <a:prstGeom prst="rect">
             <a:avLst/>
@@ -1200,7 +1200,7 @@
         <p:spPr>
           <a:xfrm>
             <a:off x="504000" y="72000"/>
-            <a:ext cx="9070560" cy="862920"/>
+            <a:ext cx="9070200" cy="862560"/>
           </a:xfrm>
           <a:prstGeom prst="rect">
             <a:avLst/>
@@ -1228,8 +1228,8 @@
         </p:nvSpPr>
         <p:spPr>
           <a:xfrm>
-            <a:off x="504000" y="1769040"/>
-            <a:ext cx="4426200" cy="4383720"/>
+            <a:off x="504000" y="1768680"/>
+            <a:ext cx="4426920" cy="4384080"/>
           </a:xfrm>
           <a:prstGeom prst="rect">
             <a:avLst/>
@@ -1258,8 +1258,8 @@
         </p:nvSpPr>
         <p:spPr>
           <a:xfrm>
-            <a:off x="5151960" y="1769040"/>
-            <a:ext cx="4426200" cy="2090880"/>
+            <a:off x="5152680" y="1768680"/>
+            <a:ext cx="4426920" cy="2090880"/>
           </a:xfrm>
           <a:prstGeom prst="rect">
             <a:avLst/>
@@ -1288,8 +1288,8 @@
         </p:nvSpPr>
         <p:spPr>
           <a:xfrm>
-            <a:off x="5151960" y="4059000"/>
-            <a:ext cx="4426200" cy="2090880"/>
+            <a:off x="5152680" y="4058640"/>
+            <a:ext cx="4426920" cy="2090880"/>
           </a:xfrm>
           <a:prstGeom prst="rect">
             <a:avLst/>
@@ -1341,7 +1341,7 @@
         <p:spPr>
           <a:xfrm>
             <a:off x="504000" y="72000"/>
-            <a:ext cx="9070560" cy="862920"/>
+            <a:ext cx="9070200" cy="862560"/>
           </a:xfrm>
           <a:prstGeom prst="rect">
             <a:avLst/>
@@ -1369,8 +1369,8 @@
         </p:nvSpPr>
         <p:spPr>
           <a:xfrm>
-            <a:off x="504000" y="1769040"/>
-            <a:ext cx="4426200" cy="2090880"/>
+            <a:off x="504000" y="1768680"/>
+            <a:ext cx="4426920" cy="2090880"/>
           </a:xfrm>
           <a:prstGeom prst="rect">
             <a:avLst/>
@@ -1399,8 +1399,8 @@
         </p:nvSpPr>
         <p:spPr>
           <a:xfrm>
-            <a:off x="5151960" y="1769040"/>
-            <a:ext cx="4426200" cy="2090880"/>
+            <a:off x="5152680" y="1768680"/>
+            <a:ext cx="4426920" cy="2090880"/>
           </a:xfrm>
           <a:prstGeom prst="rect">
             <a:avLst/>
@@ -1429,8 +1429,8 @@
         </p:nvSpPr>
         <p:spPr>
           <a:xfrm>
-            <a:off x="504000" y="4059000"/>
-            <a:ext cx="9070560" cy="2090880"/>
+            <a:off x="504000" y="4058640"/>
+            <a:ext cx="9072000" cy="2090880"/>
           </a:xfrm>
           <a:prstGeom prst="rect">
             <a:avLst/>
@@ -1482,7 +1482,7 @@
         <p:spPr>
           <a:xfrm>
             <a:off x="504000" y="72000"/>
-            <a:ext cx="9070560" cy="862920"/>
+            <a:ext cx="9070200" cy="862560"/>
           </a:xfrm>
           <a:prstGeom prst="rect">
             <a:avLst/>
@@ -1510,8 +1510,8 @@
         </p:nvSpPr>
         <p:spPr>
           <a:xfrm>
-            <a:off x="504000" y="1769040"/>
-            <a:ext cx="9070560" cy="2090880"/>
+            <a:off x="504000" y="1768680"/>
+            <a:ext cx="9072000" cy="2090880"/>
           </a:xfrm>
           <a:prstGeom prst="rect">
             <a:avLst/>
@@ -1540,8 +1540,8 @@
         </p:nvSpPr>
         <p:spPr>
           <a:xfrm>
-            <a:off x="504000" y="4059000"/>
-            <a:ext cx="9070560" cy="2090880"/>
+            <a:off x="504000" y="4058640"/>
+            <a:ext cx="9072000" cy="2090880"/>
           </a:xfrm>
           <a:prstGeom prst="rect">
             <a:avLst/>
@@ -1593,7 +1593,7 @@
         <p:spPr>
           <a:xfrm>
             <a:off x="504000" y="72000"/>
-            <a:ext cx="9070560" cy="862920"/>
+            <a:ext cx="9070200" cy="862560"/>
           </a:xfrm>
           <a:prstGeom prst="rect">
             <a:avLst/>
@@ -1621,8 +1621,8 @@
         </p:nvSpPr>
         <p:spPr>
           <a:xfrm>
-            <a:off x="504000" y="1769040"/>
-            <a:ext cx="4426200" cy="2090880"/>
+            <a:off x="504000" y="1768680"/>
+            <a:ext cx="4426920" cy="2090880"/>
           </a:xfrm>
           <a:prstGeom prst="rect">
             <a:avLst/>
@@ -1651,8 +1651,8 @@
         </p:nvSpPr>
         <p:spPr>
           <a:xfrm>
-            <a:off x="5151960" y="1769040"/>
-            <a:ext cx="4426200" cy="2090880"/>
+            <a:off x="5152680" y="1768680"/>
+            <a:ext cx="4426920" cy="2090880"/>
           </a:xfrm>
           <a:prstGeom prst="rect">
             <a:avLst/>
@@ -1681,8 +1681,8 @@
         </p:nvSpPr>
         <p:spPr>
           <a:xfrm>
-            <a:off x="504000" y="4059000"/>
-            <a:ext cx="4426200" cy="2090880"/>
+            <a:off x="504000" y="4058640"/>
+            <a:ext cx="4426920" cy="2090880"/>
           </a:xfrm>
           <a:prstGeom prst="rect">
             <a:avLst/>
@@ -1711,8 +1711,8 @@
         </p:nvSpPr>
         <p:spPr>
           <a:xfrm>
-            <a:off x="5151960" y="4059000"/>
-            <a:ext cx="4426200" cy="2090880"/>
+            <a:off x="5152680" y="4058640"/>
+            <a:ext cx="4426920" cy="2090880"/>
           </a:xfrm>
           <a:prstGeom prst="rect">
             <a:avLst/>
@@ -1764,7 +1764,7 @@
         <p:spPr>
           <a:xfrm>
             <a:off x="504000" y="72000"/>
-            <a:ext cx="9070560" cy="862920"/>
+            <a:ext cx="9070200" cy="862560"/>
           </a:xfrm>
           <a:prstGeom prst="rect">
             <a:avLst/>
@@ -1792,8 +1792,8 @@
         </p:nvSpPr>
         <p:spPr>
           <a:xfrm>
-            <a:off x="504000" y="1769040"/>
-            <a:ext cx="2920320" cy="2090880"/>
+            <a:off x="504000" y="1768680"/>
+            <a:ext cx="2921040" cy="2090880"/>
           </a:xfrm>
           <a:prstGeom prst="rect">
             <a:avLst/>
@@ -1822,8 +1822,8 @@
         </p:nvSpPr>
         <p:spPr>
           <a:xfrm>
-            <a:off x="3570840" y="1769040"/>
-            <a:ext cx="2920320" cy="2090880"/>
+            <a:off x="3571560" y="1768680"/>
+            <a:ext cx="2921040" cy="2090880"/>
           </a:xfrm>
           <a:prstGeom prst="rect">
             <a:avLst/>
@@ -1852,8 +1852,8 @@
         </p:nvSpPr>
         <p:spPr>
           <a:xfrm>
-            <a:off x="6637320" y="1769040"/>
-            <a:ext cx="2920320" cy="2090880"/>
+            <a:off x="6639120" y="1768680"/>
+            <a:ext cx="2921040" cy="2090880"/>
           </a:xfrm>
           <a:prstGeom prst="rect">
             <a:avLst/>
@@ -1882,8 +1882,8 @@
         </p:nvSpPr>
         <p:spPr>
           <a:xfrm>
-            <a:off x="504000" y="4059000"/>
-            <a:ext cx="2920320" cy="2090880"/>
+            <a:off x="504000" y="4058640"/>
+            <a:ext cx="2921040" cy="2090880"/>
           </a:xfrm>
           <a:prstGeom prst="rect">
             <a:avLst/>
@@ -1912,8 +1912,8 @@
         </p:nvSpPr>
         <p:spPr>
           <a:xfrm>
-            <a:off x="3570840" y="4059000"/>
-            <a:ext cx="2920320" cy="2090880"/>
+            <a:off x="3571560" y="4058640"/>
+            <a:ext cx="2921040" cy="2090880"/>
           </a:xfrm>
           <a:prstGeom prst="rect">
             <a:avLst/>
@@ -1942,8 +1942,8 @@
         </p:nvSpPr>
         <p:spPr>
           <a:xfrm>
-            <a:off x="6637320" y="4059000"/>
-            <a:ext cx="2920320" cy="2090880"/>
+            <a:off x="6639120" y="4058640"/>
+            <a:ext cx="2921040" cy="2090880"/>
           </a:xfrm>
           <a:prstGeom prst="rect">
             <a:avLst/>
@@ -2017,7 +2017,7 @@
         <p:spPr>
           <a:xfrm>
             <a:off x="504000" y="72000"/>
-            <a:ext cx="9070560" cy="862920"/>
+            <a:ext cx="9070200" cy="862560"/>
           </a:xfrm>
           <a:prstGeom prst="rect">
             <a:avLst/>
@@ -2045,8 +2045,8 @@
         </p:nvSpPr>
         <p:spPr>
           <a:xfrm>
-            <a:off x="504000" y="1769040"/>
-            <a:ext cx="9070560" cy="4383720"/>
+            <a:off x="504000" y="1768680"/>
+            <a:ext cx="9072000" cy="4384080"/>
           </a:xfrm>
           <a:prstGeom prst="rect">
             <a:avLst/>
@@ -2097,7 +2097,7 @@
         <p:spPr>
           <a:xfrm>
             <a:off x="504000" y="72000"/>
-            <a:ext cx="9070560" cy="862920"/>
+            <a:ext cx="9070200" cy="862560"/>
           </a:xfrm>
           <a:prstGeom prst="rect">
             <a:avLst/>
@@ -2125,8 +2125,8 @@
         </p:nvSpPr>
         <p:spPr>
           <a:xfrm>
-            <a:off x="504000" y="1769040"/>
-            <a:ext cx="9070560" cy="4383720"/>
+            <a:off x="504000" y="1768680"/>
+            <a:ext cx="9072000" cy="4384080"/>
           </a:xfrm>
           <a:prstGeom prst="rect">
             <a:avLst/>
@@ -2178,7 +2178,7 @@
         <p:spPr>
           <a:xfrm>
             <a:off x="504000" y="72000"/>
-            <a:ext cx="9070560" cy="862920"/>
+            <a:ext cx="9070200" cy="862560"/>
           </a:xfrm>
           <a:prstGeom prst="rect">
             <a:avLst/>
@@ -2206,8 +2206,8 @@
         </p:nvSpPr>
         <p:spPr>
           <a:xfrm>
-            <a:off x="504000" y="1769040"/>
-            <a:ext cx="4426200" cy="4383720"/>
+            <a:off x="504000" y="1768680"/>
+            <a:ext cx="4426920" cy="4384080"/>
           </a:xfrm>
           <a:prstGeom prst="rect">
             <a:avLst/>
@@ -2236,8 +2236,8 @@
         </p:nvSpPr>
         <p:spPr>
           <a:xfrm>
-            <a:off x="5151960" y="1769040"/>
-            <a:ext cx="4426200" cy="4383720"/>
+            <a:off x="5152680" y="1768680"/>
+            <a:ext cx="4426920" cy="4384080"/>
           </a:xfrm>
           <a:prstGeom prst="rect">
             <a:avLst/>
@@ -2289,7 +2289,7 @@
         <p:spPr>
           <a:xfrm>
             <a:off x="504000" y="72000"/>
-            <a:ext cx="9070560" cy="862920"/>
+            <a:ext cx="9070200" cy="862560"/>
           </a:xfrm>
           <a:prstGeom prst="rect">
             <a:avLst/>
@@ -2340,7 +2340,7 @@
         <p:spPr>
           <a:xfrm>
             <a:off x="504000" y="72000"/>
-            <a:ext cx="9070560" cy="862920"/>
+            <a:ext cx="9070200" cy="862560"/>
           </a:xfrm>
           <a:prstGeom prst="rect">
             <a:avLst/>
@@ -2368,8 +2368,8 @@
         </p:nvSpPr>
         <p:spPr>
           <a:xfrm>
-            <a:off x="504000" y="1769040"/>
-            <a:ext cx="9070560" cy="4383720"/>
+            <a:off x="504000" y="1768680"/>
+            <a:ext cx="9072000" cy="4384080"/>
           </a:xfrm>
           <a:prstGeom prst="rect">
             <a:avLst/>
@@ -2421,7 +2421,7 @@
         <p:spPr>
           <a:xfrm>
             <a:off x="504000" y="72000"/>
-            <a:ext cx="9070560" cy="4001400"/>
+            <a:ext cx="9070200" cy="3999600"/>
           </a:xfrm>
           <a:prstGeom prst="rect">
             <a:avLst/>
@@ -2472,7 +2472,7 @@
         <p:spPr>
           <a:xfrm>
             <a:off x="504000" y="72000"/>
-            <a:ext cx="9070560" cy="862920"/>
+            <a:ext cx="9070200" cy="862560"/>
           </a:xfrm>
           <a:prstGeom prst="rect">
             <a:avLst/>
@@ -2500,8 +2500,8 @@
         </p:nvSpPr>
         <p:spPr>
           <a:xfrm>
-            <a:off x="504000" y="1769040"/>
-            <a:ext cx="4426200" cy="2090880"/>
+            <a:off x="504000" y="1768680"/>
+            <a:ext cx="4426920" cy="2090880"/>
           </a:xfrm>
           <a:prstGeom prst="rect">
             <a:avLst/>
@@ -2530,8 +2530,8 @@
         </p:nvSpPr>
         <p:spPr>
           <a:xfrm>
-            <a:off x="5151960" y="1769040"/>
-            <a:ext cx="4426200" cy="4383720"/>
+            <a:off x="5152680" y="1768680"/>
+            <a:ext cx="4426920" cy="4384080"/>
           </a:xfrm>
           <a:prstGeom prst="rect">
             <a:avLst/>
@@ -2560,8 +2560,8 @@
         </p:nvSpPr>
         <p:spPr>
           <a:xfrm>
-            <a:off x="504000" y="4059000"/>
-            <a:ext cx="4426200" cy="2090880"/>
+            <a:off x="504000" y="4058640"/>
+            <a:ext cx="4426920" cy="2090880"/>
           </a:xfrm>
           <a:prstGeom prst="rect">
             <a:avLst/>
@@ -2613,7 +2613,7 @@
         <p:spPr>
           <a:xfrm>
             <a:off x="504000" y="72000"/>
-            <a:ext cx="9070560" cy="862920"/>
+            <a:ext cx="9070200" cy="862560"/>
           </a:xfrm>
           <a:prstGeom prst="rect">
             <a:avLst/>
@@ -2641,8 +2641,8 @@
         </p:nvSpPr>
         <p:spPr>
           <a:xfrm>
-            <a:off x="504000" y="1769040"/>
-            <a:ext cx="4426200" cy="4383720"/>
+            <a:off x="504000" y="1768680"/>
+            <a:ext cx="4426920" cy="4384080"/>
           </a:xfrm>
           <a:prstGeom prst="rect">
             <a:avLst/>
@@ -2671,8 +2671,8 @@
         </p:nvSpPr>
         <p:spPr>
           <a:xfrm>
-            <a:off x="5151960" y="1769040"/>
-            <a:ext cx="4426200" cy="2090880"/>
+            <a:off x="5152680" y="1768680"/>
+            <a:ext cx="4426920" cy="2090880"/>
           </a:xfrm>
           <a:prstGeom prst="rect">
             <a:avLst/>
@@ -2701,8 +2701,8 @@
         </p:nvSpPr>
         <p:spPr>
           <a:xfrm>
-            <a:off x="5151960" y="4059000"/>
-            <a:ext cx="4426200" cy="2090880"/>
+            <a:off x="5152680" y="4058640"/>
+            <a:ext cx="4426920" cy="2090880"/>
           </a:xfrm>
           <a:prstGeom prst="rect">
             <a:avLst/>
@@ -2754,7 +2754,7 @@
         <p:spPr>
           <a:xfrm>
             <a:off x="504000" y="72000"/>
-            <a:ext cx="9070560" cy="862920"/>
+            <a:ext cx="9070200" cy="862560"/>
           </a:xfrm>
           <a:prstGeom prst="rect">
             <a:avLst/>
@@ -2782,8 +2782,8 @@
         </p:nvSpPr>
         <p:spPr>
           <a:xfrm>
-            <a:off x="504000" y="1769040"/>
-            <a:ext cx="4426200" cy="2090880"/>
+            <a:off x="504000" y="1768680"/>
+            <a:ext cx="4426920" cy="2090880"/>
           </a:xfrm>
           <a:prstGeom prst="rect">
             <a:avLst/>
@@ -2812,8 +2812,8 @@
         </p:nvSpPr>
         <p:spPr>
           <a:xfrm>
-            <a:off x="5151960" y="1769040"/>
-            <a:ext cx="4426200" cy="2090880"/>
+            <a:off x="5152680" y="1768680"/>
+            <a:ext cx="4426920" cy="2090880"/>
           </a:xfrm>
           <a:prstGeom prst="rect">
             <a:avLst/>
@@ -2842,8 +2842,8 @@
         </p:nvSpPr>
         <p:spPr>
           <a:xfrm>
-            <a:off x="504000" y="4059000"/>
-            <a:ext cx="9070560" cy="2090880"/>
+            <a:off x="504000" y="4058640"/>
+            <a:ext cx="9072000" cy="2090880"/>
           </a:xfrm>
           <a:prstGeom prst="rect">
             <a:avLst/>
@@ -2895,7 +2895,7 @@
         <p:spPr>
           <a:xfrm>
             <a:off x="504000" y="72000"/>
-            <a:ext cx="9070560" cy="862920"/>
+            <a:ext cx="9070200" cy="862560"/>
           </a:xfrm>
           <a:prstGeom prst="rect">
             <a:avLst/>
@@ -2923,8 +2923,8 @@
         </p:nvSpPr>
         <p:spPr>
           <a:xfrm>
-            <a:off x="504000" y="1769040"/>
-            <a:ext cx="9070560" cy="2090880"/>
+            <a:off x="504000" y="1768680"/>
+            <a:ext cx="9072000" cy="2090880"/>
           </a:xfrm>
           <a:prstGeom prst="rect">
             <a:avLst/>
@@ -2953,8 +2953,8 @@
         </p:nvSpPr>
         <p:spPr>
           <a:xfrm>
-            <a:off x="504000" y="4059000"/>
-            <a:ext cx="9070560" cy="2090880"/>
+            <a:off x="504000" y="4058640"/>
+            <a:ext cx="9072000" cy="2090880"/>
           </a:xfrm>
           <a:prstGeom prst="rect">
             <a:avLst/>
@@ -3006,7 +3006,7 @@
         <p:spPr>
           <a:xfrm>
             <a:off x="504000" y="72000"/>
-            <a:ext cx="9070560" cy="862920"/>
+            <a:ext cx="9070200" cy="862560"/>
           </a:xfrm>
           <a:prstGeom prst="rect">
             <a:avLst/>
@@ -3034,8 +3034,8 @@
         </p:nvSpPr>
         <p:spPr>
           <a:xfrm>
-            <a:off x="504000" y="1769040"/>
-            <a:ext cx="4426200" cy="2090880"/>
+            <a:off x="504000" y="1768680"/>
+            <a:ext cx="4426920" cy="2090880"/>
           </a:xfrm>
           <a:prstGeom prst="rect">
             <a:avLst/>
@@ -3064,8 +3064,8 @@
         </p:nvSpPr>
         <p:spPr>
           <a:xfrm>
-            <a:off x="5151960" y="1769040"/>
-            <a:ext cx="4426200" cy="2090880"/>
+            <a:off x="5152680" y="1768680"/>
+            <a:ext cx="4426920" cy="2090880"/>
           </a:xfrm>
           <a:prstGeom prst="rect">
             <a:avLst/>
@@ -3094,8 +3094,8 @@
         </p:nvSpPr>
         <p:spPr>
           <a:xfrm>
-            <a:off x="504000" y="4059000"/>
-            <a:ext cx="4426200" cy="2090880"/>
+            <a:off x="504000" y="4058640"/>
+            <a:ext cx="4426920" cy="2090880"/>
           </a:xfrm>
           <a:prstGeom prst="rect">
             <a:avLst/>
@@ -3124,8 +3124,8 @@
         </p:nvSpPr>
         <p:spPr>
           <a:xfrm>
-            <a:off x="5151960" y="4059000"/>
-            <a:ext cx="4426200" cy="2090880"/>
+            <a:off x="5152680" y="4058640"/>
+            <a:ext cx="4426920" cy="2090880"/>
           </a:xfrm>
           <a:prstGeom prst="rect">
             <a:avLst/>
@@ -3177,7 +3177,7 @@
         <p:spPr>
           <a:xfrm>
             <a:off x="504000" y="72000"/>
-            <a:ext cx="9070560" cy="862920"/>
+            <a:ext cx="9070200" cy="862560"/>
           </a:xfrm>
           <a:prstGeom prst="rect">
             <a:avLst/>
@@ -3205,8 +3205,8 @@
         </p:nvSpPr>
         <p:spPr>
           <a:xfrm>
-            <a:off x="504000" y="1769040"/>
-            <a:ext cx="2920320" cy="2090880"/>
+            <a:off x="504000" y="1768680"/>
+            <a:ext cx="2921040" cy="2090880"/>
           </a:xfrm>
           <a:prstGeom prst="rect">
             <a:avLst/>
@@ -3235,8 +3235,8 @@
         </p:nvSpPr>
         <p:spPr>
           <a:xfrm>
-            <a:off x="3570840" y="1769040"/>
-            <a:ext cx="2920320" cy="2090880"/>
+            <a:off x="3571560" y="1768680"/>
+            <a:ext cx="2921040" cy="2090880"/>
           </a:xfrm>
           <a:prstGeom prst="rect">
             <a:avLst/>
@@ -3265,8 +3265,8 @@
         </p:nvSpPr>
         <p:spPr>
           <a:xfrm>
-            <a:off x="6637320" y="1769040"/>
-            <a:ext cx="2920320" cy="2090880"/>
+            <a:off x="6639120" y="1768680"/>
+            <a:ext cx="2921040" cy="2090880"/>
           </a:xfrm>
           <a:prstGeom prst="rect">
             <a:avLst/>
@@ -3295,8 +3295,8 @@
         </p:nvSpPr>
         <p:spPr>
           <a:xfrm>
-            <a:off x="504000" y="4059000"/>
-            <a:ext cx="2920320" cy="2090880"/>
+            <a:off x="504000" y="4058640"/>
+            <a:ext cx="2921040" cy="2090880"/>
           </a:xfrm>
           <a:prstGeom prst="rect">
             <a:avLst/>
@@ -3325,8 +3325,8 @@
         </p:nvSpPr>
         <p:spPr>
           <a:xfrm>
-            <a:off x="3570840" y="4059000"/>
-            <a:ext cx="2920320" cy="2090880"/>
+            <a:off x="3571560" y="4058640"/>
+            <a:ext cx="2921040" cy="2090880"/>
           </a:xfrm>
           <a:prstGeom prst="rect">
             <a:avLst/>
@@ -3355,8 +3355,8 @@
         </p:nvSpPr>
         <p:spPr>
           <a:xfrm>
-            <a:off x="6637320" y="4059000"/>
-            <a:ext cx="2920320" cy="2090880"/>
+            <a:off x="6639120" y="4058640"/>
+            <a:ext cx="2921040" cy="2090880"/>
           </a:xfrm>
           <a:prstGeom prst="rect">
             <a:avLst/>
@@ -3408,7 +3408,7 @@
         <p:spPr>
           <a:xfrm>
             <a:off x="504000" y="72000"/>
-            <a:ext cx="9070560" cy="862920"/>
+            <a:ext cx="9070200" cy="862560"/>
           </a:xfrm>
           <a:prstGeom prst="rect">
             <a:avLst/>
@@ -3436,8 +3436,8 @@
         </p:nvSpPr>
         <p:spPr>
           <a:xfrm>
-            <a:off x="504000" y="1769040"/>
-            <a:ext cx="4426200" cy="4383720"/>
+            <a:off x="504000" y="1768680"/>
+            <a:ext cx="4426920" cy="4384080"/>
           </a:xfrm>
           <a:prstGeom prst="rect">
             <a:avLst/>
@@ -3466,8 +3466,8 @@
         </p:nvSpPr>
         <p:spPr>
           <a:xfrm>
-            <a:off x="5151960" y="1769040"/>
-            <a:ext cx="4426200" cy="4383720"/>
+            <a:off x="5152680" y="1768680"/>
+            <a:ext cx="4426920" cy="4384080"/>
           </a:xfrm>
           <a:prstGeom prst="rect">
             <a:avLst/>
@@ -3519,7 +3519,7 @@
         <p:spPr>
           <a:xfrm>
             <a:off x="504000" y="72000"/>
-            <a:ext cx="9070560" cy="862920"/>
+            <a:ext cx="9070200" cy="862560"/>
           </a:xfrm>
           <a:prstGeom prst="rect">
             <a:avLst/>
@@ -3570,7 +3570,7 @@
         <p:spPr>
           <a:xfrm>
             <a:off x="504000" y="72000"/>
-            <a:ext cx="9070560" cy="4001400"/>
+            <a:ext cx="9070200" cy="3999600"/>
           </a:xfrm>
           <a:prstGeom prst="rect">
             <a:avLst/>
@@ -3621,7 +3621,7 @@
         <p:spPr>
           <a:xfrm>
             <a:off x="504000" y="72000"/>
-            <a:ext cx="9070560" cy="862920"/>
+            <a:ext cx="9070200" cy="862560"/>
           </a:xfrm>
           <a:prstGeom prst="rect">
             <a:avLst/>
@@ -3649,8 +3649,8 @@
         </p:nvSpPr>
         <p:spPr>
           <a:xfrm>
-            <a:off x="504000" y="1769040"/>
-            <a:ext cx="4426200" cy="2090880"/>
+            <a:off x="504000" y="1768680"/>
+            <a:ext cx="4426920" cy="2090880"/>
           </a:xfrm>
           <a:prstGeom prst="rect">
             <a:avLst/>
@@ -3679,8 +3679,8 @@
         </p:nvSpPr>
         <p:spPr>
           <a:xfrm>
-            <a:off x="5151960" y="1769040"/>
-            <a:ext cx="4426200" cy="4383720"/>
+            <a:off x="5152680" y="1768680"/>
+            <a:ext cx="4426920" cy="4384080"/>
           </a:xfrm>
           <a:prstGeom prst="rect">
             <a:avLst/>
@@ -3709,8 +3709,8 @@
         </p:nvSpPr>
         <p:spPr>
           <a:xfrm>
-            <a:off x="504000" y="4059000"/>
-            <a:ext cx="4426200" cy="2090880"/>
+            <a:off x="504000" y="4058640"/>
+            <a:ext cx="4426920" cy="2090880"/>
           </a:xfrm>
           <a:prstGeom prst="rect">
             <a:avLst/>
@@ -3762,7 +3762,7 @@
         <p:spPr>
           <a:xfrm>
             <a:off x="504000" y="72000"/>
-            <a:ext cx="9070560" cy="862920"/>
+            <a:ext cx="9070200" cy="862560"/>
           </a:xfrm>
           <a:prstGeom prst="rect">
             <a:avLst/>
@@ -3790,8 +3790,8 @@
         </p:nvSpPr>
         <p:spPr>
           <a:xfrm>
-            <a:off x="504000" y="1769040"/>
-            <a:ext cx="4426200" cy="4383720"/>
+            <a:off x="504000" y="1768680"/>
+            <a:ext cx="4426920" cy="4384080"/>
           </a:xfrm>
           <a:prstGeom prst="rect">
             <a:avLst/>
@@ -3820,8 +3820,8 @@
         </p:nvSpPr>
         <p:spPr>
           <a:xfrm>
-            <a:off x="5151960" y="1769040"/>
-            <a:ext cx="4426200" cy="2090880"/>
+            <a:off x="5152680" y="1768680"/>
+            <a:ext cx="4426920" cy="2090880"/>
           </a:xfrm>
           <a:prstGeom prst="rect">
             <a:avLst/>
@@ -3850,8 +3850,8 @@
         </p:nvSpPr>
         <p:spPr>
           <a:xfrm>
-            <a:off x="5151960" y="4059000"/>
-            <a:ext cx="4426200" cy="2090880"/>
+            <a:off x="5152680" y="4058640"/>
+            <a:ext cx="4426920" cy="2090880"/>
           </a:xfrm>
           <a:prstGeom prst="rect">
             <a:avLst/>
@@ -3903,7 +3903,7 @@
         <p:spPr>
           <a:xfrm>
             <a:off x="504000" y="72000"/>
-            <a:ext cx="9070560" cy="862920"/>
+            <a:ext cx="9070200" cy="862560"/>
           </a:xfrm>
           <a:prstGeom prst="rect">
             <a:avLst/>
@@ -3931,8 +3931,8 @@
         </p:nvSpPr>
         <p:spPr>
           <a:xfrm>
-            <a:off x="504000" y="1769040"/>
-            <a:ext cx="4426200" cy="2090880"/>
+            <a:off x="504000" y="1768680"/>
+            <a:ext cx="4426920" cy="2090880"/>
           </a:xfrm>
           <a:prstGeom prst="rect">
             <a:avLst/>
@@ -3961,8 +3961,8 @@
         </p:nvSpPr>
         <p:spPr>
           <a:xfrm>
-            <a:off x="5151960" y="1769040"/>
-            <a:ext cx="4426200" cy="2090880"/>
+            <a:off x="5152680" y="1768680"/>
+            <a:ext cx="4426920" cy="2090880"/>
           </a:xfrm>
           <a:prstGeom prst="rect">
             <a:avLst/>
@@ -3991,8 +3991,8 @@
         </p:nvSpPr>
         <p:spPr>
           <a:xfrm>
-            <a:off x="504000" y="4059000"/>
-            <a:ext cx="9070560" cy="2090880"/>
+            <a:off x="504000" y="4058640"/>
+            <a:ext cx="9072000" cy="2090880"/>
           </a:xfrm>
           <a:prstGeom prst="rect">
             <a:avLst/>
@@ -4054,7 +4054,7 @@
         <p:spPr>
           <a:xfrm>
             <a:off x="504000" y="72000"/>
-            <a:ext cx="9070560" cy="862920"/>
+            <a:ext cx="9070200" cy="862560"/>
           </a:xfrm>
           <a:prstGeom prst="rect">
             <a:avLst/>
@@ -4575,7 +4575,7 @@
         <p:spPr>
           <a:xfrm>
             <a:off x="504000" y="72000"/>
-            <a:ext cx="9070560" cy="862920"/>
+            <a:ext cx="9070200" cy="862560"/>
           </a:xfrm>
           <a:prstGeom prst="rect">
             <a:avLst/>
@@ -4608,8 +4608,8 @@
         </p:nvSpPr>
         <p:spPr>
           <a:xfrm>
-            <a:off x="504000" y="1769040"/>
-            <a:ext cx="9070560" cy="4383720"/>
+            <a:off x="504000" y="1768680"/>
+            <a:ext cx="9072000" cy="4384080"/>
           </a:xfrm>
           <a:prstGeom prst="rect">
             <a:avLst/>
@@ -4632,12 +4632,12 @@
               <a:buChar char=""/>
             </a:pPr>
             <a:r>
-              <a:rPr b="0" lang="cs-CZ" sz="1800" spc="-1" strike="noStrike">
+              <a:rPr b="0" lang="cs-CZ" sz="3200" spc="-1" strike="noStrike">
                 <a:latin typeface="Arial"/>
               </a:rPr>
               <a:t>Klikněte pro úpravu formátu textu osnovy</a:t>
             </a:r>
-            <a:endParaRPr b="0" lang="cs-CZ" sz="1800" spc="-1" strike="noStrike">
+            <a:endParaRPr b="0" lang="cs-CZ" sz="3200" spc="-1" strike="noStrike">
               <a:latin typeface="Arial"/>
             </a:endParaRPr>
           </a:p>
@@ -4654,12 +4654,12 @@
               <a:buChar char=""/>
             </a:pPr>
             <a:r>
-              <a:rPr b="0" lang="cs-CZ" sz="1800" spc="-1" strike="noStrike">
+              <a:rPr b="0" lang="cs-CZ" sz="2800" spc="-1" strike="noStrike">
                 <a:latin typeface="Arial"/>
               </a:rPr>
               <a:t>Druhá úroveň</a:t>
             </a:r>
-            <a:endParaRPr b="0" lang="cs-CZ" sz="1800" spc="-1" strike="noStrike">
+            <a:endParaRPr b="0" lang="cs-CZ" sz="2800" spc="-1" strike="noStrike">
               <a:latin typeface="Arial"/>
             </a:endParaRPr>
           </a:p>
@@ -4676,12 +4676,12 @@
               <a:buChar char=""/>
             </a:pPr>
             <a:r>
-              <a:rPr b="0" lang="cs-CZ" sz="1800" spc="-1" strike="noStrike">
+              <a:rPr b="0" lang="cs-CZ" sz="2400" spc="-1" strike="noStrike">
                 <a:latin typeface="Arial"/>
               </a:rPr>
               <a:t>Třetí úroveň</a:t>
             </a:r>
-            <a:endParaRPr b="0" lang="cs-CZ" sz="1800" spc="-1" strike="noStrike">
+            <a:endParaRPr b="0" lang="cs-CZ" sz="2400" spc="-1" strike="noStrike">
               <a:latin typeface="Arial"/>
             </a:endParaRPr>
           </a:p>
@@ -4698,12 +4698,12 @@
               <a:buChar char=""/>
             </a:pPr>
             <a:r>
-              <a:rPr b="0" lang="cs-CZ" sz="1800" spc="-1" strike="noStrike">
+              <a:rPr b="0" lang="cs-CZ" sz="2000" spc="-1" strike="noStrike">
                 <a:latin typeface="Arial"/>
               </a:rPr>
               <a:t>Čtvrtá úroveň osnovy</a:t>
             </a:r>
-            <a:endParaRPr b="0" lang="cs-CZ" sz="1800" spc="-1" strike="noStrike">
+            <a:endParaRPr b="0" lang="cs-CZ" sz="2000" spc="-1" strike="noStrike">
               <a:latin typeface="Arial"/>
             </a:endParaRPr>
           </a:p>
@@ -4720,12 +4720,12 @@
               <a:buChar char=""/>
             </a:pPr>
             <a:r>
-              <a:rPr b="0" lang="cs-CZ" sz="1800" spc="-1" strike="noStrike">
+              <a:rPr b="0" lang="cs-CZ" sz="2000" spc="-1" strike="noStrike">
                 <a:latin typeface="Arial"/>
               </a:rPr>
               <a:t>Pátá úroveň osnovy</a:t>
             </a:r>
-            <a:endParaRPr b="0" lang="cs-CZ" sz="1800" spc="-1" strike="noStrike">
+            <a:endParaRPr b="0" lang="cs-CZ" sz="2000" spc="-1" strike="noStrike">
               <a:latin typeface="Arial"/>
             </a:endParaRPr>
           </a:p>
@@ -4742,12 +4742,12 @@
               <a:buChar char=""/>
             </a:pPr>
             <a:r>
-              <a:rPr b="0" lang="cs-CZ" sz="1800" spc="-1" strike="noStrike">
+              <a:rPr b="0" lang="cs-CZ" sz="2000" spc="-1" strike="noStrike">
                 <a:latin typeface="Arial"/>
               </a:rPr>
               <a:t>Šestá úroveň</a:t>
             </a:r>
-            <a:endParaRPr b="0" lang="cs-CZ" sz="1800" spc="-1" strike="noStrike">
+            <a:endParaRPr b="0" lang="cs-CZ" sz="2000" spc="-1" strike="noStrike">
               <a:latin typeface="Arial"/>
             </a:endParaRPr>
           </a:p>
@@ -4764,12 +4764,12 @@
               <a:buChar char=""/>
             </a:pPr>
             <a:r>
-              <a:rPr b="0" lang="cs-CZ" sz="1800" spc="-1" strike="noStrike">
+              <a:rPr b="0" lang="cs-CZ" sz="2000" spc="-1" strike="noStrike">
                 <a:latin typeface="Arial"/>
               </a:rPr>
               <a:t>Sedmá úroveň</a:t>
             </a:r>
-            <a:endParaRPr b="0" lang="cs-CZ" sz="1800" spc="-1" strike="noStrike">
+            <a:endParaRPr b="0" lang="cs-CZ" sz="2000" spc="-1" strike="noStrike">
               <a:latin typeface="Arial"/>
             </a:endParaRPr>
           </a:p>
@@ -4821,7 +4821,7 @@
         <p:spPr>
           <a:xfrm>
             <a:off x="504360" y="3528000"/>
-            <a:ext cx="9070560" cy="829080"/>
+            <a:ext cx="9070200" cy="828720"/>
           </a:xfrm>
           <a:prstGeom prst="rect">
             <a:avLst/>
@@ -4872,7 +4872,7 @@
         <p:spPr>
           <a:xfrm>
             <a:off x="1728000" y="1080000"/>
-            <a:ext cx="6118920" cy="941400"/>
+            <a:ext cx="6118560" cy="941040"/>
           </a:xfrm>
           <a:prstGeom prst="rect">
             <a:avLst/>
@@ -4970,7 +4970,7 @@
         <p:spPr>
           <a:xfrm>
             <a:off x="504000" y="72000"/>
-            <a:ext cx="9070560" cy="862920"/>
+            <a:ext cx="9070200" cy="862560"/>
           </a:xfrm>
           <a:prstGeom prst="rect">
             <a:avLst/>
@@ -5019,7 +5019,7 @@
         <p:spPr>
           <a:xfrm>
             <a:off x="504000" y="1769040"/>
-            <a:ext cx="9070560" cy="4383720"/>
+            <a:ext cx="9070200" cy="4383360"/>
           </a:xfrm>
           <a:prstGeom prst="rect">
             <a:avLst/>
@@ -5048,12 +5048,72 @@
             <a:r>
               <a:rPr b="0" lang="cs-CZ" sz="3200" spc="-1" strike="noStrike">
                 <a:solidFill>
+                  <a:srgbClr val="008000"/>
+                </a:solidFill>
+                <a:latin typeface="Courier New"/>
+                <a:ea typeface="DejaVu Sans"/>
+              </a:rPr>
+              <a:t>from</a:t>
+            </a:r>
+            <a:r>
+              <a:rPr b="0" lang="cs-CZ" sz="3200" spc="-1" strike="noStrike">
+                <a:solidFill>
                   <a:srgbClr val="000000"/>
                 </a:solidFill>
                 <a:latin typeface="Courier New"/>
                 <a:ea typeface="DejaVu Sans"/>
               </a:rPr>
-              <a:t>from microbit import *</a:t>
+              <a:t> </a:t>
+            </a:r>
+            <a:r>
+              <a:rPr b="0" lang="cs-CZ" sz="3200" spc="-1" strike="noStrike">
+                <a:solidFill>
+                  <a:srgbClr val="0000ff"/>
+                </a:solidFill>
+                <a:latin typeface="Courier New"/>
+                <a:ea typeface="DejaVu Sans"/>
+              </a:rPr>
+              <a:t>microbit</a:t>
+            </a:r>
+            <a:r>
+              <a:rPr b="0" lang="cs-CZ" sz="3200" spc="-1" strike="noStrike">
+                <a:solidFill>
+                  <a:srgbClr val="000000"/>
+                </a:solidFill>
+                <a:latin typeface="Courier New"/>
+                <a:ea typeface="DejaVu Sans"/>
+              </a:rPr>
+              <a:t> </a:t>
+            </a:r>
+            <a:r>
+              <a:rPr b="0" lang="cs-CZ" sz="3200" spc="-1" strike="noStrike">
+                <a:solidFill>
+                  <a:srgbClr val="008000"/>
+                </a:solidFill>
+                <a:latin typeface="Courier New"/>
+                <a:ea typeface="DejaVu Sans"/>
+              </a:rPr>
+              <a:t>import</a:t>
+            </a:r>
+            <a:r>
+              <a:rPr b="0" lang="cs-CZ" sz="3200" spc="-1" strike="noStrike">
+                <a:solidFill>
+                  <a:srgbClr val="000000"/>
+                </a:solidFill>
+                <a:latin typeface="Courier New"/>
+                <a:ea typeface="DejaVu Sans"/>
+              </a:rPr>
+              <a:t> </a:t>
+            </a:r>
+            <a:r>
+              <a:rPr b="0" lang="cs-CZ" sz="3200" spc="-1" strike="noStrike">
+                <a:solidFill>
+                  <a:srgbClr val="666666"/>
+                </a:solidFill>
+                <a:latin typeface="Courier New"/>
+                <a:ea typeface="DejaVu Sans"/>
+              </a:rPr>
+              <a:t>*</a:t>
             </a:r>
             <a:endParaRPr b="0" lang="cs-CZ" sz="3200" spc="-1" strike="noStrike">
               <a:latin typeface="Arial"/>
@@ -5073,7 +5133,47 @@
                 <a:latin typeface="Courier New"/>
                 <a:ea typeface="DejaVu Sans"/>
               </a:rPr>
-              <a:t>display.show(Image.SAD)</a:t>
+              <a:t>display</a:t>
+            </a:r>
+            <a:r>
+              <a:rPr b="0" lang="cs-CZ" sz="3200" spc="-1" strike="noStrike">
+                <a:solidFill>
+                  <a:srgbClr val="666666"/>
+                </a:solidFill>
+                <a:latin typeface="Courier New"/>
+                <a:ea typeface="DejaVu Sans"/>
+              </a:rPr>
+              <a:t>.</a:t>
+            </a:r>
+            <a:r>
+              <a:rPr b="0" lang="cs-CZ" sz="3200" spc="-1" strike="noStrike">
+                <a:solidFill>
+                  <a:srgbClr val="000000"/>
+                </a:solidFill>
+                <a:latin typeface="Courier New"/>
+                <a:ea typeface="DejaVu Sans"/>
+              </a:rPr>
+              <a:t>show(Image</a:t>
+            </a:r>
+            <a:r>
+              <a:rPr b="0" lang="cs-CZ" sz="3200" spc="-1" strike="noStrike">
+                <a:solidFill>
+                  <a:srgbClr val="666666"/>
+                </a:solidFill>
+                <a:latin typeface="Courier New"/>
+                <a:ea typeface="DejaVu Sans"/>
+              </a:rPr>
+              <a:t>.</a:t>
+            </a:r>
+            <a:r>
+              <a:rPr b="0" lang="cs-CZ" sz="3200" spc="-1" strike="noStrike">
+                <a:solidFill>
+                  <a:srgbClr val="000000"/>
+                </a:solidFill>
+                <a:latin typeface="Courier New"/>
+                <a:ea typeface="DejaVu Sans"/>
+              </a:rPr>
+              <a:t>SAD)</a:t>
             </a:r>
             <a:endParaRPr b="0" lang="cs-CZ" sz="3200" spc="-1" strike="noStrike">
               <a:latin typeface="Arial"/>
@@ -5093,7 +5193,27 @@
                 <a:latin typeface="Courier New"/>
                 <a:ea typeface="DejaVu Sans"/>
               </a:rPr>
-              <a:t>sleep(1000)</a:t>
+              <a:t>sleep(</a:t>
+            </a:r>
+            <a:r>
+              <a:rPr b="0" lang="cs-CZ" sz="3200" spc="-1" strike="noStrike">
+                <a:solidFill>
+                  <a:srgbClr val="666666"/>
+                </a:solidFill>
+                <a:latin typeface="Courier New"/>
+                <a:ea typeface="DejaVu Sans"/>
+              </a:rPr>
+              <a:t>1000</a:t>
+            </a:r>
+            <a:r>
+              <a:rPr b="0" lang="cs-CZ" sz="3200" spc="-1" strike="noStrike">
+                <a:solidFill>
+                  <a:srgbClr val="000000"/>
+                </a:solidFill>
+                <a:latin typeface="Courier New"/>
+                <a:ea typeface="DejaVu Sans"/>
+              </a:rPr>
+              <a:t>)</a:t>
             </a:r>
             <a:endParaRPr b="0" lang="cs-CZ" sz="3200" spc="-1" strike="noStrike">
               <a:latin typeface="Arial"/>
@@ -5113,7 +5233,47 @@
                 <a:latin typeface="Courier New"/>
                 <a:ea typeface="DejaVu Sans"/>
               </a:rPr>
-              <a:t>display.show(Image.SMILE)</a:t>
+              <a:t>display</a:t>
+            </a:r>
+            <a:r>
+              <a:rPr b="0" lang="cs-CZ" sz="3200" spc="-1" strike="noStrike">
+                <a:solidFill>
+                  <a:srgbClr val="666666"/>
+                </a:solidFill>
+                <a:latin typeface="Courier New"/>
+                <a:ea typeface="DejaVu Sans"/>
+              </a:rPr>
+              <a:t>.</a:t>
+            </a:r>
+            <a:r>
+              <a:rPr b="0" lang="cs-CZ" sz="3200" spc="-1" strike="noStrike">
+                <a:solidFill>
+                  <a:srgbClr val="000000"/>
+                </a:solidFill>
+                <a:latin typeface="Courier New"/>
+                <a:ea typeface="DejaVu Sans"/>
+              </a:rPr>
+              <a:t>show(Image</a:t>
+            </a:r>
+            <a:r>
+              <a:rPr b="0" lang="cs-CZ" sz="3200" spc="-1" strike="noStrike">
+                <a:solidFill>
+                  <a:srgbClr val="666666"/>
+                </a:solidFill>
+                <a:latin typeface="Courier New"/>
+                <a:ea typeface="DejaVu Sans"/>
+              </a:rPr>
+              <a:t>.</a:t>
+            </a:r>
+            <a:r>
+              <a:rPr b="0" lang="cs-CZ" sz="3200" spc="-1" strike="noStrike">
+                <a:solidFill>
+                  <a:srgbClr val="000000"/>
+                </a:solidFill>
+                <a:latin typeface="Courier New"/>
+                <a:ea typeface="DejaVu Sans"/>
+              </a:rPr>
+              <a:t>SMILE)</a:t>
             </a:r>
             <a:endParaRPr b="0" lang="cs-CZ" sz="3200" spc="-1" strike="noStrike">
               <a:latin typeface="Arial"/>
@@ -5133,7 +5293,27 @@
                 <a:latin typeface="Courier New"/>
                 <a:ea typeface="DejaVu Sans"/>
               </a:rPr>
-              <a:t>sleep(1000)</a:t>
+              <a:t>sleep(</a:t>
+            </a:r>
+            <a:r>
+              <a:rPr b="0" lang="cs-CZ" sz="3200" spc="-1" strike="noStrike">
+                <a:solidFill>
+                  <a:srgbClr val="666666"/>
+                </a:solidFill>
+                <a:latin typeface="Courier New"/>
+                <a:ea typeface="DejaVu Sans"/>
+              </a:rPr>
+              <a:t>1000</a:t>
+            </a:r>
+            <a:r>
+              <a:rPr b="0" lang="cs-CZ" sz="3200" spc="-1" strike="noStrike">
+                <a:solidFill>
+                  <a:srgbClr val="000000"/>
+                </a:solidFill>
+                <a:latin typeface="Courier New"/>
+                <a:ea typeface="DejaVu Sans"/>
+              </a:rPr>
+              <a:t>)</a:t>
             </a:r>
             <a:endParaRPr b="0" lang="cs-CZ" sz="3200" spc="-1" strike="noStrike">
               <a:latin typeface="Arial"/>
@@ -5153,7 +5333,47 @@
                 <a:latin typeface="Courier New"/>
                 <a:ea typeface="DejaVu Sans"/>
               </a:rPr>
-              <a:t>display.show(Image.HAPPY)</a:t>
+              <a:t>display</a:t>
+            </a:r>
+            <a:r>
+              <a:rPr b="0" lang="cs-CZ" sz="3200" spc="-1" strike="noStrike">
+                <a:solidFill>
+                  <a:srgbClr val="666666"/>
+                </a:solidFill>
+                <a:latin typeface="Courier New"/>
+                <a:ea typeface="DejaVu Sans"/>
+              </a:rPr>
+              <a:t>.</a:t>
+            </a:r>
+            <a:r>
+              <a:rPr b="0" lang="cs-CZ" sz="3200" spc="-1" strike="noStrike">
+                <a:solidFill>
+                  <a:srgbClr val="000000"/>
+                </a:solidFill>
+                <a:latin typeface="Courier New"/>
+                <a:ea typeface="DejaVu Sans"/>
+              </a:rPr>
+              <a:t>show(Image</a:t>
+            </a:r>
+            <a:r>
+              <a:rPr b="0" lang="cs-CZ" sz="3200" spc="-1" strike="noStrike">
+                <a:solidFill>
+                  <a:srgbClr val="666666"/>
+                </a:solidFill>
+                <a:latin typeface="Courier New"/>
+                <a:ea typeface="DejaVu Sans"/>
+              </a:rPr>
+              <a:t>.</a:t>
+            </a:r>
+            <a:r>
+              <a:rPr b="0" lang="cs-CZ" sz="3200" spc="-1" strike="noStrike">
+                <a:solidFill>
+                  <a:srgbClr val="000000"/>
+                </a:solidFill>
+                <a:latin typeface="Courier New"/>
+                <a:ea typeface="DejaVu Sans"/>
+              </a:rPr>
+              <a:t>HAPPY)</a:t>
             </a:r>
             <a:endParaRPr b="0" lang="cs-CZ" sz="3200" spc="-1" strike="noStrike">
               <a:latin typeface="Arial"/>
@@ -5173,7 +5393,27 @@
                 <a:latin typeface="Courier New"/>
                 <a:ea typeface="DejaVu Sans"/>
               </a:rPr>
-              <a:t>sleep(1000)</a:t>
+              <a:t>sleep(</a:t>
+            </a:r>
+            <a:r>
+              <a:rPr b="0" lang="cs-CZ" sz="3200" spc="-1" strike="noStrike">
+                <a:solidFill>
+                  <a:srgbClr val="666666"/>
+                </a:solidFill>
+                <a:latin typeface="Courier New"/>
+                <a:ea typeface="DejaVu Sans"/>
+              </a:rPr>
+              <a:t>1000</a:t>
+            </a:r>
+            <a:r>
+              <a:rPr b="0" lang="cs-CZ" sz="3200" spc="-1" strike="noStrike">
+                <a:solidFill>
+                  <a:srgbClr val="000000"/>
+                </a:solidFill>
+                <a:latin typeface="Courier New"/>
+                <a:ea typeface="DejaVu Sans"/>
+              </a:rPr>
+              <a:t>)</a:t>
             </a:r>
             <a:endParaRPr b="0" lang="cs-CZ" sz="3200" spc="-1" strike="noStrike">
               <a:latin typeface="Arial"/>
@@ -5193,7 +5433,27 @@
                 <a:latin typeface="Courier New"/>
                 <a:ea typeface="DejaVu Sans"/>
               </a:rPr>
-              <a:t>display.clear()</a:t>
+              <a:t>display</a:t>
+            </a:r>
+            <a:r>
+              <a:rPr b="0" lang="cs-CZ" sz="3200" spc="-1" strike="noStrike">
+                <a:solidFill>
+                  <a:srgbClr val="666666"/>
+                </a:solidFill>
+                <a:latin typeface="Courier New"/>
+                <a:ea typeface="DejaVu Sans"/>
+              </a:rPr>
+              <a:t>.</a:t>
+            </a:r>
+            <a:r>
+              <a:rPr b="0" lang="cs-CZ" sz="3200" spc="-1" strike="noStrike">
+                <a:solidFill>
+                  <a:srgbClr val="000000"/>
+                </a:solidFill>
+                <a:latin typeface="Courier New"/>
+                <a:ea typeface="DejaVu Sans"/>
+              </a:rPr>
+              <a:t>clear()</a:t>
             </a:r>
             <a:endParaRPr b="0" lang="cs-CZ" sz="3200" spc="-1" strike="noStrike">
               <a:latin typeface="Arial"/>
@@ -5259,7 +5519,7 @@
         <p:spPr>
           <a:xfrm>
             <a:off x="504000" y="72000"/>
-            <a:ext cx="9070560" cy="862920"/>
+            <a:ext cx="9070200" cy="862560"/>
           </a:xfrm>
           <a:prstGeom prst="rect">
             <a:avLst/>
@@ -5308,7 +5568,7 @@
         <p:spPr>
           <a:xfrm>
             <a:off x="504000" y="1769040"/>
-            <a:ext cx="9070560" cy="4383720"/>
+            <a:ext cx="9070200" cy="4383360"/>
           </a:xfrm>
           <a:prstGeom prst="rect">
             <a:avLst/>
@@ -5337,12 +5597,72 @@
             <a:r>
               <a:rPr b="0" lang="cs-CZ" sz="3200" spc="-1" strike="noStrike">
                 <a:solidFill>
+                  <a:srgbClr val="008000"/>
+                </a:solidFill>
+                <a:latin typeface="Courier New"/>
+                <a:ea typeface="DejaVu Sans"/>
+              </a:rPr>
+              <a:t>from</a:t>
+            </a:r>
+            <a:r>
+              <a:rPr b="0" lang="cs-CZ" sz="3200" spc="-1" strike="noStrike">
+                <a:solidFill>
                   <a:srgbClr val="000000"/>
                 </a:solidFill>
                 <a:latin typeface="Courier New"/>
                 <a:ea typeface="DejaVu Sans"/>
               </a:rPr>
-              <a:t>from microbit import *</a:t>
+              <a:t> </a:t>
+            </a:r>
+            <a:r>
+              <a:rPr b="0" lang="cs-CZ" sz="3200" spc="-1" strike="noStrike">
+                <a:solidFill>
+                  <a:srgbClr val="0000ff"/>
+                </a:solidFill>
+                <a:latin typeface="Courier New"/>
+                <a:ea typeface="DejaVu Sans"/>
+              </a:rPr>
+              <a:t>microbit</a:t>
+            </a:r>
+            <a:r>
+              <a:rPr b="0" lang="cs-CZ" sz="3200" spc="-1" strike="noStrike">
+                <a:solidFill>
+                  <a:srgbClr val="000000"/>
+                </a:solidFill>
+                <a:latin typeface="Courier New"/>
+                <a:ea typeface="DejaVu Sans"/>
+              </a:rPr>
+              <a:t> </a:t>
+            </a:r>
+            <a:r>
+              <a:rPr b="0" lang="cs-CZ" sz="3200" spc="-1" strike="noStrike">
+                <a:solidFill>
+                  <a:srgbClr val="008000"/>
+                </a:solidFill>
+                <a:latin typeface="Courier New"/>
+                <a:ea typeface="DejaVu Sans"/>
+              </a:rPr>
+              <a:t>import</a:t>
+            </a:r>
+            <a:r>
+              <a:rPr b="0" lang="cs-CZ" sz="3200" spc="-1" strike="noStrike">
+                <a:solidFill>
+                  <a:srgbClr val="000000"/>
+                </a:solidFill>
+                <a:latin typeface="Courier New"/>
+                <a:ea typeface="DejaVu Sans"/>
+              </a:rPr>
+              <a:t> </a:t>
+            </a:r>
+            <a:r>
+              <a:rPr b="0" lang="cs-CZ" sz="3200" spc="-1" strike="noStrike">
+                <a:solidFill>
+                  <a:srgbClr val="666666"/>
+                </a:solidFill>
+                <a:latin typeface="Courier New"/>
+                <a:ea typeface="DejaVu Sans"/>
+              </a:rPr>
+              <a:t>*</a:t>
             </a:r>
             <a:endParaRPr b="0" lang="cs-CZ" sz="3200" spc="-1" strike="noStrike">
               <a:latin typeface="Arial"/>
@@ -5357,12 +5677,102 @@
             <a:r>
               <a:rPr b="0" lang="cs-CZ" sz="3200" spc="-1" strike="noStrike">
                 <a:solidFill>
+                  <a:srgbClr val="008000"/>
+                </a:solidFill>
+                <a:latin typeface="Courier New"/>
+                <a:ea typeface="DejaVu Sans"/>
+              </a:rPr>
+              <a:t>for</a:t>
+            </a:r>
+            <a:r>
+              <a:rPr b="0" lang="cs-CZ" sz="3200" spc="-1" strike="noStrike">
+                <a:solidFill>
                   <a:srgbClr val="000000"/>
                 </a:solidFill>
                 <a:latin typeface="Courier New"/>
                 <a:ea typeface="DejaVu Sans"/>
               </a:rPr>
-              <a:t>for i in range(1, 100):</a:t>
+              <a:t> i </a:t>
+            </a:r>
+            <a:r>
+              <a:rPr b="0" lang="cs-CZ" sz="3200" spc="-1" strike="noStrike">
+                <a:solidFill>
+                  <a:srgbClr val="aa22ff"/>
+                </a:solidFill>
+                <a:latin typeface="Courier New"/>
+                <a:ea typeface="DejaVu Sans"/>
+              </a:rPr>
+              <a:t>in</a:t>
+            </a:r>
+            <a:r>
+              <a:rPr b="0" lang="cs-CZ" sz="3200" spc="-1" strike="noStrike">
+                <a:solidFill>
+                  <a:srgbClr val="000000"/>
+                </a:solidFill>
+                <a:latin typeface="Courier New"/>
+                <a:ea typeface="DejaVu Sans"/>
+              </a:rPr>
+              <a:t> </a:t>
+            </a:r>
+            <a:r>
+              <a:rPr b="0" lang="cs-CZ" sz="3200" spc="-1" strike="noStrike">
+                <a:solidFill>
+                  <a:srgbClr val="008000"/>
+                </a:solidFill>
+                <a:latin typeface="Courier New"/>
+                <a:ea typeface="DejaVu Sans"/>
+              </a:rPr>
+              <a:t>range</a:t>
+            </a:r>
+            <a:r>
+              <a:rPr b="0" lang="cs-CZ" sz="3200" spc="-1" strike="noStrike">
+                <a:solidFill>
+                  <a:srgbClr val="000000"/>
+                </a:solidFill>
+                <a:latin typeface="Courier New"/>
+                <a:ea typeface="DejaVu Sans"/>
+              </a:rPr>
+              <a:t>(</a:t>
+            </a:r>
+            <a:r>
+              <a:rPr b="0" lang="cs-CZ" sz="3200" spc="-1" strike="noStrike">
+                <a:solidFill>
+                  <a:srgbClr val="666666"/>
+                </a:solidFill>
+                <a:latin typeface="Courier New"/>
+                <a:ea typeface="DejaVu Sans"/>
+              </a:rPr>
+              <a:t>1</a:t>
+            </a:r>
+            <a:r>
+              <a:rPr b="0" lang="cs-CZ" sz="3200" spc="-1" strike="noStrike">
+                <a:solidFill>
+                  <a:srgbClr val="000000"/>
+                </a:solidFill>
+                <a:latin typeface="Courier New"/>
+                <a:ea typeface="DejaVu Sans"/>
+              </a:rPr>
+              <a:t>, </a:t>
+            </a:r>
+            <a:r>
+              <a:rPr b="0" lang="cs-CZ" sz="3200" spc="-1" strike="noStrike">
+                <a:solidFill>
+                  <a:srgbClr val="666666"/>
+                </a:solidFill>
+                <a:latin typeface="Courier New"/>
+                <a:ea typeface="DejaVu Sans"/>
+              </a:rPr>
+              <a:t>100</a:t>
+            </a:r>
+            <a:r>
+              <a:rPr b="0" lang="cs-CZ" sz="3200" spc="-1" strike="noStrike">
+                <a:solidFill>
+                  <a:srgbClr val="000000"/>
+                </a:solidFill>
+                <a:latin typeface="Courier New"/>
+                <a:ea typeface="DejaVu Sans"/>
+              </a:rPr>
+              <a:t>):</a:t>
             </a:r>
             <a:endParaRPr b="0" lang="cs-CZ" sz="3200" spc="-1" strike="noStrike">
               <a:latin typeface="Arial"/>
@@ -5392,7 +5802,47 @@
                 <a:latin typeface="Courier New"/>
                 <a:ea typeface="DejaVu Sans"/>
               </a:rPr>
-              <a:t>display.show(Image.HEART)</a:t>
+              <a:t>display</a:t>
+            </a:r>
+            <a:r>
+              <a:rPr b="0" lang="cs-CZ" sz="3200" spc="-1" strike="noStrike">
+                <a:solidFill>
+                  <a:srgbClr val="666666"/>
+                </a:solidFill>
+                <a:latin typeface="Courier New"/>
+                <a:ea typeface="DejaVu Sans"/>
+              </a:rPr>
+              <a:t>.</a:t>
+            </a:r>
+            <a:r>
+              <a:rPr b="0" lang="cs-CZ" sz="3200" spc="-1" strike="noStrike">
+                <a:solidFill>
+                  <a:srgbClr val="000000"/>
+                </a:solidFill>
+                <a:latin typeface="Courier New"/>
+                <a:ea typeface="DejaVu Sans"/>
+              </a:rPr>
+              <a:t>show(Image</a:t>
+            </a:r>
+            <a:r>
+              <a:rPr b="0" lang="cs-CZ" sz="3200" spc="-1" strike="noStrike">
+                <a:solidFill>
+                  <a:srgbClr val="666666"/>
+                </a:solidFill>
+                <a:latin typeface="Courier New"/>
+                <a:ea typeface="DejaVu Sans"/>
+              </a:rPr>
+              <a:t>.</a:t>
+            </a:r>
+            <a:r>
+              <a:rPr b="0" lang="cs-CZ" sz="3200" spc="-1" strike="noStrike">
+                <a:solidFill>
+                  <a:srgbClr val="000000"/>
+                </a:solidFill>
+                <a:latin typeface="Courier New"/>
+                <a:ea typeface="DejaVu Sans"/>
+              </a:rPr>
+              <a:t>HEART)</a:t>
             </a:r>
             <a:endParaRPr b="0" lang="cs-CZ" sz="3200" spc="-1" strike="noStrike">
               <a:latin typeface="Arial"/>
@@ -5422,7 +5872,27 @@
                 <a:latin typeface="Courier New"/>
                 <a:ea typeface="DejaVu Sans"/>
               </a:rPr>
-              <a:t>sleep(400)</a:t>
+              <a:t>sleep(</a:t>
+            </a:r>
+            <a:r>
+              <a:rPr b="0" lang="cs-CZ" sz="3200" spc="-1" strike="noStrike">
+                <a:solidFill>
+                  <a:srgbClr val="666666"/>
+                </a:solidFill>
+                <a:latin typeface="Courier New"/>
+                <a:ea typeface="DejaVu Sans"/>
+              </a:rPr>
+              <a:t>400</a:t>
+            </a:r>
+            <a:r>
+              <a:rPr b="0" lang="cs-CZ" sz="3200" spc="-1" strike="noStrike">
+                <a:solidFill>
+                  <a:srgbClr val="000000"/>
+                </a:solidFill>
+                <a:latin typeface="Courier New"/>
+                <a:ea typeface="DejaVu Sans"/>
+              </a:rPr>
+              <a:t>)</a:t>
             </a:r>
             <a:endParaRPr b="0" lang="cs-CZ" sz="3200" spc="-1" strike="noStrike">
               <a:latin typeface="Arial"/>
@@ -5452,7 +5922,47 @@
                 <a:latin typeface="Courier New"/>
                 <a:ea typeface="DejaVu Sans"/>
               </a:rPr>
-              <a:t>display.show(Image.HEART_SMALL)</a:t>
+              <a:t>display</a:t>
+            </a:r>
+            <a:r>
+              <a:rPr b="0" lang="cs-CZ" sz="3200" spc="-1" strike="noStrike">
+                <a:solidFill>
+                  <a:srgbClr val="666666"/>
+                </a:solidFill>
+                <a:latin typeface="Courier New"/>
+                <a:ea typeface="DejaVu Sans"/>
+              </a:rPr>
+              <a:t>.</a:t>
+            </a:r>
+            <a:r>
+              <a:rPr b="0" lang="cs-CZ" sz="3200" spc="-1" strike="noStrike">
+                <a:solidFill>
+                  <a:srgbClr val="000000"/>
+                </a:solidFill>
+                <a:latin typeface="Courier New"/>
+                <a:ea typeface="DejaVu Sans"/>
+              </a:rPr>
+              <a:t>show(Image</a:t>
+            </a:r>
+            <a:r>
+              <a:rPr b="0" lang="cs-CZ" sz="3200" spc="-1" strike="noStrike">
+                <a:solidFill>
+                  <a:srgbClr val="666666"/>
+                </a:solidFill>
+                <a:latin typeface="Courier New"/>
+                <a:ea typeface="DejaVu Sans"/>
+              </a:rPr>
+              <a:t>.</a:t>
+            </a:r>
+            <a:r>
+              <a:rPr b="0" lang="cs-CZ" sz="3200" spc="-1" strike="noStrike">
+                <a:solidFill>
+                  <a:srgbClr val="000000"/>
+                </a:solidFill>
+                <a:latin typeface="Courier New"/>
+                <a:ea typeface="DejaVu Sans"/>
+              </a:rPr>
+              <a:t>HEART_SMALL)</a:t>
             </a:r>
             <a:endParaRPr b="0" lang="cs-CZ" sz="3200" spc="-1" strike="noStrike">
               <a:latin typeface="Arial"/>
@@ -5482,7 +5992,27 @@
                 <a:latin typeface="Courier New"/>
                 <a:ea typeface="DejaVu Sans"/>
               </a:rPr>
-              <a:t>sleep(400)</a:t>
+              <a:t>sleep(</a:t>
+            </a:r>
+            <a:r>
+              <a:rPr b="0" lang="cs-CZ" sz="3200" spc="-1" strike="noStrike">
+                <a:solidFill>
+                  <a:srgbClr val="666666"/>
+                </a:solidFill>
+                <a:latin typeface="Courier New"/>
+                <a:ea typeface="DejaVu Sans"/>
+              </a:rPr>
+              <a:t>400</a:t>
+            </a:r>
+            <a:r>
+              <a:rPr b="0" lang="cs-CZ" sz="3200" spc="-1" strike="noStrike">
+                <a:solidFill>
+                  <a:srgbClr val="000000"/>
+                </a:solidFill>
+                <a:latin typeface="Courier New"/>
+                <a:ea typeface="DejaVu Sans"/>
+              </a:rPr>
+              <a:t>)</a:t>
             </a:r>
             <a:endParaRPr b="0" lang="cs-CZ" sz="3200" spc="-1" strike="noStrike">
               <a:latin typeface="Arial"/>
@@ -5502,7 +6032,27 @@
                 <a:latin typeface="Courier New"/>
                 <a:ea typeface="DejaVu Sans"/>
               </a:rPr>
-              <a:t>display.clear()</a:t>
+              <a:t>display</a:t>
+            </a:r>
+            <a:r>
+              <a:rPr b="0" lang="cs-CZ" sz="3200" spc="-1" strike="noStrike">
+                <a:solidFill>
+                  <a:srgbClr val="666666"/>
+                </a:solidFill>
+                <a:latin typeface="Courier New"/>
+                <a:ea typeface="DejaVu Sans"/>
+              </a:rPr>
+              <a:t>.</a:t>
+            </a:r>
+            <a:r>
+              <a:rPr b="0" lang="cs-CZ" sz="3200" spc="-1" strike="noStrike">
+                <a:solidFill>
+                  <a:srgbClr val="000000"/>
+                </a:solidFill>
+                <a:latin typeface="Courier New"/>
+                <a:ea typeface="DejaVu Sans"/>
+              </a:rPr>
+              <a:t>clear()</a:t>
             </a:r>
             <a:endParaRPr b="0" lang="cs-CZ" sz="3200" spc="-1" strike="noStrike">
               <a:latin typeface="Arial"/>
@@ -5568,7 +6118,7 @@
         <p:spPr>
           <a:xfrm>
             <a:off x="504000" y="72000"/>
-            <a:ext cx="9070560" cy="862920"/>
+            <a:ext cx="9070200" cy="862560"/>
           </a:xfrm>
           <a:prstGeom prst="rect">
             <a:avLst/>
@@ -5617,7 +6167,7 @@
         <p:spPr>
           <a:xfrm>
             <a:off x="504000" y="1769040"/>
-            <a:ext cx="9070560" cy="4383720"/>
+            <a:ext cx="9070200" cy="4383360"/>
           </a:xfrm>
           <a:prstGeom prst="rect">
             <a:avLst/>
@@ -5646,12 +6196,72 @@
             <a:r>
               <a:rPr b="0" lang="cs-CZ" sz="3200" spc="-1" strike="noStrike">
                 <a:solidFill>
+                  <a:srgbClr val="008000"/>
+                </a:solidFill>
+                <a:latin typeface="Courier New"/>
+                <a:ea typeface="DejaVu Sans"/>
+              </a:rPr>
+              <a:t>from</a:t>
+            </a:r>
+            <a:r>
+              <a:rPr b="0" lang="cs-CZ" sz="3200" spc="-1" strike="noStrike">
+                <a:solidFill>
                   <a:srgbClr val="000000"/>
                 </a:solidFill>
                 <a:latin typeface="Courier New"/>
                 <a:ea typeface="DejaVu Sans"/>
               </a:rPr>
-              <a:t>from microbit import *</a:t>
+              <a:t> </a:t>
+            </a:r>
+            <a:r>
+              <a:rPr b="0" lang="cs-CZ" sz="3200" spc="-1" strike="noStrike">
+                <a:solidFill>
+                  <a:srgbClr val="0000ff"/>
+                </a:solidFill>
+                <a:latin typeface="Courier New"/>
+                <a:ea typeface="DejaVu Sans"/>
+              </a:rPr>
+              <a:t>microbit</a:t>
+            </a:r>
+            <a:r>
+              <a:rPr b="0" lang="cs-CZ" sz="3200" spc="-1" strike="noStrike">
+                <a:solidFill>
+                  <a:srgbClr val="000000"/>
+                </a:solidFill>
+                <a:latin typeface="Courier New"/>
+                <a:ea typeface="DejaVu Sans"/>
+              </a:rPr>
+              <a:t> </a:t>
+            </a:r>
+            <a:r>
+              <a:rPr b="0" lang="cs-CZ" sz="3200" spc="-1" strike="noStrike">
+                <a:solidFill>
+                  <a:srgbClr val="008000"/>
+                </a:solidFill>
+                <a:latin typeface="Courier New"/>
+                <a:ea typeface="DejaVu Sans"/>
+              </a:rPr>
+              <a:t>import</a:t>
+            </a:r>
+            <a:r>
+              <a:rPr b="0" lang="cs-CZ" sz="3200" spc="-1" strike="noStrike">
+                <a:solidFill>
+                  <a:srgbClr val="000000"/>
+                </a:solidFill>
+                <a:latin typeface="Courier New"/>
+                <a:ea typeface="DejaVu Sans"/>
+              </a:rPr>
+              <a:t> </a:t>
+            </a:r>
+            <a:r>
+              <a:rPr b="0" lang="cs-CZ" sz="3200" spc="-1" strike="noStrike">
+                <a:solidFill>
+                  <a:srgbClr val="666666"/>
+                </a:solidFill>
+                <a:latin typeface="Courier New"/>
+                <a:ea typeface="DejaVu Sans"/>
+              </a:rPr>
+              <a:t>*</a:t>
             </a:r>
             <a:endParaRPr b="0" lang="cs-CZ" sz="3200" spc="-1" strike="noStrike">
               <a:latin typeface="Arial"/>
@@ -5671,7 +6281,37 @@
                 <a:latin typeface="Courier New"/>
                 <a:ea typeface="DejaVu Sans"/>
               </a:rPr>
-              <a:t>raketa = Image("00900:"</a:t>
+              <a:t>raketa </a:t>
+            </a:r>
+            <a:r>
+              <a:rPr b="0" lang="cs-CZ" sz="3200" spc="-1" strike="noStrike">
+                <a:solidFill>
+                  <a:srgbClr val="666666"/>
+                </a:solidFill>
+                <a:latin typeface="Courier New"/>
+                <a:ea typeface="DejaVu Sans"/>
+              </a:rPr>
+              <a:t>=</a:t>
+            </a:r>
+            <a:r>
+              <a:rPr b="0" lang="cs-CZ" sz="3200" spc="-1" strike="noStrike">
+                <a:solidFill>
+                  <a:srgbClr val="000000"/>
+                </a:solidFill>
+                <a:latin typeface="Courier New"/>
+                <a:ea typeface="DejaVu Sans"/>
+              </a:rPr>
+              <a:t> Image(</a:t>
+            </a:r>
+            <a:r>
+              <a:rPr b="0" lang="cs-CZ" sz="3200" spc="-1" strike="noStrike">
+                <a:solidFill>
+                  <a:srgbClr val="ba2121"/>
+                </a:solidFill>
+                <a:latin typeface="Courier New"/>
+                <a:ea typeface="DejaVu Sans"/>
+              </a:rPr>
+              <a:t>"00900:"</a:t>
             </a:r>
             <a:endParaRPr b="0" lang="cs-CZ" sz="3200" spc="-1" strike="noStrike">
               <a:latin typeface="Arial"/>
@@ -5696,7 +6336,7 @@
             <a:r>
               <a:rPr b="0" lang="cs-CZ" sz="3200" spc="-1" strike="noStrike">
                 <a:solidFill>
-                  <a:srgbClr val="000000"/>
+                  <a:srgbClr val="ba2121"/>
                 </a:solidFill>
                 <a:latin typeface="Courier New"/>
                 <a:ea typeface="DejaVu Sans"/>
@@ -5726,7 +6366,7 @@
             <a:r>
               <a:rPr b="0" lang="cs-CZ" sz="3200" spc="-1" strike="noStrike">
                 <a:solidFill>
-                  <a:srgbClr val="000000"/>
+                  <a:srgbClr val="ba2121"/>
                 </a:solidFill>
                 <a:latin typeface="Courier New"/>
                 <a:ea typeface="DejaVu Sans"/>
@@ -5756,7 +6396,7 @@
             <a:r>
               <a:rPr b="0" lang="cs-CZ" sz="3200" spc="-1" strike="noStrike">
                 <a:solidFill>
-                  <a:srgbClr val="000000"/>
+                  <a:srgbClr val="ba2121"/>
                 </a:solidFill>
                 <a:latin typeface="Courier New"/>
                 <a:ea typeface="DejaVu Sans"/>
@@ -5786,12 +6426,22 @@
             <a:r>
               <a:rPr b="0" lang="cs-CZ" sz="3200" spc="-1" strike="noStrike">
                 <a:solidFill>
+                  <a:srgbClr val="ba2121"/>
+                </a:solidFill>
+                <a:latin typeface="Courier New"/>
+                <a:ea typeface="DejaVu Sans"/>
+              </a:rPr>
+              <a:t>"90909:"</a:t>
+            </a:r>
+            <a:r>
+              <a:rPr b="0" lang="cs-CZ" sz="3200" spc="-1" strike="noStrike">
+                <a:solidFill>
                   <a:srgbClr val="000000"/>
                 </a:solidFill>
                 <a:latin typeface="Courier New"/>
                 <a:ea typeface="DejaVu Sans"/>
               </a:rPr>
-              <a:t>"90909:")</a:t>
+              <a:t>)</a:t>
             </a:r>
             <a:endParaRPr b="0" lang="cs-CZ" sz="3200" spc="-1" strike="noStrike">
               <a:latin typeface="Arial"/>
@@ -5811,7 +6461,27 @@
                 <a:latin typeface="Courier New"/>
                 <a:ea typeface="DejaVu Sans"/>
               </a:rPr>
-              <a:t>display.show(raketa)</a:t>
+              <a:t>display</a:t>
+            </a:r>
+            <a:r>
+              <a:rPr b="0" lang="cs-CZ" sz="3200" spc="-1" strike="noStrike">
+                <a:solidFill>
+                  <a:srgbClr val="666666"/>
+                </a:solidFill>
+                <a:latin typeface="Courier New"/>
+                <a:ea typeface="DejaVu Sans"/>
+              </a:rPr>
+              <a:t>.</a:t>
+            </a:r>
+            <a:r>
+              <a:rPr b="0" lang="cs-CZ" sz="3200" spc="-1" strike="noStrike">
+                <a:solidFill>
+                  <a:srgbClr val="000000"/>
+                </a:solidFill>
+                <a:latin typeface="Courier New"/>
+                <a:ea typeface="DejaVu Sans"/>
+              </a:rPr>
+              <a:t>show(raketa)</a:t>
             </a:r>
             <a:endParaRPr b="0" lang="cs-CZ" sz="3200" spc="-1" strike="noStrike">
               <a:latin typeface="Arial"/>
@@ -5877,7 +6547,7 @@
         <p:spPr>
           <a:xfrm>
             <a:off x="504000" y="72000"/>
-            <a:ext cx="9070560" cy="862920"/>
+            <a:ext cx="9070200" cy="862560"/>
           </a:xfrm>
           <a:prstGeom prst="rect">
             <a:avLst/>
@@ -5903,7 +6573,11 @@
             </a:pPr>
             <a:r>
               <a:rPr b="0" lang="cs-CZ" sz="4400" spc="-1" strike="noStrike">
+                <a:solidFill>
+                  <a:srgbClr val="000000"/>
+                </a:solidFill>
                 <a:latin typeface="Arial"/>
+                <a:ea typeface="DejaVu Sans"/>
               </a:rPr>
               <a:t>Generátor obrázků</a:t>
             </a:r>
@@ -5922,7 +6596,7 @@
         <p:spPr>
           <a:xfrm>
             <a:off x="504000" y="1769040"/>
-            <a:ext cx="9070560" cy="4383720"/>
+            <a:ext cx="9070200" cy="4383360"/>
           </a:xfrm>
           <a:prstGeom prst="rect">
             <a:avLst/>
@@ -5975,6 +6649,7 @@
                 </a:solidFill>
                 <a:uFillTx/>
                 <a:latin typeface="Arial"/>
+                <a:ea typeface="DejaVu Sans"/>
                 <a:hlinkClick r:id="rId1"/>
               </a:rPr>
               <a:t>https://www.prf.jcu.cz/generator-led-matrix/index.htm</a:t>
@@ -5987,14 +6662,14 @@
       </p:sp>
       <p:sp>
         <p:nvSpPr>
-          <p:cNvPr id="124" name="TextShape 3"/>
-          <p:cNvSpPr txBox="1"/>
+          <p:cNvPr id="124" name="CustomShape 3"/>
+          <p:cNvSpPr/>
           <p:nvPr/>
         </p:nvSpPr>
         <p:spPr>
           <a:xfrm>
             <a:off x="504000" y="72000"/>
-            <a:ext cx="9070560" cy="862920"/>
+            <a:ext cx="9070200" cy="862560"/>
           </a:xfrm>
           <a:prstGeom prst="rect">
             <a:avLst/>
@@ -6004,26 +6679,23 @@
             <a:noFill/>
           </a:ln>
         </p:spPr>
-        <p:txBody>
-          <a:bodyPr lIns="0" rIns="0" tIns="0" bIns="0" anchor="ctr"/>
-          <a:p>
-            <a:pPr algn="ctr"/>
-            <a:endParaRPr b="0" lang="cs-CZ" sz="4400" spc="-1" strike="noStrike">
-              <a:latin typeface="Arial"/>
-            </a:endParaRPr>
-          </a:p>
-        </p:txBody>
-      </p:sp>
-      <p:sp>
-        <p:nvSpPr>
-          <p:cNvPr id="125" name="TextShape 4"/>
-          <p:cNvSpPr txBox="1"/>
+        <p:style>
+          <a:lnRef idx="0"/>
+          <a:fillRef idx="0"/>
+          <a:effectRef idx="0"/>
+          <a:fontRef idx="minor"/>
+        </p:style>
+      </p:sp>
+      <p:sp>
+        <p:nvSpPr>
+          <p:cNvPr id="125" name="CustomShape 4"/>
+          <p:cNvSpPr/>
           <p:nvPr/>
         </p:nvSpPr>
         <p:spPr>
           <a:xfrm>
             <a:off x="504000" y="1769040"/>
-            <a:ext cx="9070560" cy="4383720"/>
+            <a:ext cx="9070200" cy="4383360"/>
           </a:xfrm>
           <a:prstGeom prst="rect">
             <a:avLst/>
@@ -6033,10 +6705,39 @@
             <a:noFill/>
           </a:ln>
         </p:spPr>
+        <p:style>
+          <a:lnRef idx="0"/>
+          <a:fillRef idx="0"/>
+          <a:effectRef idx="0"/>
+          <a:fontRef idx="minor"/>
+        </p:style>
         <p:txBody>
           <a:bodyPr lIns="0" rIns="0" tIns="0" bIns="0" anchor="ctr"/>
           <a:p>
-            <a:pPr marL="216000" indent="-216000">
+            <a:pPr>
+              <a:lnSpc>
+                <a:spcPct val="100000"/>
+              </a:lnSpc>
+            </a:pPr>
+            <a:endParaRPr b="0" lang="cs-CZ" sz="1800" spc="-1" strike="noStrike">
+              <a:latin typeface="Arial"/>
+            </a:endParaRPr>
+          </a:p>
+          <a:p>
+            <a:pPr>
+              <a:lnSpc>
+                <a:spcPct val="100000"/>
+              </a:lnSpc>
+            </a:pPr>
+            <a:endParaRPr b="0" lang="cs-CZ" sz="1800" spc="-1" strike="noStrike">
+              <a:latin typeface="Arial"/>
+            </a:endParaRPr>
+          </a:p>
+          <a:p>
+            <a:pPr marL="216000" indent="-215640">
+              <a:lnSpc>
+                <a:spcPct val="100000"/>
+              </a:lnSpc>
               <a:buClr>
                 <a:srgbClr val="000000"/>
               </a:buClr>
@@ -6044,12 +6745,21 @@
               <a:buFont typeface="Wingdings" charset="2"/>
               <a:buChar char=""/>
             </a:pPr>
-            <a:endParaRPr b="0" lang="cs-CZ" sz="3200" spc="-1" strike="noStrike">
-              <a:latin typeface="Arial"/>
-            </a:endParaRPr>
-          </a:p>
-          <a:p>
-            <a:pPr marL="216000" indent="-216000">
+            <a:r>
+              <a:rPr b="0" lang="cs-CZ" sz="2800" spc="-1" strike="noStrike">
+                <a:latin typeface="Arial"/>
+              </a:rPr>
+              <a:t>Je nutné nastavit:</a:t>
+            </a:r>
+            <a:endParaRPr b="0" lang="cs-CZ" sz="2800" spc="-1" strike="noStrike">
+              <a:latin typeface="Arial"/>
+            </a:endParaRPr>
+          </a:p>
+          <a:p>
+            <a:pPr lvl="1" marL="432000" indent="-215640">
+              <a:lnSpc>
+                <a:spcPct val="100000"/>
+              </a:lnSpc>
               <a:buClr>
                 <a:srgbClr val="000000"/>
               </a:buClr>
@@ -6057,38 +6767,6 @@
               <a:buFont typeface="Wingdings" charset="2"/>
               <a:buChar char=""/>
             </a:pPr>
-            <a:endParaRPr b="0" lang="cs-CZ" sz="3200" spc="-1" strike="noStrike">
-              <a:latin typeface="Arial"/>
-            </a:endParaRPr>
-          </a:p>
-          <a:p>
-            <a:pPr marL="216000" indent="-216000">
-              <a:buClr>
-                <a:srgbClr val="000000"/>
-              </a:buClr>
-              <a:buSzPct val="45000"/>
-              <a:buFont typeface="Wingdings" charset="2"/>
-              <a:buChar char=""/>
-            </a:pPr>
-            <a:r>
-              <a:rPr b="0" lang="cs-CZ" sz="2800" spc="-1" strike="noStrike">
-                <a:latin typeface="Arial"/>
-              </a:rPr>
-              <a:t>Je nutné nastavit:</a:t>
-            </a:r>
-            <a:endParaRPr b="0" lang="cs-CZ" sz="2800" spc="-1" strike="noStrike">
-              <a:latin typeface="Arial"/>
-            </a:endParaRPr>
-          </a:p>
-          <a:p>
-            <a:pPr lvl="1" marL="432000" indent="-216000">
-              <a:buClr>
-                <a:srgbClr val="000000"/>
-              </a:buClr>
-              <a:buSzPct val="45000"/>
-              <a:buFont typeface="Wingdings" charset="2"/>
-              <a:buChar char=""/>
-            </a:pPr>
             <a:r>
               <a:rPr b="0" lang="cs-CZ" sz="2400" spc="-1" strike="noStrike">
                 <a:latin typeface="Arial"/>
@@ -6100,7 +6778,10 @@
             </a:endParaRPr>
           </a:p>
           <a:p>
-            <a:pPr lvl="1" marL="432000" indent="-216000">
+            <a:pPr lvl="1" marL="432000" indent="-215640">
+              <a:lnSpc>
+                <a:spcPct val="100000"/>
+              </a:lnSpc>
               <a:buClr>
                 <a:srgbClr val="000000"/>
               </a:buClr>

--- a/01-LED/01_Pro_ucitele/Prezentace/13-obrazky.pptx
+++ b/01-LED/01_Pro_ucitele/Prezentace/13-obrazky.pptx
@@ -1,25 +1,120 @@
 
 <file path=ppt/presentation.xml><?xml version="1.0" encoding="utf-8"?>
-<p:presentation xmlns:a="http://schemas.openxmlformats.org/drawingml/2006/main" xmlns:p="http://schemas.openxmlformats.org/presentationml/2006/main" xmlns:r="http://schemas.openxmlformats.org/officeDocument/2006/relationships" xmlns:p14="http://schemas.microsoft.com/office/powerpoint/2010/main" xmlns:p15="http://schemas.microsoft.com/office/powerpoint/2012/main" xmlns:mc="http://schemas.openxmlformats.org/markup-compatibility/2006">
+<p:presentation xmlns:a="http://schemas.openxmlformats.org/drawingml/2006/main" xmlns:r="http://schemas.openxmlformats.org/officeDocument/2006/relationships" xmlns:p="http://schemas.openxmlformats.org/presentationml/2006/main">
   <p:sldMasterIdLst>
-    <p:sldMasterId id="2147483648" r:id="rId2"/>
-    <p:sldMasterId id="2147483661" r:id="rId3"/>
-    <p:sldMasterId id="2147483674" r:id="rId4"/>
+    <p:sldMasterId id="2147483648" r:id="rId1"/>
+    <p:sldMasterId id="2147483661" r:id="rId2"/>
+    <p:sldMasterId id="2147483674" r:id="rId3"/>
   </p:sldMasterIdLst>
   <p:sldIdLst>
-    <p:sldId id="256" r:id="rId5"/>
-    <p:sldId id="257" r:id="rId6"/>
-    <p:sldId id="258" r:id="rId7"/>
-    <p:sldId id="259" r:id="rId8"/>
-    <p:sldId id="260" r:id="rId9"/>
+    <p:sldId id="256" r:id="rId4"/>
+    <p:sldId id="257" r:id="rId5"/>
+    <p:sldId id="258" r:id="rId6"/>
+    <p:sldId id="259" r:id="rId7"/>
+    <p:sldId id="260" r:id="rId8"/>
   </p:sldIdLst>
   <p:sldSz cx="10080625" cy="7559675"/>
-  <p:notesSz cx="7559675" cy="10691812"/>
+  <p:notesSz cx="7559675" cy="10691813"/>
+  <p:defaultTextStyle>
+    <a:defPPr>
+      <a:defRPr lang="cs-CZ"/>
+    </a:defPPr>
+    <a:lvl1pPr marL="0" algn="l" defTabSz="914400" rtl="0" eaLnBrk="1" latinLnBrk="0" hangingPunct="1">
+      <a:defRPr sz="1800" kern="1200">
+        <a:solidFill>
+          <a:schemeClr val="tx1"/>
+        </a:solidFill>
+        <a:latin typeface="+mn-lt"/>
+        <a:ea typeface="+mn-ea"/>
+        <a:cs typeface="+mn-cs"/>
+      </a:defRPr>
+    </a:lvl1pPr>
+    <a:lvl2pPr marL="457200" algn="l" defTabSz="914400" rtl="0" eaLnBrk="1" latinLnBrk="0" hangingPunct="1">
+      <a:defRPr sz="1800" kern="1200">
+        <a:solidFill>
+          <a:schemeClr val="tx1"/>
+        </a:solidFill>
+        <a:latin typeface="+mn-lt"/>
+        <a:ea typeface="+mn-ea"/>
+        <a:cs typeface="+mn-cs"/>
+      </a:defRPr>
+    </a:lvl2pPr>
+    <a:lvl3pPr marL="914400" algn="l" defTabSz="914400" rtl="0" eaLnBrk="1" latinLnBrk="0" hangingPunct="1">
+      <a:defRPr sz="1800" kern="1200">
+        <a:solidFill>
+          <a:schemeClr val="tx1"/>
+        </a:solidFill>
+        <a:latin typeface="+mn-lt"/>
+        <a:ea typeface="+mn-ea"/>
+        <a:cs typeface="+mn-cs"/>
+      </a:defRPr>
+    </a:lvl3pPr>
+    <a:lvl4pPr marL="1371600" algn="l" defTabSz="914400" rtl="0" eaLnBrk="1" latinLnBrk="0" hangingPunct="1">
+      <a:defRPr sz="1800" kern="1200">
+        <a:solidFill>
+          <a:schemeClr val="tx1"/>
+        </a:solidFill>
+        <a:latin typeface="+mn-lt"/>
+        <a:ea typeface="+mn-ea"/>
+        <a:cs typeface="+mn-cs"/>
+      </a:defRPr>
+    </a:lvl4pPr>
+    <a:lvl5pPr marL="1828800" algn="l" defTabSz="914400" rtl="0" eaLnBrk="1" latinLnBrk="0" hangingPunct="1">
+      <a:defRPr sz="1800" kern="1200">
+        <a:solidFill>
+          <a:schemeClr val="tx1"/>
+        </a:solidFill>
+        <a:latin typeface="+mn-lt"/>
+        <a:ea typeface="+mn-ea"/>
+        <a:cs typeface="+mn-cs"/>
+      </a:defRPr>
+    </a:lvl5pPr>
+    <a:lvl6pPr marL="2286000" algn="l" defTabSz="914400" rtl="0" eaLnBrk="1" latinLnBrk="0" hangingPunct="1">
+      <a:defRPr sz="1800" kern="1200">
+        <a:solidFill>
+          <a:schemeClr val="tx1"/>
+        </a:solidFill>
+        <a:latin typeface="+mn-lt"/>
+        <a:ea typeface="+mn-ea"/>
+        <a:cs typeface="+mn-cs"/>
+      </a:defRPr>
+    </a:lvl6pPr>
+    <a:lvl7pPr marL="2743200" algn="l" defTabSz="914400" rtl="0" eaLnBrk="1" latinLnBrk="0" hangingPunct="1">
+      <a:defRPr sz="1800" kern="1200">
+        <a:solidFill>
+          <a:schemeClr val="tx1"/>
+        </a:solidFill>
+        <a:latin typeface="+mn-lt"/>
+        <a:ea typeface="+mn-ea"/>
+        <a:cs typeface="+mn-cs"/>
+      </a:defRPr>
+    </a:lvl7pPr>
+    <a:lvl8pPr marL="3200400" algn="l" defTabSz="914400" rtl="0" eaLnBrk="1" latinLnBrk="0" hangingPunct="1">
+      <a:defRPr sz="1800" kern="1200">
+        <a:solidFill>
+          <a:schemeClr val="tx1"/>
+        </a:solidFill>
+        <a:latin typeface="+mn-lt"/>
+        <a:ea typeface="+mn-ea"/>
+        <a:cs typeface="+mn-cs"/>
+      </a:defRPr>
+    </a:lvl8pPr>
+    <a:lvl9pPr marL="3657600" algn="l" defTabSz="914400" rtl="0" eaLnBrk="1" latinLnBrk="0" hangingPunct="1">
+      <a:defRPr sz="1800" kern="1200">
+        <a:solidFill>
+          <a:schemeClr val="tx1"/>
+        </a:solidFill>
+        <a:latin typeface="+mn-lt"/>
+        <a:ea typeface="+mn-ea"/>
+        <a:cs typeface="+mn-cs"/>
+      </a:defRPr>
+    </a:lvl9pPr>
+  </p:defaultTextStyle>
 </p:presentation>
 </file>
 
 <file path=ppt/slideLayouts/slideLayout1.xml><?xml version="1.0" encoding="utf-8"?>
-<p:sldLayout xmlns:a="http://schemas.openxmlformats.org/drawingml/2006/main" xmlns:p="http://schemas.openxmlformats.org/presentationml/2006/main" xmlns:r="http://schemas.openxmlformats.org/officeDocument/2006/relationships" xmlns:p14="http://schemas.microsoft.com/office/powerpoint/2010/main" xmlns:p15="http://schemas.microsoft.com/office/powerpoint/2012/main" xmlns:mc="http://schemas.openxmlformats.org/markup-compatibility/2006" type="blank" preserve="1">
+<p:sldLayout xmlns:a="http://schemas.openxmlformats.org/drawingml/2006/main" xmlns:r="http://schemas.openxmlformats.org/officeDocument/2006/relationships" xmlns:p="http://schemas.openxmlformats.org/presentationml/2006/main" type="blank" preserve="1">
   <p:cSld name="Blank Slide">
     <p:spTree>
       <p:nvGrpSpPr>
@@ -37,11 +132,14 @@
       </p:grpSpPr>
     </p:spTree>
   </p:cSld>
+  <p:clrMapOvr>
+    <a:masterClrMapping/>
+  </p:clrMapOvr>
 </p:sldLayout>
 </file>
 
 <file path=ppt/slideLayouts/slideLayout10.xml><?xml version="1.0" encoding="utf-8"?>
-<p:sldLayout xmlns:a="http://schemas.openxmlformats.org/drawingml/2006/main" xmlns:p="http://schemas.openxmlformats.org/presentationml/2006/main" xmlns:r="http://schemas.openxmlformats.org/officeDocument/2006/relationships" xmlns:p14="http://schemas.microsoft.com/office/powerpoint/2010/main" xmlns:p15="http://schemas.microsoft.com/office/powerpoint/2012/main" xmlns:mc="http://schemas.openxmlformats.org/markup-compatibility/2006" type="objOverTx" preserve="1">
+<p:sldLayout xmlns:a="http://schemas.openxmlformats.org/drawingml/2006/main" xmlns:r="http://schemas.openxmlformats.org/officeDocument/2006/relationships" xmlns:p="http://schemas.openxmlformats.org/presentationml/2006/main" type="objOverTx" preserve="1">
   <p:cSld name="Title, Content over Content">
     <p:spTree>
       <p:nvGrpSpPr>
@@ -77,10 +175,11 @@
           </a:prstGeom>
         </p:spPr>
         <p:txBody>
-          <a:bodyPr lIns="0" rIns="0" tIns="0" bIns="0" anchor="ctr"/>
+          <a:bodyPr lIns="0" tIns="0" rIns="0" bIns="0" anchor="ctr"/>
+          <a:lstStyle/>
           <a:p>
             <a:pPr algn="ctr"/>
-            <a:endParaRPr b="0" lang="cs-CZ" sz="4400" spc="-1" strike="noStrike">
+            <a:endParaRPr lang="cs-CZ" sz="4400" b="0" strike="noStrike" spc="-1">
               <a:latin typeface="Arial"/>
             </a:endParaRPr>
           </a:p>
@@ -106,11 +205,12 @@
           </a:prstGeom>
         </p:spPr>
         <p:txBody>
-          <a:bodyPr lIns="0" rIns="0" tIns="0" bIns="0">
+          <a:bodyPr lIns="0" tIns="0" rIns="0" bIns="0">
             <a:normAutofit/>
           </a:bodyPr>
-          <a:p>
-            <a:endParaRPr b="0" lang="cs-CZ" sz="3200" spc="-1" strike="noStrike">
+          <a:lstStyle/>
+          <a:p>
+            <a:endParaRPr lang="cs-CZ" sz="3200" b="0" strike="noStrike" spc="-1">
               <a:latin typeface="Arial"/>
             </a:endParaRPr>
           </a:p>
@@ -136,11 +236,12 @@
           </a:prstGeom>
         </p:spPr>
         <p:txBody>
-          <a:bodyPr lIns="0" rIns="0" tIns="0" bIns="0">
+          <a:bodyPr lIns="0" tIns="0" rIns="0" bIns="0">
             <a:normAutofit/>
           </a:bodyPr>
-          <a:p>
-            <a:endParaRPr b="0" lang="cs-CZ" sz="3200" spc="-1" strike="noStrike">
+          <a:lstStyle/>
+          <a:p>
+            <a:endParaRPr lang="cs-CZ" sz="3200" b="0" strike="noStrike" spc="-1">
               <a:latin typeface="Arial"/>
             </a:endParaRPr>
           </a:p>
@@ -148,11 +249,14 @@
       </p:sp>
     </p:spTree>
   </p:cSld>
+  <p:clrMapOvr>
+    <a:masterClrMapping/>
+  </p:clrMapOvr>
 </p:sldLayout>
 </file>
 
 <file path=ppt/slideLayouts/slideLayout11.xml><?xml version="1.0" encoding="utf-8"?>
-<p:sldLayout xmlns:a="http://schemas.openxmlformats.org/drawingml/2006/main" xmlns:p="http://schemas.openxmlformats.org/presentationml/2006/main" xmlns:r="http://schemas.openxmlformats.org/officeDocument/2006/relationships" xmlns:p14="http://schemas.microsoft.com/office/powerpoint/2010/main" xmlns:p15="http://schemas.microsoft.com/office/powerpoint/2012/main" xmlns:mc="http://schemas.openxmlformats.org/markup-compatibility/2006" type="fourObj" preserve="1">
+<p:sldLayout xmlns:a="http://schemas.openxmlformats.org/drawingml/2006/main" xmlns:r="http://schemas.openxmlformats.org/officeDocument/2006/relationships" xmlns:p="http://schemas.openxmlformats.org/presentationml/2006/main" type="fourObj" preserve="1">
   <p:cSld name="Title, 4 Content">
     <p:spTree>
       <p:nvGrpSpPr>
@@ -188,10 +292,11 @@
           </a:prstGeom>
         </p:spPr>
         <p:txBody>
-          <a:bodyPr lIns="0" rIns="0" tIns="0" bIns="0" anchor="ctr"/>
+          <a:bodyPr lIns="0" tIns="0" rIns="0" bIns="0" anchor="ctr"/>
+          <a:lstStyle/>
           <a:p>
             <a:pPr algn="ctr"/>
-            <a:endParaRPr b="0" lang="cs-CZ" sz="4400" spc="-1" strike="noStrike">
+            <a:endParaRPr lang="cs-CZ" sz="4400" b="0" strike="noStrike" spc="-1">
               <a:latin typeface="Arial"/>
             </a:endParaRPr>
           </a:p>
@@ -217,11 +322,12 @@
           </a:prstGeom>
         </p:spPr>
         <p:txBody>
-          <a:bodyPr lIns="0" rIns="0" tIns="0" bIns="0">
+          <a:bodyPr lIns="0" tIns="0" rIns="0" bIns="0">
             <a:normAutofit/>
           </a:bodyPr>
-          <a:p>
-            <a:endParaRPr b="0" lang="cs-CZ" sz="3200" spc="-1" strike="noStrike">
+          <a:lstStyle/>
+          <a:p>
+            <a:endParaRPr lang="cs-CZ" sz="3200" b="0" strike="noStrike" spc="-1">
               <a:latin typeface="Arial"/>
             </a:endParaRPr>
           </a:p>
@@ -247,11 +353,12 @@
           </a:prstGeom>
         </p:spPr>
         <p:txBody>
-          <a:bodyPr lIns="0" rIns="0" tIns="0" bIns="0">
+          <a:bodyPr lIns="0" tIns="0" rIns="0" bIns="0">
             <a:normAutofit/>
           </a:bodyPr>
-          <a:p>
-            <a:endParaRPr b="0" lang="cs-CZ" sz="3200" spc="-1" strike="noStrike">
+          <a:lstStyle/>
+          <a:p>
+            <a:endParaRPr lang="cs-CZ" sz="3200" b="0" strike="noStrike" spc="-1">
               <a:latin typeface="Arial"/>
             </a:endParaRPr>
           </a:p>
@@ -277,11 +384,12 @@
           </a:prstGeom>
         </p:spPr>
         <p:txBody>
-          <a:bodyPr lIns="0" rIns="0" tIns="0" bIns="0">
+          <a:bodyPr lIns="0" tIns="0" rIns="0" bIns="0">
             <a:normAutofit/>
           </a:bodyPr>
-          <a:p>
-            <a:endParaRPr b="0" lang="cs-CZ" sz="3200" spc="-1" strike="noStrike">
+          <a:lstStyle/>
+          <a:p>
+            <a:endParaRPr lang="cs-CZ" sz="3200" b="0" strike="noStrike" spc="-1">
               <a:latin typeface="Arial"/>
             </a:endParaRPr>
           </a:p>
@@ -307,11 +415,12 @@
           </a:prstGeom>
         </p:spPr>
         <p:txBody>
-          <a:bodyPr lIns="0" rIns="0" tIns="0" bIns="0">
+          <a:bodyPr lIns="0" tIns="0" rIns="0" bIns="0">
             <a:normAutofit/>
           </a:bodyPr>
-          <a:p>
-            <a:endParaRPr b="0" lang="cs-CZ" sz="3200" spc="-1" strike="noStrike">
+          <a:lstStyle/>
+          <a:p>
+            <a:endParaRPr lang="cs-CZ" sz="3200" b="0" strike="noStrike" spc="-1">
               <a:latin typeface="Arial"/>
             </a:endParaRPr>
           </a:p>
@@ -319,11 +428,14 @@
       </p:sp>
     </p:spTree>
   </p:cSld>
+  <p:clrMapOvr>
+    <a:masterClrMapping/>
+  </p:clrMapOvr>
 </p:sldLayout>
 </file>
 
 <file path=ppt/slideLayouts/slideLayout12.xml><?xml version="1.0" encoding="utf-8"?>
-<p:sldLayout xmlns:a="http://schemas.openxmlformats.org/drawingml/2006/main" xmlns:p="http://schemas.openxmlformats.org/presentationml/2006/main" xmlns:r="http://schemas.openxmlformats.org/officeDocument/2006/relationships" xmlns:p14="http://schemas.microsoft.com/office/powerpoint/2010/main" xmlns:p15="http://schemas.microsoft.com/office/powerpoint/2012/main" xmlns:mc="http://schemas.openxmlformats.org/markup-compatibility/2006" type="blank" preserve="1">
+<p:sldLayout xmlns:a="http://schemas.openxmlformats.org/drawingml/2006/main" xmlns:r="http://schemas.openxmlformats.org/officeDocument/2006/relationships" xmlns:p="http://schemas.openxmlformats.org/presentationml/2006/main" type="blank" preserve="1">
   <p:cSld name="Title, 6 Content">
     <p:spTree>
       <p:nvGrpSpPr>
@@ -359,10 +471,11 @@
           </a:prstGeom>
         </p:spPr>
         <p:txBody>
-          <a:bodyPr lIns="0" rIns="0" tIns="0" bIns="0" anchor="ctr"/>
+          <a:bodyPr lIns="0" tIns="0" rIns="0" bIns="0" anchor="ctr"/>
+          <a:lstStyle/>
           <a:p>
             <a:pPr algn="ctr"/>
-            <a:endParaRPr b="0" lang="cs-CZ" sz="4400" spc="-1" strike="noStrike">
+            <a:endParaRPr lang="cs-CZ" sz="4400" b="0" strike="noStrike" spc="-1">
               <a:latin typeface="Arial"/>
             </a:endParaRPr>
           </a:p>
@@ -388,11 +501,12 @@
           </a:prstGeom>
         </p:spPr>
         <p:txBody>
-          <a:bodyPr lIns="0" rIns="0" tIns="0" bIns="0">
+          <a:bodyPr lIns="0" tIns="0" rIns="0" bIns="0">
             <a:normAutofit/>
           </a:bodyPr>
-          <a:p>
-            <a:endParaRPr b="0" lang="cs-CZ" sz="3200" spc="-1" strike="noStrike">
+          <a:lstStyle/>
+          <a:p>
+            <a:endParaRPr lang="cs-CZ" sz="3200" b="0" strike="noStrike" spc="-1">
               <a:latin typeface="Arial"/>
             </a:endParaRPr>
           </a:p>
@@ -418,11 +532,12 @@
           </a:prstGeom>
         </p:spPr>
         <p:txBody>
-          <a:bodyPr lIns="0" rIns="0" tIns="0" bIns="0">
+          <a:bodyPr lIns="0" tIns="0" rIns="0" bIns="0">
             <a:normAutofit/>
           </a:bodyPr>
-          <a:p>
-            <a:endParaRPr b="0" lang="cs-CZ" sz="3200" spc="-1" strike="noStrike">
+          <a:lstStyle/>
+          <a:p>
+            <a:endParaRPr lang="cs-CZ" sz="3200" b="0" strike="noStrike" spc="-1">
               <a:latin typeface="Arial"/>
             </a:endParaRPr>
           </a:p>
@@ -448,11 +563,12 @@
           </a:prstGeom>
         </p:spPr>
         <p:txBody>
-          <a:bodyPr lIns="0" rIns="0" tIns="0" bIns="0">
+          <a:bodyPr lIns="0" tIns="0" rIns="0" bIns="0">
             <a:normAutofit/>
           </a:bodyPr>
-          <a:p>
-            <a:endParaRPr b="0" lang="cs-CZ" sz="3200" spc="-1" strike="noStrike">
+          <a:lstStyle/>
+          <a:p>
+            <a:endParaRPr lang="cs-CZ" sz="3200" b="0" strike="noStrike" spc="-1">
               <a:latin typeface="Arial"/>
             </a:endParaRPr>
           </a:p>
@@ -478,11 +594,12 @@
           </a:prstGeom>
         </p:spPr>
         <p:txBody>
-          <a:bodyPr lIns="0" rIns="0" tIns="0" bIns="0">
+          <a:bodyPr lIns="0" tIns="0" rIns="0" bIns="0">
             <a:normAutofit/>
           </a:bodyPr>
-          <a:p>
-            <a:endParaRPr b="0" lang="cs-CZ" sz="3200" spc="-1" strike="noStrike">
+          <a:lstStyle/>
+          <a:p>
+            <a:endParaRPr lang="cs-CZ" sz="3200" b="0" strike="noStrike" spc="-1">
               <a:latin typeface="Arial"/>
             </a:endParaRPr>
           </a:p>
@@ -508,11 +625,12 @@
           </a:prstGeom>
         </p:spPr>
         <p:txBody>
-          <a:bodyPr lIns="0" rIns="0" tIns="0" bIns="0">
+          <a:bodyPr lIns="0" tIns="0" rIns="0" bIns="0">
             <a:normAutofit/>
           </a:bodyPr>
-          <a:p>
-            <a:endParaRPr b="0" lang="cs-CZ" sz="3200" spc="-1" strike="noStrike">
+          <a:lstStyle/>
+          <a:p>
+            <a:endParaRPr lang="cs-CZ" sz="3200" b="0" strike="noStrike" spc="-1">
               <a:latin typeface="Arial"/>
             </a:endParaRPr>
           </a:p>
@@ -538,11 +656,12 @@
           </a:prstGeom>
         </p:spPr>
         <p:txBody>
-          <a:bodyPr lIns="0" rIns="0" tIns="0" bIns="0">
+          <a:bodyPr lIns="0" tIns="0" rIns="0" bIns="0">
             <a:normAutofit/>
           </a:bodyPr>
-          <a:p>
-            <a:endParaRPr b="0" lang="cs-CZ" sz="3200" spc="-1" strike="noStrike">
+          <a:lstStyle/>
+          <a:p>
+            <a:endParaRPr lang="cs-CZ" sz="3200" b="0" strike="noStrike" spc="-1">
               <a:latin typeface="Arial"/>
             </a:endParaRPr>
           </a:p>
@@ -550,11 +669,14 @@
       </p:sp>
     </p:spTree>
   </p:cSld>
+  <p:clrMapOvr>
+    <a:masterClrMapping/>
+  </p:clrMapOvr>
 </p:sldLayout>
 </file>
 
 <file path=ppt/slideLayouts/slideLayout13.xml><?xml version="1.0" encoding="utf-8"?>
-<p:sldLayout xmlns:a="http://schemas.openxmlformats.org/drawingml/2006/main" xmlns:p="http://schemas.openxmlformats.org/presentationml/2006/main" xmlns:r="http://schemas.openxmlformats.org/officeDocument/2006/relationships" xmlns:p14="http://schemas.microsoft.com/office/powerpoint/2010/main" xmlns:p15="http://schemas.microsoft.com/office/powerpoint/2012/main" xmlns:mc="http://schemas.openxmlformats.org/markup-compatibility/2006" type="blank" preserve="1">
+<p:sldLayout xmlns:a="http://schemas.openxmlformats.org/drawingml/2006/main" xmlns:r="http://schemas.openxmlformats.org/officeDocument/2006/relationships" xmlns:p="http://schemas.openxmlformats.org/presentationml/2006/main" type="blank" preserve="1">
   <p:cSld name="Blank Slide">
     <p:spTree>
       <p:nvGrpSpPr>
@@ -572,11 +694,14 @@
       </p:grpSpPr>
     </p:spTree>
   </p:cSld>
+  <p:clrMapOvr>
+    <a:masterClrMapping/>
+  </p:clrMapOvr>
 </p:sldLayout>
 </file>
 
 <file path=ppt/slideLayouts/slideLayout14.xml><?xml version="1.0" encoding="utf-8"?>
-<p:sldLayout xmlns:a="http://schemas.openxmlformats.org/drawingml/2006/main" xmlns:p="http://schemas.openxmlformats.org/presentationml/2006/main" xmlns:r="http://schemas.openxmlformats.org/officeDocument/2006/relationships" xmlns:p14="http://schemas.microsoft.com/office/powerpoint/2010/main" xmlns:p15="http://schemas.microsoft.com/office/powerpoint/2012/main" xmlns:mc="http://schemas.openxmlformats.org/markup-compatibility/2006" type="tx" preserve="1">
+<p:sldLayout xmlns:a="http://schemas.openxmlformats.org/drawingml/2006/main" xmlns:r="http://schemas.openxmlformats.org/officeDocument/2006/relationships" xmlns:p="http://schemas.openxmlformats.org/presentationml/2006/main" type="tx" preserve="1">
   <p:cSld name="Title Slide">
     <p:spTree>
       <p:nvGrpSpPr>
@@ -612,10 +737,11 @@
           </a:prstGeom>
         </p:spPr>
         <p:txBody>
-          <a:bodyPr lIns="0" rIns="0" tIns="0" bIns="0" anchor="ctr"/>
+          <a:bodyPr lIns="0" tIns="0" rIns="0" bIns="0" anchor="ctr"/>
+          <a:lstStyle/>
           <a:p>
             <a:pPr algn="ctr"/>
-            <a:endParaRPr b="0" lang="cs-CZ" sz="4400" spc="-1" strike="noStrike">
+            <a:endParaRPr lang="cs-CZ" sz="4400" b="0" strike="noStrike" spc="-1">
               <a:latin typeface="Arial"/>
             </a:endParaRPr>
           </a:p>
@@ -641,10 +767,11 @@
           </a:prstGeom>
         </p:spPr>
         <p:txBody>
-          <a:bodyPr lIns="0" rIns="0" tIns="0" bIns="0" anchor="ctr"/>
+          <a:bodyPr lIns="0" tIns="0" rIns="0" bIns="0" anchor="ctr"/>
+          <a:lstStyle/>
           <a:p>
             <a:pPr algn="ctr"/>
-            <a:endParaRPr b="0" lang="cs-CZ" sz="3200" spc="-1" strike="noStrike">
+            <a:endParaRPr lang="cs-CZ" sz="3200" b="0" strike="noStrike" spc="-1">
               <a:latin typeface="Arial"/>
             </a:endParaRPr>
           </a:p>
@@ -652,11 +779,14 @@
       </p:sp>
     </p:spTree>
   </p:cSld>
+  <p:clrMapOvr>
+    <a:masterClrMapping/>
+  </p:clrMapOvr>
 </p:sldLayout>
 </file>
 
 <file path=ppt/slideLayouts/slideLayout15.xml><?xml version="1.0" encoding="utf-8"?>
-<p:sldLayout xmlns:a="http://schemas.openxmlformats.org/drawingml/2006/main" xmlns:p="http://schemas.openxmlformats.org/presentationml/2006/main" xmlns:r="http://schemas.openxmlformats.org/officeDocument/2006/relationships" xmlns:p14="http://schemas.microsoft.com/office/powerpoint/2010/main" xmlns:p15="http://schemas.microsoft.com/office/powerpoint/2012/main" xmlns:mc="http://schemas.openxmlformats.org/markup-compatibility/2006" type="obj" preserve="1">
+<p:sldLayout xmlns:a="http://schemas.openxmlformats.org/drawingml/2006/main" xmlns:r="http://schemas.openxmlformats.org/officeDocument/2006/relationships" xmlns:p="http://schemas.openxmlformats.org/presentationml/2006/main" type="obj" preserve="1">
   <p:cSld name="Title, Content">
     <p:spTree>
       <p:nvGrpSpPr>
@@ -692,10 +822,11 @@
           </a:prstGeom>
         </p:spPr>
         <p:txBody>
-          <a:bodyPr lIns="0" rIns="0" tIns="0" bIns="0" anchor="ctr"/>
+          <a:bodyPr lIns="0" tIns="0" rIns="0" bIns="0" anchor="ctr"/>
+          <a:lstStyle/>
           <a:p>
             <a:pPr algn="ctr"/>
-            <a:endParaRPr b="0" lang="cs-CZ" sz="4400" spc="-1" strike="noStrike">
+            <a:endParaRPr lang="cs-CZ" sz="4400" b="0" strike="noStrike" spc="-1">
               <a:latin typeface="Arial"/>
             </a:endParaRPr>
           </a:p>
@@ -721,11 +852,12 @@
           </a:prstGeom>
         </p:spPr>
         <p:txBody>
-          <a:bodyPr lIns="0" rIns="0" tIns="0" bIns="0">
+          <a:bodyPr lIns="0" tIns="0" rIns="0" bIns="0">
             <a:normAutofit/>
           </a:bodyPr>
-          <a:p>
-            <a:endParaRPr b="0" lang="cs-CZ" sz="3200" spc="-1" strike="noStrike">
+          <a:lstStyle/>
+          <a:p>
+            <a:endParaRPr lang="cs-CZ" sz="3200" b="0" strike="noStrike" spc="-1">
               <a:latin typeface="Arial"/>
             </a:endParaRPr>
           </a:p>
@@ -733,11 +865,14 @@
       </p:sp>
     </p:spTree>
   </p:cSld>
+  <p:clrMapOvr>
+    <a:masterClrMapping/>
+  </p:clrMapOvr>
 </p:sldLayout>
 </file>
 
 <file path=ppt/slideLayouts/slideLayout16.xml><?xml version="1.0" encoding="utf-8"?>
-<p:sldLayout xmlns:a="http://schemas.openxmlformats.org/drawingml/2006/main" xmlns:p="http://schemas.openxmlformats.org/presentationml/2006/main" xmlns:r="http://schemas.openxmlformats.org/officeDocument/2006/relationships" xmlns:p14="http://schemas.microsoft.com/office/powerpoint/2010/main" xmlns:p15="http://schemas.microsoft.com/office/powerpoint/2012/main" xmlns:mc="http://schemas.openxmlformats.org/markup-compatibility/2006" type="twoObj" preserve="1">
+<p:sldLayout xmlns:a="http://schemas.openxmlformats.org/drawingml/2006/main" xmlns:r="http://schemas.openxmlformats.org/officeDocument/2006/relationships" xmlns:p="http://schemas.openxmlformats.org/presentationml/2006/main" type="twoObj" preserve="1">
   <p:cSld name="Title, 2 Content">
     <p:spTree>
       <p:nvGrpSpPr>
@@ -773,10 +908,11 @@
           </a:prstGeom>
         </p:spPr>
         <p:txBody>
-          <a:bodyPr lIns="0" rIns="0" tIns="0" bIns="0" anchor="ctr"/>
+          <a:bodyPr lIns="0" tIns="0" rIns="0" bIns="0" anchor="ctr"/>
+          <a:lstStyle/>
           <a:p>
             <a:pPr algn="ctr"/>
-            <a:endParaRPr b="0" lang="cs-CZ" sz="4400" spc="-1" strike="noStrike">
+            <a:endParaRPr lang="cs-CZ" sz="4400" b="0" strike="noStrike" spc="-1">
               <a:latin typeface="Arial"/>
             </a:endParaRPr>
           </a:p>
@@ -802,11 +938,12 @@
           </a:prstGeom>
         </p:spPr>
         <p:txBody>
-          <a:bodyPr lIns="0" rIns="0" tIns="0" bIns="0">
+          <a:bodyPr lIns="0" tIns="0" rIns="0" bIns="0">
             <a:normAutofit/>
           </a:bodyPr>
-          <a:p>
-            <a:endParaRPr b="0" lang="cs-CZ" sz="3200" spc="-1" strike="noStrike">
+          <a:lstStyle/>
+          <a:p>
+            <a:endParaRPr lang="cs-CZ" sz="3200" b="0" strike="noStrike" spc="-1">
               <a:latin typeface="Arial"/>
             </a:endParaRPr>
           </a:p>
@@ -832,11 +969,12 @@
           </a:prstGeom>
         </p:spPr>
         <p:txBody>
-          <a:bodyPr lIns="0" rIns="0" tIns="0" bIns="0">
+          <a:bodyPr lIns="0" tIns="0" rIns="0" bIns="0">
             <a:normAutofit/>
           </a:bodyPr>
-          <a:p>
-            <a:endParaRPr b="0" lang="cs-CZ" sz="3200" spc="-1" strike="noStrike">
+          <a:lstStyle/>
+          <a:p>
+            <a:endParaRPr lang="cs-CZ" sz="3200" b="0" strike="noStrike" spc="-1">
               <a:latin typeface="Arial"/>
             </a:endParaRPr>
           </a:p>
@@ -844,11 +982,14 @@
       </p:sp>
     </p:spTree>
   </p:cSld>
+  <p:clrMapOvr>
+    <a:masterClrMapping/>
+  </p:clrMapOvr>
 </p:sldLayout>
 </file>
 
 <file path=ppt/slideLayouts/slideLayout17.xml><?xml version="1.0" encoding="utf-8"?>
-<p:sldLayout xmlns:a="http://schemas.openxmlformats.org/drawingml/2006/main" xmlns:p="http://schemas.openxmlformats.org/presentationml/2006/main" xmlns:r="http://schemas.openxmlformats.org/officeDocument/2006/relationships" xmlns:p14="http://schemas.microsoft.com/office/powerpoint/2010/main" xmlns:p15="http://schemas.microsoft.com/office/powerpoint/2012/main" xmlns:mc="http://schemas.openxmlformats.org/markup-compatibility/2006" type="titleOnly" preserve="1">
+<p:sldLayout xmlns:a="http://schemas.openxmlformats.org/drawingml/2006/main" xmlns:r="http://schemas.openxmlformats.org/officeDocument/2006/relationships" xmlns:p="http://schemas.openxmlformats.org/presentationml/2006/main" type="titleOnly" preserve="1">
   <p:cSld name="Title Only">
     <p:spTree>
       <p:nvGrpSpPr>
@@ -884,10 +1025,11 @@
           </a:prstGeom>
         </p:spPr>
         <p:txBody>
-          <a:bodyPr lIns="0" rIns="0" tIns="0" bIns="0" anchor="ctr"/>
+          <a:bodyPr lIns="0" tIns="0" rIns="0" bIns="0" anchor="ctr"/>
+          <a:lstStyle/>
           <a:p>
             <a:pPr algn="ctr"/>
-            <a:endParaRPr b="0" lang="cs-CZ" sz="4400" spc="-1" strike="noStrike">
+            <a:endParaRPr lang="cs-CZ" sz="4400" b="0" strike="noStrike" spc="-1">
               <a:latin typeface="Arial"/>
             </a:endParaRPr>
           </a:p>
@@ -895,11 +1037,14 @@
       </p:sp>
     </p:spTree>
   </p:cSld>
+  <p:clrMapOvr>
+    <a:masterClrMapping/>
+  </p:clrMapOvr>
 </p:sldLayout>
 </file>
 
 <file path=ppt/slideLayouts/slideLayout18.xml><?xml version="1.0" encoding="utf-8"?>
-<p:sldLayout xmlns:a="http://schemas.openxmlformats.org/drawingml/2006/main" xmlns:p="http://schemas.openxmlformats.org/presentationml/2006/main" xmlns:r="http://schemas.openxmlformats.org/officeDocument/2006/relationships" xmlns:p14="http://schemas.microsoft.com/office/powerpoint/2010/main" xmlns:p15="http://schemas.microsoft.com/office/powerpoint/2012/main" xmlns:mc="http://schemas.openxmlformats.org/markup-compatibility/2006" type="objOnly" preserve="1">
+<p:sldLayout xmlns:a="http://schemas.openxmlformats.org/drawingml/2006/main" xmlns:r="http://schemas.openxmlformats.org/officeDocument/2006/relationships" xmlns:p="http://schemas.openxmlformats.org/presentationml/2006/main" type="objOnly" preserve="1">
   <p:cSld name="Centered Text">
     <p:spTree>
       <p:nvGrpSpPr>
@@ -935,10 +1080,11 @@
           </a:prstGeom>
         </p:spPr>
         <p:txBody>
-          <a:bodyPr lIns="0" rIns="0" tIns="0" bIns="0" anchor="ctr"/>
+          <a:bodyPr lIns="0" tIns="0" rIns="0" bIns="0" anchor="ctr"/>
+          <a:lstStyle/>
           <a:p>
             <a:pPr algn="ctr"/>
-            <a:endParaRPr b="0" lang="cs-CZ" sz="3200" spc="-1" strike="noStrike">
+            <a:endParaRPr lang="cs-CZ" sz="3200" b="0" strike="noStrike" spc="-1">
               <a:latin typeface="Arial"/>
             </a:endParaRPr>
           </a:p>
@@ -946,11 +1092,14 @@
       </p:sp>
     </p:spTree>
   </p:cSld>
+  <p:clrMapOvr>
+    <a:masterClrMapping/>
+  </p:clrMapOvr>
 </p:sldLayout>
 </file>
 
 <file path=ppt/slideLayouts/slideLayout19.xml><?xml version="1.0" encoding="utf-8"?>
-<p:sldLayout xmlns:a="http://schemas.openxmlformats.org/drawingml/2006/main" xmlns:p="http://schemas.openxmlformats.org/presentationml/2006/main" xmlns:r="http://schemas.openxmlformats.org/officeDocument/2006/relationships" xmlns:p14="http://schemas.microsoft.com/office/powerpoint/2010/main" xmlns:p15="http://schemas.microsoft.com/office/powerpoint/2012/main" xmlns:mc="http://schemas.openxmlformats.org/markup-compatibility/2006" type="twoObjAndObj" preserve="1">
+<p:sldLayout xmlns:a="http://schemas.openxmlformats.org/drawingml/2006/main" xmlns:r="http://schemas.openxmlformats.org/officeDocument/2006/relationships" xmlns:p="http://schemas.openxmlformats.org/presentationml/2006/main" type="twoObjAndObj" preserve="1">
   <p:cSld name="Title, 2 Content and Content">
     <p:spTree>
       <p:nvGrpSpPr>
@@ -986,10 +1135,11 @@
           </a:prstGeom>
         </p:spPr>
         <p:txBody>
-          <a:bodyPr lIns="0" rIns="0" tIns="0" bIns="0" anchor="ctr"/>
+          <a:bodyPr lIns="0" tIns="0" rIns="0" bIns="0" anchor="ctr"/>
+          <a:lstStyle/>
           <a:p>
             <a:pPr algn="ctr"/>
-            <a:endParaRPr b="0" lang="cs-CZ" sz="4400" spc="-1" strike="noStrike">
+            <a:endParaRPr lang="cs-CZ" sz="4400" b="0" strike="noStrike" spc="-1">
               <a:latin typeface="Arial"/>
             </a:endParaRPr>
           </a:p>
@@ -1015,11 +1165,12 @@
           </a:prstGeom>
         </p:spPr>
         <p:txBody>
-          <a:bodyPr lIns="0" rIns="0" tIns="0" bIns="0">
+          <a:bodyPr lIns="0" tIns="0" rIns="0" bIns="0">
             <a:normAutofit/>
           </a:bodyPr>
-          <a:p>
-            <a:endParaRPr b="0" lang="cs-CZ" sz="3200" spc="-1" strike="noStrike">
+          <a:lstStyle/>
+          <a:p>
+            <a:endParaRPr lang="cs-CZ" sz="3200" b="0" strike="noStrike" spc="-1">
               <a:latin typeface="Arial"/>
             </a:endParaRPr>
           </a:p>
@@ -1045,11 +1196,12 @@
           </a:prstGeom>
         </p:spPr>
         <p:txBody>
-          <a:bodyPr lIns="0" rIns="0" tIns="0" bIns="0">
+          <a:bodyPr lIns="0" tIns="0" rIns="0" bIns="0">
             <a:normAutofit/>
           </a:bodyPr>
-          <a:p>
-            <a:endParaRPr b="0" lang="cs-CZ" sz="3200" spc="-1" strike="noStrike">
+          <a:lstStyle/>
+          <a:p>
+            <a:endParaRPr lang="cs-CZ" sz="3200" b="0" strike="noStrike" spc="-1">
               <a:latin typeface="Arial"/>
             </a:endParaRPr>
           </a:p>
@@ -1075,11 +1227,12 @@
           </a:prstGeom>
         </p:spPr>
         <p:txBody>
-          <a:bodyPr lIns="0" rIns="0" tIns="0" bIns="0">
+          <a:bodyPr lIns="0" tIns="0" rIns="0" bIns="0">
             <a:normAutofit/>
           </a:bodyPr>
-          <a:p>
-            <a:endParaRPr b="0" lang="cs-CZ" sz="3200" spc="-1" strike="noStrike">
+          <a:lstStyle/>
+          <a:p>
+            <a:endParaRPr lang="cs-CZ" sz="3200" b="0" strike="noStrike" spc="-1">
               <a:latin typeface="Arial"/>
             </a:endParaRPr>
           </a:p>
@@ -1087,11 +1240,14 @@
       </p:sp>
     </p:spTree>
   </p:cSld>
+  <p:clrMapOvr>
+    <a:masterClrMapping/>
+  </p:clrMapOvr>
 </p:sldLayout>
 </file>
 
 <file path=ppt/slideLayouts/slideLayout2.xml><?xml version="1.0" encoding="utf-8"?>
-<p:sldLayout xmlns:a="http://schemas.openxmlformats.org/drawingml/2006/main" xmlns:p="http://schemas.openxmlformats.org/presentationml/2006/main" xmlns:r="http://schemas.openxmlformats.org/officeDocument/2006/relationships" xmlns:p14="http://schemas.microsoft.com/office/powerpoint/2010/main" xmlns:p15="http://schemas.microsoft.com/office/powerpoint/2012/main" xmlns:mc="http://schemas.openxmlformats.org/markup-compatibility/2006" type="tx" preserve="1">
+<p:sldLayout xmlns:a="http://schemas.openxmlformats.org/drawingml/2006/main" xmlns:r="http://schemas.openxmlformats.org/officeDocument/2006/relationships" xmlns:p="http://schemas.openxmlformats.org/presentationml/2006/main" type="tx" preserve="1">
   <p:cSld name="Title Slide">
     <p:spTree>
       <p:nvGrpSpPr>
@@ -1127,10 +1283,11 @@
           </a:prstGeom>
         </p:spPr>
         <p:txBody>
-          <a:bodyPr lIns="0" rIns="0" tIns="0" bIns="0" anchor="ctr"/>
+          <a:bodyPr lIns="0" tIns="0" rIns="0" bIns="0" anchor="ctr"/>
+          <a:lstStyle/>
           <a:p>
             <a:pPr algn="ctr"/>
-            <a:endParaRPr b="0" lang="cs-CZ" sz="4400" spc="-1" strike="noStrike">
+            <a:endParaRPr lang="cs-CZ" sz="4400" b="0" strike="noStrike" spc="-1">
               <a:latin typeface="Arial"/>
             </a:endParaRPr>
           </a:p>
@@ -1156,10 +1313,11 @@
           </a:prstGeom>
         </p:spPr>
         <p:txBody>
-          <a:bodyPr lIns="0" rIns="0" tIns="0" bIns="0" anchor="ctr"/>
+          <a:bodyPr lIns="0" tIns="0" rIns="0" bIns="0" anchor="ctr"/>
+          <a:lstStyle/>
           <a:p>
             <a:pPr algn="ctr"/>
-            <a:endParaRPr b="0" lang="cs-CZ" sz="3200" spc="-1" strike="noStrike">
+            <a:endParaRPr lang="cs-CZ" sz="3200" b="0" strike="noStrike" spc="-1">
               <a:latin typeface="Arial"/>
             </a:endParaRPr>
           </a:p>
@@ -1167,11 +1325,14 @@
       </p:sp>
     </p:spTree>
   </p:cSld>
+  <p:clrMapOvr>
+    <a:masterClrMapping/>
+  </p:clrMapOvr>
 </p:sldLayout>
 </file>
 
 <file path=ppt/slideLayouts/slideLayout20.xml><?xml version="1.0" encoding="utf-8"?>
-<p:sldLayout xmlns:a="http://schemas.openxmlformats.org/drawingml/2006/main" xmlns:p="http://schemas.openxmlformats.org/presentationml/2006/main" xmlns:r="http://schemas.openxmlformats.org/officeDocument/2006/relationships" xmlns:p14="http://schemas.microsoft.com/office/powerpoint/2010/main" xmlns:p15="http://schemas.microsoft.com/office/powerpoint/2012/main" xmlns:mc="http://schemas.openxmlformats.org/markup-compatibility/2006" type="objAndTwoObj" preserve="1">
+<p:sldLayout xmlns:a="http://schemas.openxmlformats.org/drawingml/2006/main" xmlns:r="http://schemas.openxmlformats.org/officeDocument/2006/relationships" xmlns:p="http://schemas.openxmlformats.org/presentationml/2006/main" type="objAndTwoObj" preserve="1">
   <p:cSld name="Title Content and 2 Content">
     <p:spTree>
       <p:nvGrpSpPr>
@@ -1207,10 +1368,11 @@
           </a:prstGeom>
         </p:spPr>
         <p:txBody>
-          <a:bodyPr lIns="0" rIns="0" tIns="0" bIns="0" anchor="ctr"/>
+          <a:bodyPr lIns="0" tIns="0" rIns="0" bIns="0" anchor="ctr"/>
+          <a:lstStyle/>
           <a:p>
             <a:pPr algn="ctr"/>
-            <a:endParaRPr b="0" lang="cs-CZ" sz="4400" spc="-1" strike="noStrike">
+            <a:endParaRPr lang="cs-CZ" sz="4400" b="0" strike="noStrike" spc="-1">
               <a:latin typeface="Arial"/>
             </a:endParaRPr>
           </a:p>
@@ -1236,11 +1398,12 @@
           </a:prstGeom>
         </p:spPr>
         <p:txBody>
-          <a:bodyPr lIns="0" rIns="0" tIns="0" bIns="0">
+          <a:bodyPr lIns="0" tIns="0" rIns="0" bIns="0">
             <a:normAutofit/>
           </a:bodyPr>
-          <a:p>
-            <a:endParaRPr b="0" lang="cs-CZ" sz="3200" spc="-1" strike="noStrike">
+          <a:lstStyle/>
+          <a:p>
+            <a:endParaRPr lang="cs-CZ" sz="3200" b="0" strike="noStrike" spc="-1">
               <a:latin typeface="Arial"/>
             </a:endParaRPr>
           </a:p>
@@ -1266,11 +1429,12 @@
           </a:prstGeom>
         </p:spPr>
         <p:txBody>
-          <a:bodyPr lIns="0" rIns="0" tIns="0" bIns="0">
+          <a:bodyPr lIns="0" tIns="0" rIns="0" bIns="0">
             <a:normAutofit/>
           </a:bodyPr>
-          <a:p>
-            <a:endParaRPr b="0" lang="cs-CZ" sz="3200" spc="-1" strike="noStrike">
+          <a:lstStyle/>
+          <a:p>
+            <a:endParaRPr lang="cs-CZ" sz="3200" b="0" strike="noStrike" spc="-1">
               <a:latin typeface="Arial"/>
             </a:endParaRPr>
           </a:p>
@@ -1296,11 +1460,12 @@
           </a:prstGeom>
         </p:spPr>
         <p:txBody>
-          <a:bodyPr lIns="0" rIns="0" tIns="0" bIns="0">
+          <a:bodyPr lIns="0" tIns="0" rIns="0" bIns="0">
             <a:normAutofit/>
           </a:bodyPr>
-          <a:p>
-            <a:endParaRPr b="0" lang="cs-CZ" sz="3200" spc="-1" strike="noStrike">
+          <a:lstStyle/>
+          <a:p>
+            <a:endParaRPr lang="cs-CZ" sz="3200" b="0" strike="noStrike" spc="-1">
               <a:latin typeface="Arial"/>
             </a:endParaRPr>
           </a:p>
@@ -1308,11 +1473,14 @@
       </p:sp>
     </p:spTree>
   </p:cSld>
+  <p:clrMapOvr>
+    <a:masterClrMapping/>
+  </p:clrMapOvr>
 </p:sldLayout>
 </file>
 
 <file path=ppt/slideLayouts/slideLayout21.xml><?xml version="1.0" encoding="utf-8"?>
-<p:sldLayout xmlns:a="http://schemas.openxmlformats.org/drawingml/2006/main" xmlns:p="http://schemas.openxmlformats.org/presentationml/2006/main" xmlns:r="http://schemas.openxmlformats.org/officeDocument/2006/relationships" xmlns:p14="http://schemas.microsoft.com/office/powerpoint/2010/main" xmlns:p15="http://schemas.microsoft.com/office/powerpoint/2012/main" xmlns:mc="http://schemas.openxmlformats.org/markup-compatibility/2006" type="twoObjOverTx" preserve="1">
+<p:sldLayout xmlns:a="http://schemas.openxmlformats.org/drawingml/2006/main" xmlns:r="http://schemas.openxmlformats.org/officeDocument/2006/relationships" xmlns:p="http://schemas.openxmlformats.org/presentationml/2006/main" type="twoObjOverTx" preserve="1">
   <p:cSld name="Title, 2 Content over Content">
     <p:spTree>
       <p:nvGrpSpPr>
@@ -1348,10 +1516,11 @@
           </a:prstGeom>
         </p:spPr>
         <p:txBody>
-          <a:bodyPr lIns="0" rIns="0" tIns="0" bIns="0" anchor="ctr"/>
+          <a:bodyPr lIns="0" tIns="0" rIns="0" bIns="0" anchor="ctr"/>
+          <a:lstStyle/>
           <a:p>
             <a:pPr algn="ctr"/>
-            <a:endParaRPr b="0" lang="cs-CZ" sz="4400" spc="-1" strike="noStrike">
+            <a:endParaRPr lang="cs-CZ" sz="4400" b="0" strike="noStrike" spc="-1">
               <a:latin typeface="Arial"/>
             </a:endParaRPr>
           </a:p>
@@ -1377,11 +1546,12 @@
           </a:prstGeom>
         </p:spPr>
         <p:txBody>
-          <a:bodyPr lIns="0" rIns="0" tIns="0" bIns="0">
+          <a:bodyPr lIns="0" tIns="0" rIns="0" bIns="0">
             <a:normAutofit/>
           </a:bodyPr>
-          <a:p>
-            <a:endParaRPr b="0" lang="cs-CZ" sz="3200" spc="-1" strike="noStrike">
+          <a:lstStyle/>
+          <a:p>
+            <a:endParaRPr lang="cs-CZ" sz="3200" b="0" strike="noStrike" spc="-1">
               <a:latin typeface="Arial"/>
             </a:endParaRPr>
           </a:p>
@@ -1407,11 +1577,12 @@
           </a:prstGeom>
         </p:spPr>
         <p:txBody>
-          <a:bodyPr lIns="0" rIns="0" tIns="0" bIns="0">
+          <a:bodyPr lIns="0" tIns="0" rIns="0" bIns="0">
             <a:normAutofit/>
           </a:bodyPr>
-          <a:p>
-            <a:endParaRPr b="0" lang="cs-CZ" sz="3200" spc="-1" strike="noStrike">
+          <a:lstStyle/>
+          <a:p>
+            <a:endParaRPr lang="cs-CZ" sz="3200" b="0" strike="noStrike" spc="-1">
               <a:latin typeface="Arial"/>
             </a:endParaRPr>
           </a:p>
@@ -1437,11 +1608,12 @@
           </a:prstGeom>
         </p:spPr>
         <p:txBody>
-          <a:bodyPr lIns="0" rIns="0" tIns="0" bIns="0">
+          <a:bodyPr lIns="0" tIns="0" rIns="0" bIns="0">
             <a:normAutofit/>
           </a:bodyPr>
-          <a:p>
-            <a:endParaRPr b="0" lang="cs-CZ" sz="3200" spc="-1" strike="noStrike">
+          <a:lstStyle/>
+          <a:p>
+            <a:endParaRPr lang="cs-CZ" sz="3200" b="0" strike="noStrike" spc="-1">
               <a:latin typeface="Arial"/>
             </a:endParaRPr>
           </a:p>
@@ -1449,11 +1621,14 @@
       </p:sp>
     </p:spTree>
   </p:cSld>
+  <p:clrMapOvr>
+    <a:masterClrMapping/>
+  </p:clrMapOvr>
 </p:sldLayout>
 </file>
 
 <file path=ppt/slideLayouts/slideLayout22.xml><?xml version="1.0" encoding="utf-8"?>
-<p:sldLayout xmlns:a="http://schemas.openxmlformats.org/drawingml/2006/main" xmlns:p="http://schemas.openxmlformats.org/presentationml/2006/main" xmlns:r="http://schemas.openxmlformats.org/officeDocument/2006/relationships" xmlns:p14="http://schemas.microsoft.com/office/powerpoint/2010/main" xmlns:p15="http://schemas.microsoft.com/office/powerpoint/2012/main" xmlns:mc="http://schemas.openxmlformats.org/markup-compatibility/2006" type="objOverTx" preserve="1">
+<p:sldLayout xmlns:a="http://schemas.openxmlformats.org/drawingml/2006/main" xmlns:r="http://schemas.openxmlformats.org/officeDocument/2006/relationships" xmlns:p="http://schemas.openxmlformats.org/presentationml/2006/main" type="objOverTx" preserve="1">
   <p:cSld name="Title, Content over Content">
     <p:spTree>
       <p:nvGrpSpPr>
@@ -1489,10 +1664,11 @@
           </a:prstGeom>
         </p:spPr>
         <p:txBody>
-          <a:bodyPr lIns="0" rIns="0" tIns="0" bIns="0" anchor="ctr"/>
+          <a:bodyPr lIns="0" tIns="0" rIns="0" bIns="0" anchor="ctr"/>
+          <a:lstStyle/>
           <a:p>
             <a:pPr algn="ctr"/>
-            <a:endParaRPr b="0" lang="cs-CZ" sz="4400" spc="-1" strike="noStrike">
+            <a:endParaRPr lang="cs-CZ" sz="4400" b="0" strike="noStrike" spc="-1">
               <a:latin typeface="Arial"/>
             </a:endParaRPr>
           </a:p>
@@ -1518,11 +1694,12 @@
           </a:prstGeom>
         </p:spPr>
         <p:txBody>
-          <a:bodyPr lIns="0" rIns="0" tIns="0" bIns="0">
+          <a:bodyPr lIns="0" tIns="0" rIns="0" bIns="0">
             <a:normAutofit/>
           </a:bodyPr>
-          <a:p>
-            <a:endParaRPr b="0" lang="cs-CZ" sz="3200" spc="-1" strike="noStrike">
+          <a:lstStyle/>
+          <a:p>
+            <a:endParaRPr lang="cs-CZ" sz="3200" b="0" strike="noStrike" spc="-1">
               <a:latin typeface="Arial"/>
             </a:endParaRPr>
           </a:p>
@@ -1548,11 +1725,12 @@
           </a:prstGeom>
         </p:spPr>
         <p:txBody>
-          <a:bodyPr lIns="0" rIns="0" tIns="0" bIns="0">
+          <a:bodyPr lIns="0" tIns="0" rIns="0" bIns="0">
             <a:normAutofit/>
           </a:bodyPr>
-          <a:p>
-            <a:endParaRPr b="0" lang="cs-CZ" sz="3200" spc="-1" strike="noStrike">
+          <a:lstStyle/>
+          <a:p>
+            <a:endParaRPr lang="cs-CZ" sz="3200" b="0" strike="noStrike" spc="-1">
               <a:latin typeface="Arial"/>
             </a:endParaRPr>
           </a:p>
@@ -1560,11 +1738,14 @@
       </p:sp>
     </p:spTree>
   </p:cSld>
+  <p:clrMapOvr>
+    <a:masterClrMapping/>
+  </p:clrMapOvr>
 </p:sldLayout>
 </file>
 
 <file path=ppt/slideLayouts/slideLayout23.xml><?xml version="1.0" encoding="utf-8"?>
-<p:sldLayout xmlns:a="http://schemas.openxmlformats.org/drawingml/2006/main" xmlns:p="http://schemas.openxmlformats.org/presentationml/2006/main" xmlns:r="http://schemas.openxmlformats.org/officeDocument/2006/relationships" xmlns:p14="http://schemas.microsoft.com/office/powerpoint/2010/main" xmlns:p15="http://schemas.microsoft.com/office/powerpoint/2012/main" xmlns:mc="http://schemas.openxmlformats.org/markup-compatibility/2006" type="fourObj" preserve="1">
+<p:sldLayout xmlns:a="http://schemas.openxmlformats.org/drawingml/2006/main" xmlns:r="http://schemas.openxmlformats.org/officeDocument/2006/relationships" xmlns:p="http://schemas.openxmlformats.org/presentationml/2006/main" type="fourObj" preserve="1">
   <p:cSld name="Title, 4 Content">
     <p:spTree>
       <p:nvGrpSpPr>
@@ -1600,10 +1781,11 @@
           </a:prstGeom>
         </p:spPr>
         <p:txBody>
-          <a:bodyPr lIns="0" rIns="0" tIns="0" bIns="0" anchor="ctr"/>
+          <a:bodyPr lIns="0" tIns="0" rIns="0" bIns="0" anchor="ctr"/>
+          <a:lstStyle/>
           <a:p>
             <a:pPr algn="ctr"/>
-            <a:endParaRPr b="0" lang="cs-CZ" sz="4400" spc="-1" strike="noStrike">
+            <a:endParaRPr lang="cs-CZ" sz="4400" b="0" strike="noStrike" spc="-1">
               <a:latin typeface="Arial"/>
             </a:endParaRPr>
           </a:p>
@@ -1629,11 +1811,12 @@
           </a:prstGeom>
         </p:spPr>
         <p:txBody>
-          <a:bodyPr lIns="0" rIns="0" tIns="0" bIns="0">
+          <a:bodyPr lIns="0" tIns="0" rIns="0" bIns="0">
             <a:normAutofit/>
           </a:bodyPr>
-          <a:p>
-            <a:endParaRPr b="0" lang="cs-CZ" sz="3200" spc="-1" strike="noStrike">
+          <a:lstStyle/>
+          <a:p>
+            <a:endParaRPr lang="cs-CZ" sz="3200" b="0" strike="noStrike" spc="-1">
               <a:latin typeface="Arial"/>
             </a:endParaRPr>
           </a:p>
@@ -1659,11 +1842,12 @@
           </a:prstGeom>
         </p:spPr>
         <p:txBody>
-          <a:bodyPr lIns="0" rIns="0" tIns="0" bIns="0">
+          <a:bodyPr lIns="0" tIns="0" rIns="0" bIns="0">
             <a:normAutofit/>
           </a:bodyPr>
-          <a:p>
-            <a:endParaRPr b="0" lang="cs-CZ" sz="3200" spc="-1" strike="noStrike">
+          <a:lstStyle/>
+          <a:p>
+            <a:endParaRPr lang="cs-CZ" sz="3200" b="0" strike="noStrike" spc="-1">
               <a:latin typeface="Arial"/>
             </a:endParaRPr>
           </a:p>
@@ -1689,11 +1873,12 @@
           </a:prstGeom>
         </p:spPr>
         <p:txBody>
-          <a:bodyPr lIns="0" rIns="0" tIns="0" bIns="0">
+          <a:bodyPr lIns="0" tIns="0" rIns="0" bIns="0">
             <a:normAutofit/>
           </a:bodyPr>
-          <a:p>
-            <a:endParaRPr b="0" lang="cs-CZ" sz="3200" spc="-1" strike="noStrike">
+          <a:lstStyle/>
+          <a:p>
+            <a:endParaRPr lang="cs-CZ" sz="3200" b="0" strike="noStrike" spc="-1">
               <a:latin typeface="Arial"/>
             </a:endParaRPr>
           </a:p>
@@ -1719,11 +1904,12 @@
           </a:prstGeom>
         </p:spPr>
         <p:txBody>
-          <a:bodyPr lIns="0" rIns="0" tIns="0" bIns="0">
+          <a:bodyPr lIns="0" tIns="0" rIns="0" bIns="0">
             <a:normAutofit/>
           </a:bodyPr>
-          <a:p>
-            <a:endParaRPr b="0" lang="cs-CZ" sz="3200" spc="-1" strike="noStrike">
+          <a:lstStyle/>
+          <a:p>
+            <a:endParaRPr lang="cs-CZ" sz="3200" b="0" strike="noStrike" spc="-1">
               <a:latin typeface="Arial"/>
             </a:endParaRPr>
           </a:p>
@@ -1731,11 +1917,14 @@
       </p:sp>
     </p:spTree>
   </p:cSld>
+  <p:clrMapOvr>
+    <a:masterClrMapping/>
+  </p:clrMapOvr>
 </p:sldLayout>
 </file>
 
 <file path=ppt/slideLayouts/slideLayout24.xml><?xml version="1.0" encoding="utf-8"?>
-<p:sldLayout xmlns:a="http://schemas.openxmlformats.org/drawingml/2006/main" xmlns:p="http://schemas.openxmlformats.org/presentationml/2006/main" xmlns:r="http://schemas.openxmlformats.org/officeDocument/2006/relationships" xmlns:p14="http://schemas.microsoft.com/office/powerpoint/2010/main" xmlns:p15="http://schemas.microsoft.com/office/powerpoint/2012/main" xmlns:mc="http://schemas.openxmlformats.org/markup-compatibility/2006" type="blank" preserve="1">
+<p:sldLayout xmlns:a="http://schemas.openxmlformats.org/drawingml/2006/main" xmlns:r="http://schemas.openxmlformats.org/officeDocument/2006/relationships" xmlns:p="http://schemas.openxmlformats.org/presentationml/2006/main" type="blank" preserve="1">
   <p:cSld name="Title, 6 Content">
     <p:spTree>
       <p:nvGrpSpPr>
@@ -1771,10 +1960,11 @@
           </a:prstGeom>
         </p:spPr>
         <p:txBody>
-          <a:bodyPr lIns="0" rIns="0" tIns="0" bIns="0" anchor="ctr"/>
+          <a:bodyPr lIns="0" tIns="0" rIns="0" bIns="0" anchor="ctr"/>
+          <a:lstStyle/>
           <a:p>
             <a:pPr algn="ctr"/>
-            <a:endParaRPr b="0" lang="cs-CZ" sz="4400" spc="-1" strike="noStrike">
+            <a:endParaRPr lang="cs-CZ" sz="4400" b="0" strike="noStrike" spc="-1">
               <a:latin typeface="Arial"/>
             </a:endParaRPr>
           </a:p>
@@ -1800,11 +1990,12 @@
           </a:prstGeom>
         </p:spPr>
         <p:txBody>
-          <a:bodyPr lIns="0" rIns="0" tIns="0" bIns="0">
+          <a:bodyPr lIns="0" tIns="0" rIns="0" bIns="0">
             <a:normAutofit/>
           </a:bodyPr>
-          <a:p>
-            <a:endParaRPr b="0" lang="cs-CZ" sz="3200" spc="-1" strike="noStrike">
+          <a:lstStyle/>
+          <a:p>
+            <a:endParaRPr lang="cs-CZ" sz="3200" b="0" strike="noStrike" spc="-1">
               <a:latin typeface="Arial"/>
             </a:endParaRPr>
           </a:p>
@@ -1830,11 +2021,12 @@
           </a:prstGeom>
         </p:spPr>
         <p:txBody>
-          <a:bodyPr lIns="0" rIns="0" tIns="0" bIns="0">
+          <a:bodyPr lIns="0" tIns="0" rIns="0" bIns="0">
             <a:normAutofit/>
           </a:bodyPr>
-          <a:p>
-            <a:endParaRPr b="0" lang="cs-CZ" sz="3200" spc="-1" strike="noStrike">
+          <a:lstStyle/>
+          <a:p>
+            <a:endParaRPr lang="cs-CZ" sz="3200" b="0" strike="noStrike" spc="-1">
               <a:latin typeface="Arial"/>
             </a:endParaRPr>
           </a:p>
@@ -1860,11 +2052,12 @@
           </a:prstGeom>
         </p:spPr>
         <p:txBody>
-          <a:bodyPr lIns="0" rIns="0" tIns="0" bIns="0">
+          <a:bodyPr lIns="0" tIns="0" rIns="0" bIns="0">
             <a:normAutofit/>
           </a:bodyPr>
-          <a:p>
-            <a:endParaRPr b="0" lang="cs-CZ" sz="3200" spc="-1" strike="noStrike">
+          <a:lstStyle/>
+          <a:p>
+            <a:endParaRPr lang="cs-CZ" sz="3200" b="0" strike="noStrike" spc="-1">
               <a:latin typeface="Arial"/>
             </a:endParaRPr>
           </a:p>
@@ -1890,11 +2083,12 @@
           </a:prstGeom>
         </p:spPr>
         <p:txBody>
-          <a:bodyPr lIns="0" rIns="0" tIns="0" bIns="0">
+          <a:bodyPr lIns="0" tIns="0" rIns="0" bIns="0">
             <a:normAutofit/>
           </a:bodyPr>
-          <a:p>
-            <a:endParaRPr b="0" lang="cs-CZ" sz="3200" spc="-1" strike="noStrike">
+          <a:lstStyle/>
+          <a:p>
+            <a:endParaRPr lang="cs-CZ" sz="3200" b="0" strike="noStrike" spc="-1">
               <a:latin typeface="Arial"/>
             </a:endParaRPr>
           </a:p>
@@ -1920,11 +2114,12 @@
           </a:prstGeom>
         </p:spPr>
         <p:txBody>
-          <a:bodyPr lIns="0" rIns="0" tIns="0" bIns="0">
+          <a:bodyPr lIns="0" tIns="0" rIns="0" bIns="0">
             <a:normAutofit/>
           </a:bodyPr>
-          <a:p>
-            <a:endParaRPr b="0" lang="cs-CZ" sz="3200" spc="-1" strike="noStrike">
+          <a:lstStyle/>
+          <a:p>
+            <a:endParaRPr lang="cs-CZ" sz="3200" b="0" strike="noStrike" spc="-1">
               <a:latin typeface="Arial"/>
             </a:endParaRPr>
           </a:p>
@@ -1950,11 +2145,12 @@
           </a:prstGeom>
         </p:spPr>
         <p:txBody>
-          <a:bodyPr lIns="0" rIns="0" tIns="0" bIns="0">
+          <a:bodyPr lIns="0" tIns="0" rIns="0" bIns="0">
             <a:normAutofit/>
           </a:bodyPr>
-          <a:p>
-            <a:endParaRPr b="0" lang="cs-CZ" sz="3200" spc="-1" strike="noStrike">
+          <a:lstStyle/>
+          <a:p>
+            <a:endParaRPr lang="cs-CZ" sz="3200" b="0" strike="noStrike" spc="-1">
               <a:latin typeface="Arial"/>
             </a:endParaRPr>
           </a:p>
@@ -1962,11 +2158,14 @@
       </p:sp>
     </p:spTree>
   </p:cSld>
+  <p:clrMapOvr>
+    <a:masterClrMapping/>
+  </p:clrMapOvr>
 </p:sldLayout>
 </file>
 
 <file path=ppt/slideLayouts/slideLayout25.xml><?xml version="1.0" encoding="utf-8"?>
-<p:sldLayout xmlns:a="http://schemas.openxmlformats.org/drawingml/2006/main" xmlns:p="http://schemas.openxmlformats.org/presentationml/2006/main" xmlns:r="http://schemas.openxmlformats.org/officeDocument/2006/relationships" xmlns:p14="http://schemas.microsoft.com/office/powerpoint/2010/main" xmlns:p15="http://schemas.microsoft.com/office/powerpoint/2012/main" xmlns:mc="http://schemas.openxmlformats.org/markup-compatibility/2006" type="blank" preserve="1">
+<p:sldLayout xmlns:a="http://schemas.openxmlformats.org/drawingml/2006/main" xmlns:r="http://schemas.openxmlformats.org/officeDocument/2006/relationships" xmlns:p="http://schemas.openxmlformats.org/presentationml/2006/main" type="blank" preserve="1">
   <p:cSld name="Blank Slide">
     <p:spTree>
       <p:nvGrpSpPr>
@@ -1984,11 +2183,14 @@
       </p:grpSpPr>
     </p:spTree>
   </p:cSld>
+  <p:clrMapOvr>
+    <a:masterClrMapping/>
+  </p:clrMapOvr>
 </p:sldLayout>
 </file>
 
 <file path=ppt/slideLayouts/slideLayout26.xml><?xml version="1.0" encoding="utf-8"?>
-<p:sldLayout xmlns:a="http://schemas.openxmlformats.org/drawingml/2006/main" xmlns:p="http://schemas.openxmlformats.org/presentationml/2006/main" xmlns:r="http://schemas.openxmlformats.org/officeDocument/2006/relationships" xmlns:p14="http://schemas.microsoft.com/office/powerpoint/2010/main" xmlns:p15="http://schemas.microsoft.com/office/powerpoint/2012/main" xmlns:mc="http://schemas.openxmlformats.org/markup-compatibility/2006" type="tx" preserve="1">
+<p:sldLayout xmlns:a="http://schemas.openxmlformats.org/drawingml/2006/main" xmlns:r="http://schemas.openxmlformats.org/officeDocument/2006/relationships" xmlns:p="http://schemas.openxmlformats.org/presentationml/2006/main" type="tx" preserve="1">
   <p:cSld name="Title Slide">
     <p:spTree>
       <p:nvGrpSpPr>
@@ -2024,10 +2226,11 @@
           </a:prstGeom>
         </p:spPr>
         <p:txBody>
-          <a:bodyPr lIns="0" rIns="0" tIns="0" bIns="0" anchor="ctr"/>
+          <a:bodyPr lIns="0" tIns="0" rIns="0" bIns="0" anchor="ctr"/>
+          <a:lstStyle/>
           <a:p>
             <a:pPr algn="ctr"/>
-            <a:endParaRPr b="0" lang="cs-CZ" sz="4400" spc="-1" strike="noStrike">
+            <a:endParaRPr lang="cs-CZ" sz="4400" b="0" strike="noStrike" spc="-1">
               <a:latin typeface="Arial"/>
             </a:endParaRPr>
           </a:p>
@@ -2053,10 +2256,11 @@
           </a:prstGeom>
         </p:spPr>
         <p:txBody>
-          <a:bodyPr lIns="0" rIns="0" tIns="0" bIns="0" anchor="ctr"/>
+          <a:bodyPr lIns="0" tIns="0" rIns="0" bIns="0" anchor="ctr"/>
+          <a:lstStyle/>
           <a:p>
             <a:pPr algn="ctr"/>
-            <a:endParaRPr b="0" lang="cs-CZ" sz="3200" spc="-1" strike="noStrike">
+            <a:endParaRPr lang="cs-CZ" sz="3200" b="0" strike="noStrike" spc="-1">
               <a:latin typeface="Arial"/>
             </a:endParaRPr>
           </a:p>
@@ -2064,11 +2268,14 @@
       </p:sp>
     </p:spTree>
   </p:cSld>
+  <p:clrMapOvr>
+    <a:masterClrMapping/>
+  </p:clrMapOvr>
 </p:sldLayout>
 </file>
 
 <file path=ppt/slideLayouts/slideLayout27.xml><?xml version="1.0" encoding="utf-8"?>
-<p:sldLayout xmlns:a="http://schemas.openxmlformats.org/drawingml/2006/main" xmlns:p="http://schemas.openxmlformats.org/presentationml/2006/main" xmlns:r="http://schemas.openxmlformats.org/officeDocument/2006/relationships" xmlns:p14="http://schemas.microsoft.com/office/powerpoint/2010/main" xmlns:p15="http://schemas.microsoft.com/office/powerpoint/2012/main" xmlns:mc="http://schemas.openxmlformats.org/markup-compatibility/2006" type="obj" preserve="1">
+<p:sldLayout xmlns:a="http://schemas.openxmlformats.org/drawingml/2006/main" xmlns:r="http://schemas.openxmlformats.org/officeDocument/2006/relationships" xmlns:p="http://schemas.openxmlformats.org/presentationml/2006/main" type="obj" preserve="1">
   <p:cSld name="Title, Content">
     <p:spTree>
       <p:nvGrpSpPr>
@@ -2104,10 +2311,11 @@
           </a:prstGeom>
         </p:spPr>
         <p:txBody>
-          <a:bodyPr lIns="0" rIns="0" tIns="0" bIns="0" anchor="ctr"/>
+          <a:bodyPr lIns="0" tIns="0" rIns="0" bIns="0" anchor="ctr"/>
+          <a:lstStyle/>
           <a:p>
             <a:pPr algn="ctr"/>
-            <a:endParaRPr b="0" lang="cs-CZ" sz="4400" spc="-1" strike="noStrike">
+            <a:endParaRPr lang="cs-CZ" sz="4400" b="0" strike="noStrike" spc="-1">
               <a:latin typeface="Arial"/>
             </a:endParaRPr>
           </a:p>
@@ -2133,11 +2341,12 @@
           </a:prstGeom>
         </p:spPr>
         <p:txBody>
-          <a:bodyPr lIns="0" rIns="0" tIns="0" bIns="0">
+          <a:bodyPr lIns="0" tIns="0" rIns="0" bIns="0">
             <a:normAutofit/>
           </a:bodyPr>
-          <a:p>
-            <a:endParaRPr b="0" lang="cs-CZ" sz="3200" spc="-1" strike="noStrike">
+          <a:lstStyle/>
+          <a:p>
+            <a:endParaRPr lang="cs-CZ" sz="3200" b="0" strike="noStrike" spc="-1">
               <a:latin typeface="Arial"/>
             </a:endParaRPr>
           </a:p>
@@ -2145,11 +2354,14 @@
       </p:sp>
     </p:spTree>
   </p:cSld>
+  <p:clrMapOvr>
+    <a:masterClrMapping/>
+  </p:clrMapOvr>
 </p:sldLayout>
 </file>
 
 <file path=ppt/slideLayouts/slideLayout28.xml><?xml version="1.0" encoding="utf-8"?>
-<p:sldLayout xmlns:a="http://schemas.openxmlformats.org/drawingml/2006/main" xmlns:p="http://schemas.openxmlformats.org/presentationml/2006/main" xmlns:r="http://schemas.openxmlformats.org/officeDocument/2006/relationships" xmlns:p14="http://schemas.microsoft.com/office/powerpoint/2010/main" xmlns:p15="http://schemas.microsoft.com/office/powerpoint/2012/main" xmlns:mc="http://schemas.openxmlformats.org/markup-compatibility/2006" type="twoObj" preserve="1">
+<p:sldLayout xmlns:a="http://schemas.openxmlformats.org/drawingml/2006/main" xmlns:r="http://schemas.openxmlformats.org/officeDocument/2006/relationships" xmlns:p="http://schemas.openxmlformats.org/presentationml/2006/main" type="twoObj" preserve="1">
   <p:cSld name="Title, 2 Content">
     <p:spTree>
       <p:nvGrpSpPr>
@@ -2185,10 +2397,11 @@
           </a:prstGeom>
         </p:spPr>
         <p:txBody>
-          <a:bodyPr lIns="0" rIns="0" tIns="0" bIns="0" anchor="ctr"/>
+          <a:bodyPr lIns="0" tIns="0" rIns="0" bIns="0" anchor="ctr"/>
+          <a:lstStyle/>
           <a:p>
             <a:pPr algn="ctr"/>
-            <a:endParaRPr b="0" lang="cs-CZ" sz="4400" spc="-1" strike="noStrike">
+            <a:endParaRPr lang="cs-CZ" sz="4400" b="0" strike="noStrike" spc="-1">
               <a:latin typeface="Arial"/>
             </a:endParaRPr>
           </a:p>
@@ -2214,11 +2427,12 @@
           </a:prstGeom>
         </p:spPr>
         <p:txBody>
-          <a:bodyPr lIns="0" rIns="0" tIns="0" bIns="0">
+          <a:bodyPr lIns="0" tIns="0" rIns="0" bIns="0">
             <a:normAutofit/>
           </a:bodyPr>
-          <a:p>
-            <a:endParaRPr b="0" lang="cs-CZ" sz="3200" spc="-1" strike="noStrike">
+          <a:lstStyle/>
+          <a:p>
+            <a:endParaRPr lang="cs-CZ" sz="3200" b="0" strike="noStrike" spc="-1">
               <a:latin typeface="Arial"/>
             </a:endParaRPr>
           </a:p>
@@ -2244,11 +2458,12 @@
           </a:prstGeom>
         </p:spPr>
         <p:txBody>
-          <a:bodyPr lIns="0" rIns="0" tIns="0" bIns="0">
+          <a:bodyPr lIns="0" tIns="0" rIns="0" bIns="0">
             <a:normAutofit/>
           </a:bodyPr>
-          <a:p>
-            <a:endParaRPr b="0" lang="cs-CZ" sz="3200" spc="-1" strike="noStrike">
+          <a:lstStyle/>
+          <a:p>
+            <a:endParaRPr lang="cs-CZ" sz="3200" b="0" strike="noStrike" spc="-1">
               <a:latin typeface="Arial"/>
             </a:endParaRPr>
           </a:p>
@@ -2256,11 +2471,14 @@
       </p:sp>
     </p:spTree>
   </p:cSld>
+  <p:clrMapOvr>
+    <a:masterClrMapping/>
+  </p:clrMapOvr>
 </p:sldLayout>
 </file>
 
 <file path=ppt/slideLayouts/slideLayout29.xml><?xml version="1.0" encoding="utf-8"?>
-<p:sldLayout xmlns:a="http://schemas.openxmlformats.org/drawingml/2006/main" xmlns:p="http://schemas.openxmlformats.org/presentationml/2006/main" xmlns:r="http://schemas.openxmlformats.org/officeDocument/2006/relationships" xmlns:p14="http://schemas.microsoft.com/office/powerpoint/2010/main" xmlns:p15="http://schemas.microsoft.com/office/powerpoint/2012/main" xmlns:mc="http://schemas.openxmlformats.org/markup-compatibility/2006" type="titleOnly" preserve="1">
+<p:sldLayout xmlns:a="http://schemas.openxmlformats.org/drawingml/2006/main" xmlns:r="http://schemas.openxmlformats.org/officeDocument/2006/relationships" xmlns:p="http://schemas.openxmlformats.org/presentationml/2006/main" type="titleOnly" preserve="1">
   <p:cSld name="Title Only">
     <p:spTree>
       <p:nvGrpSpPr>
@@ -2296,10 +2514,11 @@
           </a:prstGeom>
         </p:spPr>
         <p:txBody>
-          <a:bodyPr lIns="0" rIns="0" tIns="0" bIns="0" anchor="ctr"/>
+          <a:bodyPr lIns="0" tIns="0" rIns="0" bIns="0" anchor="ctr"/>
+          <a:lstStyle/>
           <a:p>
             <a:pPr algn="ctr"/>
-            <a:endParaRPr b="0" lang="cs-CZ" sz="4400" spc="-1" strike="noStrike">
+            <a:endParaRPr lang="cs-CZ" sz="4400" b="0" strike="noStrike" spc="-1">
               <a:latin typeface="Arial"/>
             </a:endParaRPr>
           </a:p>
@@ -2307,11 +2526,14 @@
       </p:sp>
     </p:spTree>
   </p:cSld>
+  <p:clrMapOvr>
+    <a:masterClrMapping/>
+  </p:clrMapOvr>
 </p:sldLayout>
 </file>
 
 <file path=ppt/slideLayouts/slideLayout3.xml><?xml version="1.0" encoding="utf-8"?>
-<p:sldLayout xmlns:a="http://schemas.openxmlformats.org/drawingml/2006/main" xmlns:p="http://schemas.openxmlformats.org/presentationml/2006/main" xmlns:r="http://schemas.openxmlformats.org/officeDocument/2006/relationships" xmlns:p14="http://schemas.microsoft.com/office/powerpoint/2010/main" xmlns:p15="http://schemas.microsoft.com/office/powerpoint/2012/main" xmlns:mc="http://schemas.openxmlformats.org/markup-compatibility/2006" type="obj" preserve="1">
+<p:sldLayout xmlns:a="http://schemas.openxmlformats.org/drawingml/2006/main" xmlns:r="http://schemas.openxmlformats.org/officeDocument/2006/relationships" xmlns:p="http://schemas.openxmlformats.org/presentationml/2006/main" type="obj" preserve="1">
   <p:cSld name="Title, Content">
     <p:spTree>
       <p:nvGrpSpPr>
@@ -2347,10 +2569,11 @@
           </a:prstGeom>
         </p:spPr>
         <p:txBody>
-          <a:bodyPr lIns="0" rIns="0" tIns="0" bIns="0" anchor="ctr"/>
+          <a:bodyPr lIns="0" tIns="0" rIns="0" bIns="0" anchor="ctr"/>
+          <a:lstStyle/>
           <a:p>
             <a:pPr algn="ctr"/>
-            <a:endParaRPr b="0" lang="cs-CZ" sz="4400" spc="-1" strike="noStrike">
+            <a:endParaRPr lang="cs-CZ" sz="4400" b="0" strike="noStrike" spc="-1">
               <a:latin typeface="Arial"/>
             </a:endParaRPr>
           </a:p>
@@ -2376,11 +2599,12 @@
           </a:prstGeom>
         </p:spPr>
         <p:txBody>
-          <a:bodyPr lIns="0" rIns="0" tIns="0" bIns="0">
+          <a:bodyPr lIns="0" tIns="0" rIns="0" bIns="0">
             <a:normAutofit/>
           </a:bodyPr>
-          <a:p>
-            <a:endParaRPr b="0" lang="cs-CZ" sz="3200" spc="-1" strike="noStrike">
+          <a:lstStyle/>
+          <a:p>
+            <a:endParaRPr lang="cs-CZ" sz="3200" b="0" strike="noStrike" spc="-1">
               <a:latin typeface="Arial"/>
             </a:endParaRPr>
           </a:p>
@@ -2388,11 +2612,14 @@
       </p:sp>
     </p:spTree>
   </p:cSld>
+  <p:clrMapOvr>
+    <a:masterClrMapping/>
+  </p:clrMapOvr>
 </p:sldLayout>
 </file>
 
 <file path=ppt/slideLayouts/slideLayout30.xml><?xml version="1.0" encoding="utf-8"?>
-<p:sldLayout xmlns:a="http://schemas.openxmlformats.org/drawingml/2006/main" xmlns:p="http://schemas.openxmlformats.org/presentationml/2006/main" xmlns:r="http://schemas.openxmlformats.org/officeDocument/2006/relationships" xmlns:p14="http://schemas.microsoft.com/office/powerpoint/2010/main" xmlns:p15="http://schemas.microsoft.com/office/powerpoint/2012/main" xmlns:mc="http://schemas.openxmlformats.org/markup-compatibility/2006" type="objOnly" preserve="1">
+<p:sldLayout xmlns:a="http://schemas.openxmlformats.org/drawingml/2006/main" xmlns:r="http://schemas.openxmlformats.org/officeDocument/2006/relationships" xmlns:p="http://schemas.openxmlformats.org/presentationml/2006/main" type="objOnly" preserve="1">
   <p:cSld name="Centered Text">
     <p:spTree>
       <p:nvGrpSpPr>
@@ -2428,10 +2655,11 @@
           </a:prstGeom>
         </p:spPr>
         <p:txBody>
-          <a:bodyPr lIns="0" rIns="0" tIns="0" bIns="0" anchor="ctr"/>
+          <a:bodyPr lIns="0" tIns="0" rIns="0" bIns="0" anchor="ctr"/>
+          <a:lstStyle/>
           <a:p>
             <a:pPr algn="ctr"/>
-            <a:endParaRPr b="0" lang="cs-CZ" sz="3200" spc="-1" strike="noStrike">
+            <a:endParaRPr lang="cs-CZ" sz="3200" b="0" strike="noStrike" spc="-1">
               <a:latin typeface="Arial"/>
             </a:endParaRPr>
           </a:p>
@@ -2439,11 +2667,14 @@
       </p:sp>
     </p:spTree>
   </p:cSld>
+  <p:clrMapOvr>
+    <a:masterClrMapping/>
+  </p:clrMapOvr>
 </p:sldLayout>
 </file>
 
 <file path=ppt/slideLayouts/slideLayout31.xml><?xml version="1.0" encoding="utf-8"?>
-<p:sldLayout xmlns:a="http://schemas.openxmlformats.org/drawingml/2006/main" xmlns:p="http://schemas.openxmlformats.org/presentationml/2006/main" xmlns:r="http://schemas.openxmlformats.org/officeDocument/2006/relationships" xmlns:p14="http://schemas.microsoft.com/office/powerpoint/2010/main" xmlns:p15="http://schemas.microsoft.com/office/powerpoint/2012/main" xmlns:mc="http://schemas.openxmlformats.org/markup-compatibility/2006" type="twoObjAndObj" preserve="1">
+<p:sldLayout xmlns:a="http://schemas.openxmlformats.org/drawingml/2006/main" xmlns:r="http://schemas.openxmlformats.org/officeDocument/2006/relationships" xmlns:p="http://schemas.openxmlformats.org/presentationml/2006/main" type="twoObjAndObj" preserve="1">
   <p:cSld name="Title, 2 Content and Content">
     <p:spTree>
       <p:nvGrpSpPr>
@@ -2479,10 +2710,11 @@
           </a:prstGeom>
         </p:spPr>
         <p:txBody>
-          <a:bodyPr lIns="0" rIns="0" tIns="0" bIns="0" anchor="ctr"/>
+          <a:bodyPr lIns="0" tIns="0" rIns="0" bIns="0" anchor="ctr"/>
+          <a:lstStyle/>
           <a:p>
             <a:pPr algn="ctr"/>
-            <a:endParaRPr b="0" lang="cs-CZ" sz="4400" spc="-1" strike="noStrike">
+            <a:endParaRPr lang="cs-CZ" sz="4400" b="0" strike="noStrike" spc="-1">
               <a:latin typeface="Arial"/>
             </a:endParaRPr>
           </a:p>
@@ -2508,11 +2740,12 @@
           </a:prstGeom>
         </p:spPr>
         <p:txBody>
-          <a:bodyPr lIns="0" rIns="0" tIns="0" bIns="0">
+          <a:bodyPr lIns="0" tIns="0" rIns="0" bIns="0">
             <a:normAutofit/>
           </a:bodyPr>
-          <a:p>
-            <a:endParaRPr b="0" lang="cs-CZ" sz="3200" spc="-1" strike="noStrike">
+          <a:lstStyle/>
+          <a:p>
+            <a:endParaRPr lang="cs-CZ" sz="3200" b="0" strike="noStrike" spc="-1">
               <a:latin typeface="Arial"/>
             </a:endParaRPr>
           </a:p>
@@ -2538,11 +2771,12 @@
           </a:prstGeom>
         </p:spPr>
         <p:txBody>
-          <a:bodyPr lIns="0" rIns="0" tIns="0" bIns="0">
+          <a:bodyPr lIns="0" tIns="0" rIns="0" bIns="0">
             <a:normAutofit/>
           </a:bodyPr>
-          <a:p>
-            <a:endParaRPr b="0" lang="cs-CZ" sz="3200" spc="-1" strike="noStrike">
+          <a:lstStyle/>
+          <a:p>
+            <a:endParaRPr lang="cs-CZ" sz="3200" b="0" strike="noStrike" spc="-1">
               <a:latin typeface="Arial"/>
             </a:endParaRPr>
           </a:p>
@@ -2568,11 +2802,12 @@
           </a:prstGeom>
         </p:spPr>
         <p:txBody>
-          <a:bodyPr lIns="0" rIns="0" tIns="0" bIns="0">
+          <a:bodyPr lIns="0" tIns="0" rIns="0" bIns="0">
             <a:normAutofit/>
           </a:bodyPr>
-          <a:p>
-            <a:endParaRPr b="0" lang="cs-CZ" sz="3200" spc="-1" strike="noStrike">
+          <a:lstStyle/>
+          <a:p>
+            <a:endParaRPr lang="cs-CZ" sz="3200" b="0" strike="noStrike" spc="-1">
               <a:latin typeface="Arial"/>
             </a:endParaRPr>
           </a:p>
@@ -2580,11 +2815,14 @@
       </p:sp>
     </p:spTree>
   </p:cSld>
+  <p:clrMapOvr>
+    <a:masterClrMapping/>
+  </p:clrMapOvr>
 </p:sldLayout>
 </file>
 
 <file path=ppt/slideLayouts/slideLayout32.xml><?xml version="1.0" encoding="utf-8"?>
-<p:sldLayout xmlns:a="http://schemas.openxmlformats.org/drawingml/2006/main" xmlns:p="http://schemas.openxmlformats.org/presentationml/2006/main" xmlns:r="http://schemas.openxmlformats.org/officeDocument/2006/relationships" xmlns:p14="http://schemas.microsoft.com/office/powerpoint/2010/main" xmlns:p15="http://schemas.microsoft.com/office/powerpoint/2012/main" xmlns:mc="http://schemas.openxmlformats.org/markup-compatibility/2006" type="objAndTwoObj" preserve="1">
+<p:sldLayout xmlns:a="http://schemas.openxmlformats.org/drawingml/2006/main" xmlns:r="http://schemas.openxmlformats.org/officeDocument/2006/relationships" xmlns:p="http://schemas.openxmlformats.org/presentationml/2006/main" type="objAndTwoObj" preserve="1">
   <p:cSld name="Title Content and 2 Content">
     <p:spTree>
       <p:nvGrpSpPr>
@@ -2620,10 +2858,11 @@
           </a:prstGeom>
         </p:spPr>
         <p:txBody>
-          <a:bodyPr lIns="0" rIns="0" tIns="0" bIns="0" anchor="ctr"/>
+          <a:bodyPr lIns="0" tIns="0" rIns="0" bIns="0" anchor="ctr"/>
+          <a:lstStyle/>
           <a:p>
             <a:pPr algn="ctr"/>
-            <a:endParaRPr b="0" lang="cs-CZ" sz="4400" spc="-1" strike="noStrike">
+            <a:endParaRPr lang="cs-CZ" sz="4400" b="0" strike="noStrike" spc="-1">
               <a:latin typeface="Arial"/>
             </a:endParaRPr>
           </a:p>
@@ -2649,11 +2888,12 @@
           </a:prstGeom>
         </p:spPr>
         <p:txBody>
-          <a:bodyPr lIns="0" rIns="0" tIns="0" bIns="0">
+          <a:bodyPr lIns="0" tIns="0" rIns="0" bIns="0">
             <a:normAutofit/>
           </a:bodyPr>
-          <a:p>
-            <a:endParaRPr b="0" lang="cs-CZ" sz="3200" spc="-1" strike="noStrike">
+          <a:lstStyle/>
+          <a:p>
+            <a:endParaRPr lang="cs-CZ" sz="3200" b="0" strike="noStrike" spc="-1">
               <a:latin typeface="Arial"/>
             </a:endParaRPr>
           </a:p>
@@ -2679,11 +2919,12 @@
           </a:prstGeom>
         </p:spPr>
         <p:txBody>
-          <a:bodyPr lIns="0" rIns="0" tIns="0" bIns="0">
+          <a:bodyPr lIns="0" tIns="0" rIns="0" bIns="0">
             <a:normAutofit/>
           </a:bodyPr>
-          <a:p>
-            <a:endParaRPr b="0" lang="cs-CZ" sz="3200" spc="-1" strike="noStrike">
+          <a:lstStyle/>
+          <a:p>
+            <a:endParaRPr lang="cs-CZ" sz="3200" b="0" strike="noStrike" spc="-1">
               <a:latin typeface="Arial"/>
             </a:endParaRPr>
           </a:p>
@@ -2709,11 +2950,12 @@
           </a:prstGeom>
         </p:spPr>
         <p:txBody>
-          <a:bodyPr lIns="0" rIns="0" tIns="0" bIns="0">
+          <a:bodyPr lIns="0" tIns="0" rIns="0" bIns="0">
             <a:normAutofit/>
           </a:bodyPr>
-          <a:p>
-            <a:endParaRPr b="0" lang="cs-CZ" sz="3200" spc="-1" strike="noStrike">
+          <a:lstStyle/>
+          <a:p>
+            <a:endParaRPr lang="cs-CZ" sz="3200" b="0" strike="noStrike" spc="-1">
               <a:latin typeface="Arial"/>
             </a:endParaRPr>
           </a:p>
@@ -2721,11 +2963,14 @@
       </p:sp>
     </p:spTree>
   </p:cSld>
+  <p:clrMapOvr>
+    <a:masterClrMapping/>
+  </p:clrMapOvr>
 </p:sldLayout>
 </file>
 
 <file path=ppt/slideLayouts/slideLayout33.xml><?xml version="1.0" encoding="utf-8"?>
-<p:sldLayout xmlns:a="http://schemas.openxmlformats.org/drawingml/2006/main" xmlns:p="http://schemas.openxmlformats.org/presentationml/2006/main" xmlns:r="http://schemas.openxmlformats.org/officeDocument/2006/relationships" xmlns:p14="http://schemas.microsoft.com/office/powerpoint/2010/main" xmlns:p15="http://schemas.microsoft.com/office/powerpoint/2012/main" xmlns:mc="http://schemas.openxmlformats.org/markup-compatibility/2006" type="twoObjOverTx" preserve="1">
+<p:sldLayout xmlns:a="http://schemas.openxmlformats.org/drawingml/2006/main" xmlns:r="http://schemas.openxmlformats.org/officeDocument/2006/relationships" xmlns:p="http://schemas.openxmlformats.org/presentationml/2006/main" type="twoObjOverTx" preserve="1">
   <p:cSld name="Title, 2 Content over Content">
     <p:spTree>
       <p:nvGrpSpPr>
@@ -2761,10 +3006,11 @@
           </a:prstGeom>
         </p:spPr>
         <p:txBody>
-          <a:bodyPr lIns="0" rIns="0" tIns="0" bIns="0" anchor="ctr"/>
+          <a:bodyPr lIns="0" tIns="0" rIns="0" bIns="0" anchor="ctr"/>
+          <a:lstStyle/>
           <a:p>
             <a:pPr algn="ctr"/>
-            <a:endParaRPr b="0" lang="cs-CZ" sz="4400" spc="-1" strike="noStrike">
+            <a:endParaRPr lang="cs-CZ" sz="4400" b="0" strike="noStrike" spc="-1">
               <a:latin typeface="Arial"/>
             </a:endParaRPr>
           </a:p>
@@ -2790,11 +3036,12 @@
           </a:prstGeom>
         </p:spPr>
         <p:txBody>
-          <a:bodyPr lIns="0" rIns="0" tIns="0" bIns="0">
+          <a:bodyPr lIns="0" tIns="0" rIns="0" bIns="0">
             <a:normAutofit/>
           </a:bodyPr>
-          <a:p>
-            <a:endParaRPr b="0" lang="cs-CZ" sz="3200" spc="-1" strike="noStrike">
+          <a:lstStyle/>
+          <a:p>
+            <a:endParaRPr lang="cs-CZ" sz="3200" b="0" strike="noStrike" spc="-1">
               <a:latin typeface="Arial"/>
             </a:endParaRPr>
           </a:p>
@@ -2820,11 +3067,12 @@
           </a:prstGeom>
         </p:spPr>
         <p:txBody>
-          <a:bodyPr lIns="0" rIns="0" tIns="0" bIns="0">
+          <a:bodyPr lIns="0" tIns="0" rIns="0" bIns="0">
             <a:normAutofit/>
           </a:bodyPr>
-          <a:p>
-            <a:endParaRPr b="0" lang="cs-CZ" sz="3200" spc="-1" strike="noStrike">
+          <a:lstStyle/>
+          <a:p>
+            <a:endParaRPr lang="cs-CZ" sz="3200" b="0" strike="noStrike" spc="-1">
               <a:latin typeface="Arial"/>
             </a:endParaRPr>
           </a:p>
@@ -2850,11 +3098,12 @@
           </a:prstGeom>
         </p:spPr>
         <p:txBody>
-          <a:bodyPr lIns="0" rIns="0" tIns="0" bIns="0">
+          <a:bodyPr lIns="0" tIns="0" rIns="0" bIns="0">
             <a:normAutofit/>
           </a:bodyPr>
-          <a:p>
-            <a:endParaRPr b="0" lang="cs-CZ" sz="3200" spc="-1" strike="noStrike">
+          <a:lstStyle/>
+          <a:p>
+            <a:endParaRPr lang="cs-CZ" sz="3200" b="0" strike="noStrike" spc="-1">
               <a:latin typeface="Arial"/>
             </a:endParaRPr>
           </a:p>
@@ -2862,11 +3111,14 @@
       </p:sp>
     </p:spTree>
   </p:cSld>
+  <p:clrMapOvr>
+    <a:masterClrMapping/>
+  </p:clrMapOvr>
 </p:sldLayout>
 </file>
 
 <file path=ppt/slideLayouts/slideLayout34.xml><?xml version="1.0" encoding="utf-8"?>
-<p:sldLayout xmlns:a="http://schemas.openxmlformats.org/drawingml/2006/main" xmlns:p="http://schemas.openxmlformats.org/presentationml/2006/main" xmlns:r="http://schemas.openxmlformats.org/officeDocument/2006/relationships" xmlns:p14="http://schemas.microsoft.com/office/powerpoint/2010/main" xmlns:p15="http://schemas.microsoft.com/office/powerpoint/2012/main" xmlns:mc="http://schemas.openxmlformats.org/markup-compatibility/2006" type="objOverTx" preserve="1">
+<p:sldLayout xmlns:a="http://schemas.openxmlformats.org/drawingml/2006/main" xmlns:r="http://schemas.openxmlformats.org/officeDocument/2006/relationships" xmlns:p="http://schemas.openxmlformats.org/presentationml/2006/main" type="objOverTx" preserve="1">
   <p:cSld name="Title, Content over Content">
     <p:spTree>
       <p:nvGrpSpPr>
@@ -2902,10 +3154,11 @@
           </a:prstGeom>
         </p:spPr>
         <p:txBody>
-          <a:bodyPr lIns="0" rIns="0" tIns="0" bIns="0" anchor="ctr"/>
+          <a:bodyPr lIns="0" tIns="0" rIns="0" bIns="0" anchor="ctr"/>
+          <a:lstStyle/>
           <a:p>
             <a:pPr algn="ctr"/>
-            <a:endParaRPr b="0" lang="cs-CZ" sz="4400" spc="-1" strike="noStrike">
+            <a:endParaRPr lang="cs-CZ" sz="4400" b="0" strike="noStrike" spc="-1">
               <a:latin typeface="Arial"/>
             </a:endParaRPr>
           </a:p>
@@ -2931,11 +3184,12 @@
           </a:prstGeom>
         </p:spPr>
         <p:txBody>
-          <a:bodyPr lIns="0" rIns="0" tIns="0" bIns="0">
+          <a:bodyPr lIns="0" tIns="0" rIns="0" bIns="0">
             <a:normAutofit/>
           </a:bodyPr>
-          <a:p>
-            <a:endParaRPr b="0" lang="cs-CZ" sz="3200" spc="-1" strike="noStrike">
+          <a:lstStyle/>
+          <a:p>
+            <a:endParaRPr lang="cs-CZ" sz="3200" b="0" strike="noStrike" spc="-1">
               <a:latin typeface="Arial"/>
             </a:endParaRPr>
           </a:p>
@@ -2961,11 +3215,12 @@
           </a:prstGeom>
         </p:spPr>
         <p:txBody>
-          <a:bodyPr lIns="0" rIns="0" tIns="0" bIns="0">
+          <a:bodyPr lIns="0" tIns="0" rIns="0" bIns="0">
             <a:normAutofit/>
           </a:bodyPr>
-          <a:p>
-            <a:endParaRPr b="0" lang="cs-CZ" sz="3200" spc="-1" strike="noStrike">
+          <a:lstStyle/>
+          <a:p>
+            <a:endParaRPr lang="cs-CZ" sz="3200" b="0" strike="noStrike" spc="-1">
               <a:latin typeface="Arial"/>
             </a:endParaRPr>
           </a:p>
@@ -2973,11 +3228,14 @@
       </p:sp>
     </p:spTree>
   </p:cSld>
+  <p:clrMapOvr>
+    <a:masterClrMapping/>
+  </p:clrMapOvr>
 </p:sldLayout>
 </file>
 
 <file path=ppt/slideLayouts/slideLayout35.xml><?xml version="1.0" encoding="utf-8"?>
-<p:sldLayout xmlns:a="http://schemas.openxmlformats.org/drawingml/2006/main" xmlns:p="http://schemas.openxmlformats.org/presentationml/2006/main" xmlns:r="http://schemas.openxmlformats.org/officeDocument/2006/relationships" xmlns:p14="http://schemas.microsoft.com/office/powerpoint/2010/main" xmlns:p15="http://schemas.microsoft.com/office/powerpoint/2012/main" xmlns:mc="http://schemas.openxmlformats.org/markup-compatibility/2006" type="fourObj" preserve="1">
+<p:sldLayout xmlns:a="http://schemas.openxmlformats.org/drawingml/2006/main" xmlns:r="http://schemas.openxmlformats.org/officeDocument/2006/relationships" xmlns:p="http://schemas.openxmlformats.org/presentationml/2006/main" type="fourObj" preserve="1">
   <p:cSld name="Title, 4 Content">
     <p:spTree>
       <p:nvGrpSpPr>
@@ -3013,10 +3271,11 @@
           </a:prstGeom>
         </p:spPr>
         <p:txBody>
-          <a:bodyPr lIns="0" rIns="0" tIns="0" bIns="0" anchor="ctr"/>
+          <a:bodyPr lIns="0" tIns="0" rIns="0" bIns="0" anchor="ctr"/>
+          <a:lstStyle/>
           <a:p>
             <a:pPr algn="ctr"/>
-            <a:endParaRPr b="0" lang="cs-CZ" sz="4400" spc="-1" strike="noStrike">
+            <a:endParaRPr lang="cs-CZ" sz="4400" b="0" strike="noStrike" spc="-1">
               <a:latin typeface="Arial"/>
             </a:endParaRPr>
           </a:p>
@@ -3042,11 +3301,12 @@
           </a:prstGeom>
         </p:spPr>
         <p:txBody>
-          <a:bodyPr lIns="0" rIns="0" tIns="0" bIns="0">
+          <a:bodyPr lIns="0" tIns="0" rIns="0" bIns="0">
             <a:normAutofit/>
           </a:bodyPr>
-          <a:p>
-            <a:endParaRPr b="0" lang="cs-CZ" sz="3200" spc="-1" strike="noStrike">
+          <a:lstStyle/>
+          <a:p>
+            <a:endParaRPr lang="cs-CZ" sz="3200" b="0" strike="noStrike" spc="-1">
               <a:latin typeface="Arial"/>
             </a:endParaRPr>
           </a:p>
@@ -3072,11 +3332,12 @@
           </a:prstGeom>
         </p:spPr>
         <p:txBody>
-          <a:bodyPr lIns="0" rIns="0" tIns="0" bIns="0">
+          <a:bodyPr lIns="0" tIns="0" rIns="0" bIns="0">
             <a:normAutofit/>
           </a:bodyPr>
-          <a:p>
-            <a:endParaRPr b="0" lang="cs-CZ" sz="3200" spc="-1" strike="noStrike">
+          <a:lstStyle/>
+          <a:p>
+            <a:endParaRPr lang="cs-CZ" sz="3200" b="0" strike="noStrike" spc="-1">
               <a:latin typeface="Arial"/>
             </a:endParaRPr>
           </a:p>
@@ -3102,11 +3363,12 @@
           </a:prstGeom>
         </p:spPr>
         <p:txBody>
-          <a:bodyPr lIns="0" rIns="0" tIns="0" bIns="0">
+          <a:bodyPr lIns="0" tIns="0" rIns="0" bIns="0">
             <a:normAutofit/>
           </a:bodyPr>
-          <a:p>
-            <a:endParaRPr b="0" lang="cs-CZ" sz="3200" spc="-1" strike="noStrike">
+          <a:lstStyle/>
+          <a:p>
+            <a:endParaRPr lang="cs-CZ" sz="3200" b="0" strike="noStrike" spc="-1">
               <a:latin typeface="Arial"/>
             </a:endParaRPr>
           </a:p>
@@ -3132,11 +3394,12 @@
           </a:prstGeom>
         </p:spPr>
         <p:txBody>
-          <a:bodyPr lIns="0" rIns="0" tIns="0" bIns="0">
+          <a:bodyPr lIns="0" tIns="0" rIns="0" bIns="0">
             <a:normAutofit/>
           </a:bodyPr>
-          <a:p>
-            <a:endParaRPr b="0" lang="cs-CZ" sz="3200" spc="-1" strike="noStrike">
+          <a:lstStyle/>
+          <a:p>
+            <a:endParaRPr lang="cs-CZ" sz="3200" b="0" strike="noStrike" spc="-1">
               <a:latin typeface="Arial"/>
             </a:endParaRPr>
           </a:p>
@@ -3144,11 +3407,14 @@
       </p:sp>
     </p:spTree>
   </p:cSld>
+  <p:clrMapOvr>
+    <a:masterClrMapping/>
+  </p:clrMapOvr>
 </p:sldLayout>
 </file>
 
 <file path=ppt/slideLayouts/slideLayout36.xml><?xml version="1.0" encoding="utf-8"?>
-<p:sldLayout xmlns:a="http://schemas.openxmlformats.org/drawingml/2006/main" xmlns:p="http://schemas.openxmlformats.org/presentationml/2006/main" xmlns:r="http://schemas.openxmlformats.org/officeDocument/2006/relationships" xmlns:p14="http://schemas.microsoft.com/office/powerpoint/2010/main" xmlns:p15="http://schemas.microsoft.com/office/powerpoint/2012/main" xmlns:mc="http://schemas.openxmlformats.org/markup-compatibility/2006" type="blank" preserve="1">
+<p:sldLayout xmlns:a="http://schemas.openxmlformats.org/drawingml/2006/main" xmlns:r="http://schemas.openxmlformats.org/officeDocument/2006/relationships" xmlns:p="http://schemas.openxmlformats.org/presentationml/2006/main" type="blank" preserve="1">
   <p:cSld name="Title, 6 Content">
     <p:spTree>
       <p:nvGrpSpPr>
@@ -3184,10 +3450,11 @@
           </a:prstGeom>
         </p:spPr>
         <p:txBody>
-          <a:bodyPr lIns="0" rIns="0" tIns="0" bIns="0" anchor="ctr"/>
+          <a:bodyPr lIns="0" tIns="0" rIns="0" bIns="0" anchor="ctr"/>
+          <a:lstStyle/>
           <a:p>
             <a:pPr algn="ctr"/>
-            <a:endParaRPr b="0" lang="cs-CZ" sz="4400" spc="-1" strike="noStrike">
+            <a:endParaRPr lang="cs-CZ" sz="4400" b="0" strike="noStrike" spc="-1">
               <a:latin typeface="Arial"/>
             </a:endParaRPr>
           </a:p>
@@ -3213,11 +3480,12 @@
           </a:prstGeom>
         </p:spPr>
         <p:txBody>
-          <a:bodyPr lIns="0" rIns="0" tIns="0" bIns="0">
+          <a:bodyPr lIns="0" tIns="0" rIns="0" bIns="0">
             <a:normAutofit/>
           </a:bodyPr>
-          <a:p>
-            <a:endParaRPr b="0" lang="cs-CZ" sz="3200" spc="-1" strike="noStrike">
+          <a:lstStyle/>
+          <a:p>
+            <a:endParaRPr lang="cs-CZ" sz="3200" b="0" strike="noStrike" spc="-1">
               <a:latin typeface="Arial"/>
             </a:endParaRPr>
           </a:p>
@@ -3243,11 +3511,12 @@
           </a:prstGeom>
         </p:spPr>
         <p:txBody>
-          <a:bodyPr lIns="0" rIns="0" tIns="0" bIns="0">
+          <a:bodyPr lIns="0" tIns="0" rIns="0" bIns="0">
             <a:normAutofit/>
           </a:bodyPr>
-          <a:p>
-            <a:endParaRPr b="0" lang="cs-CZ" sz="3200" spc="-1" strike="noStrike">
+          <a:lstStyle/>
+          <a:p>
+            <a:endParaRPr lang="cs-CZ" sz="3200" b="0" strike="noStrike" spc="-1">
               <a:latin typeface="Arial"/>
             </a:endParaRPr>
           </a:p>
@@ -3273,11 +3542,12 @@
           </a:prstGeom>
         </p:spPr>
         <p:txBody>
-          <a:bodyPr lIns="0" rIns="0" tIns="0" bIns="0">
+          <a:bodyPr lIns="0" tIns="0" rIns="0" bIns="0">
             <a:normAutofit/>
           </a:bodyPr>
-          <a:p>
-            <a:endParaRPr b="0" lang="cs-CZ" sz="3200" spc="-1" strike="noStrike">
+          <a:lstStyle/>
+          <a:p>
+            <a:endParaRPr lang="cs-CZ" sz="3200" b="0" strike="noStrike" spc="-1">
               <a:latin typeface="Arial"/>
             </a:endParaRPr>
           </a:p>
@@ -3303,11 +3573,12 @@
           </a:prstGeom>
         </p:spPr>
         <p:txBody>
-          <a:bodyPr lIns="0" rIns="0" tIns="0" bIns="0">
+          <a:bodyPr lIns="0" tIns="0" rIns="0" bIns="0">
             <a:normAutofit/>
           </a:bodyPr>
-          <a:p>
-            <a:endParaRPr b="0" lang="cs-CZ" sz="3200" spc="-1" strike="noStrike">
+          <a:lstStyle/>
+          <a:p>
+            <a:endParaRPr lang="cs-CZ" sz="3200" b="0" strike="noStrike" spc="-1">
               <a:latin typeface="Arial"/>
             </a:endParaRPr>
           </a:p>
@@ -3333,11 +3604,12 @@
           </a:prstGeom>
         </p:spPr>
         <p:txBody>
-          <a:bodyPr lIns="0" rIns="0" tIns="0" bIns="0">
+          <a:bodyPr lIns="0" tIns="0" rIns="0" bIns="0">
             <a:normAutofit/>
           </a:bodyPr>
-          <a:p>
-            <a:endParaRPr b="0" lang="cs-CZ" sz="3200" spc="-1" strike="noStrike">
+          <a:lstStyle/>
+          <a:p>
+            <a:endParaRPr lang="cs-CZ" sz="3200" b="0" strike="noStrike" spc="-1">
               <a:latin typeface="Arial"/>
             </a:endParaRPr>
           </a:p>
@@ -3363,11 +3635,12 @@
           </a:prstGeom>
         </p:spPr>
         <p:txBody>
-          <a:bodyPr lIns="0" rIns="0" tIns="0" bIns="0">
+          <a:bodyPr lIns="0" tIns="0" rIns="0" bIns="0">
             <a:normAutofit/>
           </a:bodyPr>
-          <a:p>
-            <a:endParaRPr b="0" lang="cs-CZ" sz="3200" spc="-1" strike="noStrike">
+          <a:lstStyle/>
+          <a:p>
+            <a:endParaRPr lang="cs-CZ" sz="3200" b="0" strike="noStrike" spc="-1">
               <a:latin typeface="Arial"/>
             </a:endParaRPr>
           </a:p>
@@ -3375,11 +3648,14 @@
       </p:sp>
     </p:spTree>
   </p:cSld>
+  <p:clrMapOvr>
+    <a:masterClrMapping/>
+  </p:clrMapOvr>
 </p:sldLayout>
 </file>
 
 <file path=ppt/slideLayouts/slideLayout4.xml><?xml version="1.0" encoding="utf-8"?>
-<p:sldLayout xmlns:a="http://schemas.openxmlformats.org/drawingml/2006/main" xmlns:p="http://schemas.openxmlformats.org/presentationml/2006/main" xmlns:r="http://schemas.openxmlformats.org/officeDocument/2006/relationships" xmlns:p14="http://schemas.microsoft.com/office/powerpoint/2010/main" xmlns:p15="http://schemas.microsoft.com/office/powerpoint/2012/main" xmlns:mc="http://schemas.openxmlformats.org/markup-compatibility/2006" type="twoObj" preserve="1">
+<p:sldLayout xmlns:a="http://schemas.openxmlformats.org/drawingml/2006/main" xmlns:r="http://schemas.openxmlformats.org/officeDocument/2006/relationships" xmlns:p="http://schemas.openxmlformats.org/presentationml/2006/main" type="twoObj" preserve="1">
   <p:cSld name="Title, 2 Content">
     <p:spTree>
       <p:nvGrpSpPr>
@@ -3415,10 +3691,11 @@
           </a:prstGeom>
         </p:spPr>
         <p:txBody>
-          <a:bodyPr lIns="0" rIns="0" tIns="0" bIns="0" anchor="ctr"/>
+          <a:bodyPr lIns="0" tIns="0" rIns="0" bIns="0" anchor="ctr"/>
+          <a:lstStyle/>
           <a:p>
             <a:pPr algn="ctr"/>
-            <a:endParaRPr b="0" lang="cs-CZ" sz="4400" spc="-1" strike="noStrike">
+            <a:endParaRPr lang="cs-CZ" sz="4400" b="0" strike="noStrike" spc="-1">
               <a:latin typeface="Arial"/>
             </a:endParaRPr>
           </a:p>
@@ -3444,11 +3721,12 @@
           </a:prstGeom>
         </p:spPr>
         <p:txBody>
-          <a:bodyPr lIns="0" rIns="0" tIns="0" bIns="0">
+          <a:bodyPr lIns="0" tIns="0" rIns="0" bIns="0">
             <a:normAutofit/>
           </a:bodyPr>
-          <a:p>
-            <a:endParaRPr b="0" lang="cs-CZ" sz="3200" spc="-1" strike="noStrike">
+          <a:lstStyle/>
+          <a:p>
+            <a:endParaRPr lang="cs-CZ" sz="3200" b="0" strike="noStrike" spc="-1">
               <a:latin typeface="Arial"/>
             </a:endParaRPr>
           </a:p>
@@ -3474,11 +3752,12 @@
           </a:prstGeom>
         </p:spPr>
         <p:txBody>
-          <a:bodyPr lIns="0" rIns="0" tIns="0" bIns="0">
+          <a:bodyPr lIns="0" tIns="0" rIns="0" bIns="0">
             <a:normAutofit/>
           </a:bodyPr>
-          <a:p>
-            <a:endParaRPr b="0" lang="cs-CZ" sz="3200" spc="-1" strike="noStrike">
+          <a:lstStyle/>
+          <a:p>
+            <a:endParaRPr lang="cs-CZ" sz="3200" b="0" strike="noStrike" spc="-1">
               <a:latin typeface="Arial"/>
             </a:endParaRPr>
           </a:p>
@@ -3486,11 +3765,14 @@
       </p:sp>
     </p:spTree>
   </p:cSld>
+  <p:clrMapOvr>
+    <a:masterClrMapping/>
+  </p:clrMapOvr>
 </p:sldLayout>
 </file>
 
 <file path=ppt/slideLayouts/slideLayout5.xml><?xml version="1.0" encoding="utf-8"?>
-<p:sldLayout xmlns:a="http://schemas.openxmlformats.org/drawingml/2006/main" xmlns:p="http://schemas.openxmlformats.org/presentationml/2006/main" xmlns:r="http://schemas.openxmlformats.org/officeDocument/2006/relationships" xmlns:p14="http://schemas.microsoft.com/office/powerpoint/2010/main" xmlns:p15="http://schemas.microsoft.com/office/powerpoint/2012/main" xmlns:mc="http://schemas.openxmlformats.org/markup-compatibility/2006" type="titleOnly" preserve="1">
+<p:sldLayout xmlns:a="http://schemas.openxmlformats.org/drawingml/2006/main" xmlns:r="http://schemas.openxmlformats.org/officeDocument/2006/relationships" xmlns:p="http://schemas.openxmlformats.org/presentationml/2006/main" type="titleOnly" preserve="1">
   <p:cSld name="Title Only">
     <p:spTree>
       <p:nvGrpSpPr>
@@ -3526,10 +3808,11 @@
           </a:prstGeom>
         </p:spPr>
         <p:txBody>
-          <a:bodyPr lIns="0" rIns="0" tIns="0" bIns="0" anchor="ctr"/>
+          <a:bodyPr lIns="0" tIns="0" rIns="0" bIns="0" anchor="ctr"/>
+          <a:lstStyle/>
           <a:p>
             <a:pPr algn="ctr"/>
-            <a:endParaRPr b="0" lang="cs-CZ" sz="4400" spc="-1" strike="noStrike">
+            <a:endParaRPr lang="cs-CZ" sz="4400" b="0" strike="noStrike" spc="-1">
               <a:latin typeface="Arial"/>
             </a:endParaRPr>
           </a:p>
@@ -3537,11 +3820,14 @@
       </p:sp>
     </p:spTree>
   </p:cSld>
+  <p:clrMapOvr>
+    <a:masterClrMapping/>
+  </p:clrMapOvr>
 </p:sldLayout>
 </file>
 
 <file path=ppt/slideLayouts/slideLayout6.xml><?xml version="1.0" encoding="utf-8"?>
-<p:sldLayout xmlns:a="http://schemas.openxmlformats.org/drawingml/2006/main" xmlns:p="http://schemas.openxmlformats.org/presentationml/2006/main" xmlns:r="http://schemas.openxmlformats.org/officeDocument/2006/relationships" xmlns:p14="http://schemas.microsoft.com/office/powerpoint/2010/main" xmlns:p15="http://schemas.microsoft.com/office/powerpoint/2012/main" xmlns:mc="http://schemas.openxmlformats.org/markup-compatibility/2006" type="objOnly" preserve="1">
+<p:sldLayout xmlns:a="http://schemas.openxmlformats.org/drawingml/2006/main" xmlns:r="http://schemas.openxmlformats.org/officeDocument/2006/relationships" xmlns:p="http://schemas.openxmlformats.org/presentationml/2006/main" type="objOnly" preserve="1">
   <p:cSld name="Centered Text">
     <p:spTree>
       <p:nvGrpSpPr>
@@ -3577,10 +3863,11 @@
           </a:prstGeom>
         </p:spPr>
         <p:txBody>
-          <a:bodyPr lIns="0" rIns="0" tIns="0" bIns="0" anchor="ctr"/>
+          <a:bodyPr lIns="0" tIns="0" rIns="0" bIns="0" anchor="ctr"/>
+          <a:lstStyle/>
           <a:p>
             <a:pPr algn="ctr"/>
-            <a:endParaRPr b="0" lang="cs-CZ" sz="3200" spc="-1" strike="noStrike">
+            <a:endParaRPr lang="cs-CZ" sz="3200" b="0" strike="noStrike" spc="-1">
               <a:latin typeface="Arial"/>
             </a:endParaRPr>
           </a:p>
@@ -3588,11 +3875,14 @@
       </p:sp>
     </p:spTree>
   </p:cSld>
+  <p:clrMapOvr>
+    <a:masterClrMapping/>
+  </p:clrMapOvr>
 </p:sldLayout>
 </file>
 
 <file path=ppt/slideLayouts/slideLayout7.xml><?xml version="1.0" encoding="utf-8"?>
-<p:sldLayout xmlns:a="http://schemas.openxmlformats.org/drawingml/2006/main" xmlns:p="http://schemas.openxmlformats.org/presentationml/2006/main" xmlns:r="http://schemas.openxmlformats.org/officeDocument/2006/relationships" xmlns:p14="http://schemas.microsoft.com/office/powerpoint/2010/main" xmlns:p15="http://schemas.microsoft.com/office/powerpoint/2012/main" xmlns:mc="http://schemas.openxmlformats.org/markup-compatibility/2006" type="twoObjAndObj" preserve="1">
+<p:sldLayout xmlns:a="http://schemas.openxmlformats.org/drawingml/2006/main" xmlns:r="http://schemas.openxmlformats.org/officeDocument/2006/relationships" xmlns:p="http://schemas.openxmlformats.org/presentationml/2006/main" type="twoObjAndObj" preserve="1">
   <p:cSld name="Title, 2 Content and Content">
     <p:spTree>
       <p:nvGrpSpPr>
@@ -3628,10 +3918,11 @@
           </a:prstGeom>
         </p:spPr>
         <p:txBody>
-          <a:bodyPr lIns="0" rIns="0" tIns="0" bIns="0" anchor="ctr"/>
+          <a:bodyPr lIns="0" tIns="0" rIns="0" bIns="0" anchor="ctr"/>
+          <a:lstStyle/>
           <a:p>
             <a:pPr algn="ctr"/>
-            <a:endParaRPr b="0" lang="cs-CZ" sz="4400" spc="-1" strike="noStrike">
+            <a:endParaRPr lang="cs-CZ" sz="4400" b="0" strike="noStrike" spc="-1">
               <a:latin typeface="Arial"/>
             </a:endParaRPr>
           </a:p>
@@ -3657,11 +3948,12 @@
           </a:prstGeom>
         </p:spPr>
         <p:txBody>
-          <a:bodyPr lIns="0" rIns="0" tIns="0" bIns="0">
+          <a:bodyPr lIns="0" tIns="0" rIns="0" bIns="0">
             <a:normAutofit/>
           </a:bodyPr>
-          <a:p>
-            <a:endParaRPr b="0" lang="cs-CZ" sz="3200" spc="-1" strike="noStrike">
+          <a:lstStyle/>
+          <a:p>
+            <a:endParaRPr lang="cs-CZ" sz="3200" b="0" strike="noStrike" spc="-1">
               <a:latin typeface="Arial"/>
             </a:endParaRPr>
           </a:p>
@@ -3687,11 +3979,12 @@
           </a:prstGeom>
         </p:spPr>
         <p:txBody>
-          <a:bodyPr lIns="0" rIns="0" tIns="0" bIns="0">
+          <a:bodyPr lIns="0" tIns="0" rIns="0" bIns="0">
             <a:normAutofit/>
           </a:bodyPr>
-          <a:p>
-            <a:endParaRPr b="0" lang="cs-CZ" sz="3200" spc="-1" strike="noStrike">
+          <a:lstStyle/>
+          <a:p>
+            <a:endParaRPr lang="cs-CZ" sz="3200" b="0" strike="noStrike" spc="-1">
               <a:latin typeface="Arial"/>
             </a:endParaRPr>
           </a:p>
@@ -3717,11 +4010,12 @@
           </a:prstGeom>
         </p:spPr>
         <p:txBody>
-          <a:bodyPr lIns="0" rIns="0" tIns="0" bIns="0">
+          <a:bodyPr lIns="0" tIns="0" rIns="0" bIns="0">
             <a:normAutofit/>
           </a:bodyPr>
-          <a:p>
-            <a:endParaRPr b="0" lang="cs-CZ" sz="3200" spc="-1" strike="noStrike">
+          <a:lstStyle/>
+          <a:p>
+            <a:endParaRPr lang="cs-CZ" sz="3200" b="0" strike="noStrike" spc="-1">
               <a:latin typeface="Arial"/>
             </a:endParaRPr>
           </a:p>
@@ -3729,11 +4023,14 @@
       </p:sp>
     </p:spTree>
   </p:cSld>
+  <p:clrMapOvr>
+    <a:masterClrMapping/>
+  </p:clrMapOvr>
 </p:sldLayout>
 </file>
 
 <file path=ppt/slideLayouts/slideLayout8.xml><?xml version="1.0" encoding="utf-8"?>
-<p:sldLayout xmlns:a="http://schemas.openxmlformats.org/drawingml/2006/main" xmlns:p="http://schemas.openxmlformats.org/presentationml/2006/main" xmlns:r="http://schemas.openxmlformats.org/officeDocument/2006/relationships" xmlns:p14="http://schemas.microsoft.com/office/powerpoint/2010/main" xmlns:p15="http://schemas.microsoft.com/office/powerpoint/2012/main" xmlns:mc="http://schemas.openxmlformats.org/markup-compatibility/2006" type="objAndTwoObj" preserve="1">
+<p:sldLayout xmlns:a="http://schemas.openxmlformats.org/drawingml/2006/main" xmlns:r="http://schemas.openxmlformats.org/officeDocument/2006/relationships" xmlns:p="http://schemas.openxmlformats.org/presentationml/2006/main" type="objAndTwoObj" preserve="1">
   <p:cSld name="Title Content and 2 Content">
     <p:spTree>
       <p:nvGrpSpPr>
@@ -3769,10 +4066,11 @@
           </a:prstGeom>
         </p:spPr>
         <p:txBody>
-          <a:bodyPr lIns="0" rIns="0" tIns="0" bIns="0" anchor="ctr"/>
+          <a:bodyPr lIns="0" tIns="0" rIns="0" bIns="0" anchor="ctr"/>
+          <a:lstStyle/>
           <a:p>
             <a:pPr algn="ctr"/>
-            <a:endParaRPr b="0" lang="cs-CZ" sz="4400" spc="-1" strike="noStrike">
+            <a:endParaRPr lang="cs-CZ" sz="4400" b="0" strike="noStrike" spc="-1">
               <a:latin typeface="Arial"/>
             </a:endParaRPr>
           </a:p>
@@ -3798,11 +4096,12 @@
           </a:prstGeom>
         </p:spPr>
         <p:txBody>
-          <a:bodyPr lIns="0" rIns="0" tIns="0" bIns="0">
+          <a:bodyPr lIns="0" tIns="0" rIns="0" bIns="0">
             <a:normAutofit/>
           </a:bodyPr>
-          <a:p>
-            <a:endParaRPr b="0" lang="cs-CZ" sz="3200" spc="-1" strike="noStrike">
+          <a:lstStyle/>
+          <a:p>
+            <a:endParaRPr lang="cs-CZ" sz="3200" b="0" strike="noStrike" spc="-1">
               <a:latin typeface="Arial"/>
             </a:endParaRPr>
           </a:p>
@@ -3828,11 +4127,12 @@
           </a:prstGeom>
         </p:spPr>
         <p:txBody>
-          <a:bodyPr lIns="0" rIns="0" tIns="0" bIns="0">
+          <a:bodyPr lIns="0" tIns="0" rIns="0" bIns="0">
             <a:normAutofit/>
           </a:bodyPr>
-          <a:p>
-            <a:endParaRPr b="0" lang="cs-CZ" sz="3200" spc="-1" strike="noStrike">
+          <a:lstStyle/>
+          <a:p>
+            <a:endParaRPr lang="cs-CZ" sz="3200" b="0" strike="noStrike" spc="-1">
               <a:latin typeface="Arial"/>
             </a:endParaRPr>
           </a:p>
@@ -3858,11 +4158,12 @@
           </a:prstGeom>
         </p:spPr>
         <p:txBody>
-          <a:bodyPr lIns="0" rIns="0" tIns="0" bIns="0">
+          <a:bodyPr lIns="0" tIns="0" rIns="0" bIns="0">
             <a:normAutofit/>
           </a:bodyPr>
-          <a:p>
-            <a:endParaRPr b="0" lang="cs-CZ" sz="3200" spc="-1" strike="noStrike">
+          <a:lstStyle/>
+          <a:p>
+            <a:endParaRPr lang="cs-CZ" sz="3200" b="0" strike="noStrike" spc="-1">
               <a:latin typeface="Arial"/>
             </a:endParaRPr>
           </a:p>
@@ -3870,11 +4171,14 @@
       </p:sp>
     </p:spTree>
   </p:cSld>
+  <p:clrMapOvr>
+    <a:masterClrMapping/>
+  </p:clrMapOvr>
 </p:sldLayout>
 </file>
 
 <file path=ppt/slideLayouts/slideLayout9.xml><?xml version="1.0" encoding="utf-8"?>
-<p:sldLayout xmlns:a="http://schemas.openxmlformats.org/drawingml/2006/main" xmlns:p="http://schemas.openxmlformats.org/presentationml/2006/main" xmlns:r="http://schemas.openxmlformats.org/officeDocument/2006/relationships" xmlns:p14="http://schemas.microsoft.com/office/powerpoint/2010/main" xmlns:p15="http://schemas.microsoft.com/office/powerpoint/2012/main" xmlns:mc="http://schemas.openxmlformats.org/markup-compatibility/2006" type="twoObjOverTx" preserve="1">
+<p:sldLayout xmlns:a="http://schemas.openxmlformats.org/drawingml/2006/main" xmlns:r="http://schemas.openxmlformats.org/officeDocument/2006/relationships" xmlns:p="http://schemas.openxmlformats.org/presentationml/2006/main" type="twoObjOverTx" preserve="1">
   <p:cSld name="Title, 2 Content over Content">
     <p:spTree>
       <p:nvGrpSpPr>
@@ -3910,10 +4214,11 @@
           </a:prstGeom>
         </p:spPr>
         <p:txBody>
-          <a:bodyPr lIns="0" rIns="0" tIns="0" bIns="0" anchor="ctr"/>
+          <a:bodyPr lIns="0" tIns="0" rIns="0" bIns="0" anchor="ctr"/>
+          <a:lstStyle/>
           <a:p>
             <a:pPr algn="ctr"/>
-            <a:endParaRPr b="0" lang="cs-CZ" sz="4400" spc="-1" strike="noStrike">
+            <a:endParaRPr lang="cs-CZ" sz="4400" b="0" strike="noStrike" spc="-1">
               <a:latin typeface="Arial"/>
             </a:endParaRPr>
           </a:p>
@@ -3939,11 +4244,12 @@
           </a:prstGeom>
         </p:spPr>
         <p:txBody>
-          <a:bodyPr lIns="0" rIns="0" tIns="0" bIns="0">
+          <a:bodyPr lIns="0" tIns="0" rIns="0" bIns="0">
             <a:normAutofit/>
           </a:bodyPr>
-          <a:p>
-            <a:endParaRPr b="0" lang="cs-CZ" sz="3200" spc="-1" strike="noStrike">
+          <a:lstStyle/>
+          <a:p>
+            <a:endParaRPr lang="cs-CZ" sz="3200" b="0" strike="noStrike" spc="-1">
               <a:latin typeface="Arial"/>
             </a:endParaRPr>
           </a:p>
@@ -3969,11 +4275,12 @@
           </a:prstGeom>
         </p:spPr>
         <p:txBody>
-          <a:bodyPr lIns="0" rIns="0" tIns="0" bIns="0">
+          <a:bodyPr lIns="0" tIns="0" rIns="0" bIns="0">
             <a:normAutofit/>
           </a:bodyPr>
-          <a:p>
-            <a:endParaRPr b="0" lang="cs-CZ" sz="3200" spc="-1" strike="noStrike">
+          <a:lstStyle/>
+          <a:p>
+            <a:endParaRPr lang="cs-CZ" sz="3200" b="0" strike="noStrike" spc="-1">
               <a:latin typeface="Arial"/>
             </a:endParaRPr>
           </a:p>
@@ -3999,11 +4306,12 @@
           </a:prstGeom>
         </p:spPr>
         <p:txBody>
-          <a:bodyPr lIns="0" rIns="0" tIns="0" bIns="0">
+          <a:bodyPr lIns="0" tIns="0" rIns="0" bIns="0">
             <a:normAutofit/>
           </a:bodyPr>
-          <a:p>
-            <a:endParaRPr b="0" lang="cs-CZ" sz="3200" spc="-1" strike="noStrike">
+          <a:lstStyle/>
+          <a:p>
+            <a:endParaRPr lang="cs-CZ" sz="3200" b="0" strike="noStrike" spc="-1">
               <a:latin typeface="Arial"/>
             </a:endParaRPr>
           </a:p>
@@ -4011,20 +4319,24 @@
       </p:sp>
     </p:spTree>
   </p:cSld>
+  <p:clrMapOvr>
+    <a:masterClrMapping/>
+  </p:clrMapOvr>
 </p:sldLayout>
 </file>
 
 <file path=ppt/slideMasters/slideMaster1.xml><?xml version="1.0" encoding="utf-8"?>
-<p:sldMaster xmlns:a="http://schemas.openxmlformats.org/drawingml/2006/main" xmlns:p="http://schemas.openxmlformats.org/presentationml/2006/main" xmlns:r="http://schemas.openxmlformats.org/officeDocument/2006/relationships" xmlns:p14="http://schemas.microsoft.com/office/powerpoint/2010/main" xmlns:p15="http://schemas.microsoft.com/office/powerpoint/2012/main" xmlns:mc="http://schemas.openxmlformats.org/markup-compatibility/2006">
+<p:sldMaster xmlns:a="http://schemas.openxmlformats.org/drawingml/2006/main" xmlns:r="http://schemas.openxmlformats.org/officeDocument/2006/relationships" xmlns:p="http://schemas.openxmlformats.org/presentationml/2006/main">
   <p:cSld>
     <p:bg>
       <p:bgPr>
         <a:blipFill rotWithShape="0">
-          <a:blip r:embed="rId2"/>
+          <a:blip r:embed="rId14"/>
           <a:stretch>
             <a:fillRect/>
           </a:stretch>
         </a:blipFill>
+        <a:effectLst/>
       </p:bgPr>
     </p:bg>
     <p:spTree>
@@ -4043,7 +4355,7 @@
       </p:grpSpPr>
       <p:sp>
         <p:nvSpPr>
-          <p:cNvPr id="0" name="PlaceHolder 1"/>
+          <p:cNvPr id="2" name="PlaceHolder 1"/>
           <p:cNvSpPr>
             <a:spLocks noGrp="1"/>
           </p:cNvSpPr>
@@ -4061,23 +4373,21 @@
           </a:prstGeom>
         </p:spPr>
         <p:txBody>
-          <a:bodyPr lIns="0" rIns="0" tIns="0" bIns="0" anchor="ctr"/>
-          <a:p>
-            <a:r>
-              <a:rPr b="0" lang="cs-CZ" sz="1800" spc="-1" strike="noStrike">
+          <a:bodyPr lIns="0" tIns="0" rIns="0" bIns="0" anchor="ctr"/>
+          <a:lstStyle/>
+          <a:p>
+            <a:r>
+              <a:rPr lang="cs-CZ" sz="1800" b="0" strike="noStrike" spc="-1">
                 <a:latin typeface="Arial"/>
               </a:rPr>
               <a:t>Klikněte pro úpravu formátu textu nadpisu</a:t>
             </a:r>
-            <a:endParaRPr b="0" lang="cs-CZ" sz="1800" spc="-1" strike="noStrike">
-              <a:latin typeface="Arial"/>
-            </a:endParaRPr>
-          </a:p>
-        </p:txBody>
-      </p:sp>
-      <p:sp>
-        <p:nvSpPr>
-          <p:cNvPr id="1" name="PlaceHolder 2"/>
+          </a:p>
+        </p:txBody>
+      </p:sp>
+      <p:sp>
+        <p:nvSpPr>
+          <p:cNvPr id="3" name="PlaceHolder 2"/>
           <p:cNvSpPr>
             <a:spLocks noGrp="1"/>
           </p:cNvSpPr>
@@ -4095,9 +4405,10 @@
           </a:prstGeom>
         </p:spPr>
         <p:txBody>
-          <a:bodyPr lIns="0" rIns="0" tIns="0" bIns="0">
+          <a:bodyPr lIns="0" tIns="0" rIns="0" bIns="0">
             <a:normAutofit/>
           </a:bodyPr>
+          <a:lstStyle/>
           <a:p>
             <a:pPr marL="432000" indent="-324000">
               <a:spcBef>
@@ -4111,17 +4422,14 @@
               <a:buChar char=""/>
             </a:pPr>
             <a:r>
-              <a:rPr b="0" lang="cs-CZ" sz="3200" spc="-1" strike="noStrike">
+              <a:rPr lang="cs-CZ" sz="3200" b="0" strike="noStrike" spc="-1">
                 <a:latin typeface="Arial"/>
               </a:rPr>
               <a:t>Klikněte pro úpravu formátu textu osnovy</a:t>
             </a:r>
-            <a:endParaRPr b="0" lang="cs-CZ" sz="3200" spc="-1" strike="noStrike">
-              <a:latin typeface="Arial"/>
-            </a:endParaRPr>
-          </a:p>
-          <a:p>
-            <a:pPr lvl="1" marL="864000" indent="-324000">
+          </a:p>
+          <a:p>
+            <a:pPr marL="864000" lvl="1" indent="-324000">
               <a:spcBef>
                 <a:spcPts val="1134"/>
               </a:spcBef>
@@ -4133,17 +4441,14 @@
               <a:buChar char=""/>
             </a:pPr>
             <a:r>
-              <a:rPr b="0" lang="cs-CZ" sz="2800" spc="-1" strike="noStrike">
+              <a:rPr lang="cs-CZ" sz="2800" b="0" strike="noStrike" spc="-1">
                 <a:latin typeface="Arial"/>
               </a:rPr>
               <a:t>Druhá úroveň</a:t>
             </a:r>
-            <a:endParaRPr b="0" lang="cs-CZ" sz="2800" spc="-1" strike="noStrike">
-              <a:latin typeface="Arial"/>
-            </a:endParaRPr>
-          </a:p>
-          <a:p>
-            <a:pPr lvl="2" marL="1296000" indent="-288000">
+          </a:p>
+          <a:p>
+            <a:pPr marL="1296000" lvl="2" indent="-288000">
               <a:spcBef>
                 <a:spcPts val="850"/>
               </a:spcBef>
@@ -4155,17 +4460,14 @@
               <a:buChar char=""/>
             </a:pPr>
             <a:r>
-              <a:rPr b="0" lang="cs-CZ" sz="2400" spc="-1" strike="noStrike">
+              <a:rPr lang="cs-CZ" sz="2400" b="0" strike="noStrike" spc="-1">
                 <a:latin typeface="Arial"/>
               </a:rPr>
               <a:t>Třetí úroveň</a:t>
             </a:r>
-            <a:endParaRPr b="0" lang="cs-CZ" sz="2400" spc="-1" strike="noStrike">
-              <a:latin typeface="Arial"/>
-            </a:endParaRPr>
-          </a:p>
-          <a:p>
-            <a:pPr lvl="3" marL="1728000" indent="-216000">
+          </a:p>
+          <a:p>
+            <a:pPr marL="1728000" lvl="3" indent="-216000">
               <a:spcBef>
                 <a:spcPts val="567"/>
               </a:spcBef>
@@ -4177,17 +4479,14 @@
               <a:buChar char=""/>
             </a:pPr>
             <a:r>
-              <a:rPr b="0" lang="cs-CZ" sz="2000" spc="-1" strike="noStrike">
+              <a:rPr lang="cs-CZ" sz="2000" b="0" strike="noStrike" spc="-1">
                 <a:latin typeface="Arial"/>
               </a:rPr>
               <a:t>Čtvrtá úroveň osnovy</a:t>
             </a:r>
-            <a:endParaRPr b="0" lang="cs-CZ" sz="2000" spc="-1" strike="noStrike">
-              <a:latin typeface="Arial"/>
-            </a:endParaRPr>
-          </a:p>
-          <a:p>
-            <a:pPr lvl="4" marL="2160000" indent="-216000">
+          </a:p>
+          <a:p>
+            <a:pPr marL="2160000" lvl="4" indent="-216000">
               <a:spcBef>
                 <a:spcPts val="283"/>
               </a:spcBef>
@@ -4199,17 +4498,14 @@
               <a:buChar char=""/>
             </a:pPr>
             <a:r>
-              <a:rPr b="0" lang="cs-CZ" sz="2000" spc="-1" strike="noStrike">
+              <a:rPr lang="cs-CZ" sz="2000" b="0" strike="noStrike" spc="-1">
                 <a:latin typeface="Arial"/>
               </a:rPr>
               <a:t>Pátá úroveň osnovy</a:t>
             </a:r>
-            <a:endParaRPr b="0" lang="cs-CZ" sz="2000" spc="-1" strike="noStrike">
-              <a:latin typeface="Arial"/>
-            </a:endParaRPr>
-          </a:p>
-          <a:p>
-            <a:pPr lvl="5" marL="2592000" indent="-216000">
+          </a:p>
+          <a:p>
+            <a:pPr marL="2592000" lvl="5" indent="-216000">
               <a:spcBef>
                 <a:spcPts val="283"/>
               </a:spcBef>
@@ -4221,17 +4517,14 @@
               <a:buChar char=""/>
             </a:pPr>
             <a:r>
-              <a:rPr b="0" lang="cs-CZ" sz="2000" spc="-1" strike="noStrike">
+              <a:rPr lang="cs-CZ" sz="2000" b="0" strike="noStrike" spc="-1">
                 <a:latin typeface="Arial"/>
               </a:rPr>
               <a:t>Šestá úroveň</a:t>
             </a:r>
-            <a:endParaRPr b="0" lang="cs-CZ" sz="2000" spc="-1" strike="noStrike">
-              <a:latin typeface="Arial"/>
-            </a:endParaRPr>
-          </a:p>
-          <a:p>
-            <a:pPr lvl="6" marL="3024000" indent="-216000">
+          </a:p>
+          <a:p>
+            <a:pPr marL="3024000" lvl="6" indent="-216000">
               <a:spcBef>
                 <a:spcPts val="283"/>
               </a:spcBef>
@@ -4243,48 +4536,326 @@
               <a:buChar char=""/>
             </a:pPr>
             <a:r>
-              <a:rPr b="0" lang="cs-CZ" sz="2000" spc="-1" strike="noStrike">
+              <a:rPr lang="cs-CZ" sz="2000" b="0" strike="noStrike" spc="-1">
                 <a:latin typeface="Arial"/>
               </a:rPr>
               <a:t>Sedmá úroveň</a:t>
             </a:r>
-            <a:endParaRPr b="0" lang="cs-CZ" sz="2000" spc="-1" strike="noStrike">
-              <a:latin typeface="Arial"/>
-            </a:endParaRPr>
           </a:p>
         </p:txBody>
       </p:sp>
     </p:spTree>
   </p:cSld>
-  <p:clrMap bg1="lt1" bg2="lt2" tx1="dk1" tx2="dk2" accent1="accent1" accent2="accent2" accent3="accent3" accent4="accent4" accent5="accent5" accent6="accent6" hlink="hlink" folHlink="folHlink"/>
+  <p:clrMap bg1="lt1" tx1="dk1" bg2="lt2" tx2="dk2" accent1="accent1" accent2="accent2" accent3="accent3" accent4="accent4" accent5="accent5" accent6="accent6" hlink="hlink" folHlink="folHlink"/>
   <p:sldLayoutIdLst>
-    <p:sldLayoutId id="2147483649" r:id="rId3"/>
-    <p:sldLayoutId id="2147483650" r:id="rId4"/>
-    <p:sldLayoutId id="2147483651" r:id="rId5"/>
-    <p:sldLayoutId id="2147483652" r:id="rId6"/>
-    <p:sldLayoutId id="2147483653" r:id="rId7"/>
-    <p:sldLayoutId id="2147483654" r:id="rId8"/>
-    <p:sldLayoutId id="2147483655" r:id="rId9"/>
-    <p:sldLayoutId id="2147483656" r:id="rId10"/>
-    <p:sldLayoutId id="2147483657" r:id="rId11"/>
-    <p:sldLayoutId id="2147483658" r:id="rId12"/>
-    <p:sldLayoutId id="2147483659" r:id="rId13"/>
-    <p:sldLayoutId id="2147483660" r:id="rId14"/>
+    <p:sldLayoutId id="2147483649" r:id="rId1"/>
+    <p:sldLayoutId id="2147483650" r:id="rId2"/>
+    <p:sldLayoutId id="2147483651" r:id="rId3"/>
+    <p:sldLayoutId id="2147483652" r:id="rId4"/>
+    <p:sldLayoutId id="2147483653" r:id="rId5"/>
+    <p:sldLayoutId id="2147483654" r:id="rId6"/>
+    <p:sldLayoutId id="2147483655" r:id="rId7"/>
+    <p:sldLayoutId id="2147483656" r:id="rId8"/>
+    <p:sldLayoutId id="2147483657" r:id="rId9"/>
+    <p:sldLayoutId id="2147483658" r:id="rId10"/>
+    <p:sldLayoutId id="2147483659" r:id="rId11"/>
+    <p:sldLayoutId id="2147483660" r:id="rId12"/>
   </p:sldLayoutIdLst>
+  <p:txStyles>
+    <p:titleStyle>
+      <a:lvl1pPr algn="l" defTabSz="914400" rtl="0" eaLnBrk="1" latinLnBrk="0" hangingPunct="1">
+        <a:lnSpc>
+          <a:spcPct val="90000"/>
+        </a:lnSpc>
+        <a:spcBef>
+          <a:spcPct val="0"/>
+        </a:spcBef>
+        <a:buNone/>
+        <a:defRPr sz="4400" kern="1200">
+          <a:solidFill>
+            <a:schemeClr val="tx1"/>
+          </a:solidFill>
+          <a:latin typeface="+mj-lt"/>
+          <a:ea typeface="+mj-ea"/>
+          <a:cs typeface="+mj-cs"/>
+        </a:defRPr>
+      </a:lvl1pPr>
+    </p:titleStyle>
+    <p:bodyStyle>
+      <a:lvl1pPr marL="228600" indent="-228600" algn="l" defTabSz="914400" rtl="0" eaLnBrk="1" latinLnBrk="0" hangingPunct="1">
+        <a:lnSpc>
+          <a:spcPct val="90000"/>
+        </a:lnSpc>
+        <a:spcBef>
+          <a:spcPts val="1000"/>
+        </a:spcBef>
+        <a:buFont typeface="Arial" panose="020B0604020202020204" pitchFamily="34" charset="0"/>
+        <a:buChar char="•"/>
+        <a:defRPr sz="2800" kern="1200">
+          <a:solidFill>
+            <a:schemeClr val="tx1"/>
+          </a:solidFill>
+          <a:latin typeface="+mn-lt"/>
+          <a:ea typeface="+mn-ea"/>
+          <a:cs typeface="+mn-cs"/>
+        </a:defRPr>
+      </a:lvl1pPr>
+      <a:lvl2pPr marL="685800" indent="-228600" algn="l" defTabSz="914400" rtl="0" eaLnBrk="1" latinLnBrk="0" hangingPunct="1">
+        <a:lnSpc>
+          <a:spcPct val="90000"/>
+        </a:lnSpc>
+        <a:spcBef>
+          <a:spcPts val="500"/>
+        </a:spcBef>
+        <a:buFont typeface="Arial" panose="020B0604020202020204" pitchFamily="34" charset="0"/>
+        <a:buChar char="•"/>
+        <a:defRPr sz="2400" kern="1200">
+          <a:solidFill>
+            <a:schemeClr val="tx1"/>
+          </a:solidFill>
+          <a:latin typeface="+mn-lt"/>
+          <a:ea typeface="+mn-ea"/>
+          <a:cs typeface="+mn-cs"/>
+        </a:defRPr>
+      </a:lvl2pPr>
+      <a:lvl3pPr marL="1143000" indent="-228600" algn="l" defTabSz="914400" rtl="0" eaLnBrk="1" latinLnBrk="0" hangingPunct="1">
+        <a:lnSpc>
+          <a:spcPct val="90000"/>
+        </a:lnSpc>
+        <a:spcBef>
+          <a:spcPts val="500"/>
+        </a:spcBef>
+        <a:buFont typeface="Arial" panose="020B0604020202020204" pitchFamily="34" charset="0"/>
+        <a:buChar char="•"/>
+        <a:defRPr sz="2000" kern="1200">
+          <a:solidFill>
+            <a:schemeClr val="tx1"/>
+          </a:solidFill>
+          <a:latin typeface="+mn-lt"/>
+          <a:ea typeface="+mn-ea"/>
+          <a:cs typeface="+mn-cs"/>
+        </a:defRPr>
+      </a:lvl3pPr>
+      <a:lvl4pPr marL="1600200" indent="-228600" algn="l" defTabSz="914400" rtl="0" eaLnBrk="1" latinLnBrk="0" hangingPunct="1">
+        <a:lnSpc>
+          <a:spcPct val="90000"/>
+        </a:lnSpc>
+        <a:spcBef>
+          <a:spcPts val="500"/>
+        </a:spcBef>
+        <a:buFont typeface="Arial" panose="020B0604020202020204" pitchFamily="34" charset="0"/>
+        <a:buChar char="•"/>
+        <a:defRPr sz="1800" kern="1200">
+          <a:solidFill>
+            <a:schemeClr val="tx1"/>
+          </a:solidFill>
+          <a:latin typeface="+mn-lt"/>
+          <a:ea typeface="+mn-ea"/>
+          <a:cs typeface="+mn-cs"/>
+        </a:defRPr>
+      </a:lvl4pPr>
+      <a:lvl5pPr marL="2057400" indent="-228600" algn="l" defTabSz="914400" rtl="0" eaLnBrk="1" latinLnBrk="0" hangingPunct="1">
+        <a:lnSpc>
+          <a:spcPct val="90000"/>
+        </a:lnSpc>
+        <a:spcBef>
+          <a:spcPts val="500"/>
+        </a:spcBef>
+        <a:buFont typeface="Arial" panose="020B0604020202020204" pitchFamily="34" charset="0"/>
+        <a:buChar char="•"/>
+        <a:defRPr sz="1800" kern="1200">
+          <a:solidFill>
+            <a:schemeClr val="tx1"/>
+          </a:solidFill>
+          <a:latin typeface="+mn-lt"/>
+          <a:ea typeface="+mn-ea"/>
+          <a:cs typeface="+mn-cs"/>
+        </a:defRPr>
+      </a:lvl5pPr>
+      <a:lvl6pPr marL="2514600" indent="-228600" algn="l" defTabSz="914400" rtl="0" eaLnBrk="1" latinLnBrk="0" hangingPunct="1">
+        <a:lnSpc>
+          <a:spcPct val="90000"/>
+        </a:lnSpc>
+        <a:spcBef>
+          <a:spcPts val="500"/>
+        </a:spcBef>
+        <a:buFont typeface="Arial" panose="020B0604020202020204" pitchFamily="34" charset="0"/>
+        <a:buChar char="•"/>
+        <a:defRPr sz="1800" kern="1200">
+          <a:solidFill>
+            <a:schemeClr val="tx1"/>
+          </a:solidFill>
+          <a:latin typeface="+mn-lt"/>
+          <a:ea typeface="+mn-ea"/>
+          <a:cs typeface="+mn-cs"/>
+        </a:defRPr>
+      </a:lvl6pPr>
+      <a:lvl7pPr marL="2971800" indent="-228600" algn="l" defTabSz="914400" rtl="0" eaLnBrk="1" latinLnBrk="0" hangingPunct="1">
+        <a:lnSpc>
+          <a:spcPct val="90000"/>
+        </a:lnSpc>
+        <a:spcBef>
+          <a:spcPts val="500"/>
+        </a:spcBef>
+        <a:buFont typeface="Arial" panose="020B0604020202020204" pitchFamily="34" charset="0"/>
+        <a:buChar char="•"/>
+        <a:defRPr sz="1800" kern="1200">
+          <a:solidFill>
+            <a:schemeClr val="tx1"/>
+          </a:solidFill>
+          <a:latin typeface="+mn-lt"/>
+          <a:ea typeface="+mn-ea"/>
+          <a:cs typeface="+mn-cs"/>
+        </a:defRPr>
+      </a:lvl7pPr>
+      <a:lvl8pPr marL="3429000" indent="-228600" algn="l" defTabSz="914400" rtl="0" eaLnBrk="1" latinLnBrk="0" hangingPunct="1">
+        <a:lnSpc>
+          <a:spcPct val="90000"/>
+        </a:lnSpc>
+        <a:spcBef>
+          <a:spcPts val="500"/>
+        </a:spcBef>
+        <a:buFont typeface="Arial" panose="020B0604020202020204" pitchFamily="34" charset="0"/>
+        <a:buChar char="•"/>
+        <a:defRPr sz="1800" kern="1200">
+          <a:solidFill>
+            <a:schemeClr val="tx1"/>
+          </a:solidFill>
+          <a:latin typeface="+mn-lt"/>
+          <a:ea typeface="+mn-ea"/>
+          <a:cs typeface="+mn-cs"/>
+        </a:defRPr>
+      </a:lvl8pPr>
+      <a:lvl9pPr marL="3886200" indent="-228600" algn="l" defTabSz="914400" rtl="0" eaLnBrk="1" latinLnBrk="0" hangingPunct="1">
+        <a:lnSpc>
+          <a:spcPct val="90000"/>
+        </a:lnSpc>
+        <a:spcBef>
+          <a:spcPts val="500"/>
+        </a:spcBef>
+        <a:buFont typeface="Arial" panose="020B0604020202020204" pitchFamily="34" charset="0"/>
+        <a:buChar char="•"/>
+        <a:defRPr sz="1800" kern="1200">
+          <a:solidFill>
+            <a:schemeClr val="tx1"/>
+          </a:solidFill>
+          <a:latin typeface="+mn-lt"/>
+          <a:ea typeface="+mn-ea"/>
+          <a:cs typeface="+mn-cs"/>
+        </a:defRPr>
+      </a:lvl9pPr>
+    </p:bodyStyle>
+    <p:otherStyle>
+      <a:defPPr>
+        <a:defRPr lang="cs-CZ"/>
+      </a:defPPr>
+      <a:lvl1pPr marL="0" algn="l" defTabSz="914400" rtl="0" eaLnBrk="1" latinLnBrk="0" hangingPunct="1">
+        <a:defRPr sz="1800" kern="1200">
+          <a:solidFill>
+            <a:schemeClr val="tx1"/>
+          </a:solidFill>
+          <a:latin typeface="+mn-lt"/>
+          <a:ea typeface="+mn-ea"/>
+          <a:cs typeface="+mn-cs"/>
+        </a:defRPr>
+      </a:lvl1pPr>
+      <a:lvl2pPr marL="457200" algn="l" defTabSz="914400" rtl="0" eaLnBrk="1" latinLnBrk="0" hangingPunct="1">
+        <a:defRPr sz="1800" kern="1200">
+          <a:solidFill>
+            <a:schemeClr val="tx1"/>
+          </a:solidFill>
+          <a:latin typeface="+mn-lt"/>
+          <a:ea typeface="+mn-ea"/>
+          <a:cs typeface="+mn-cs"/>
+        </a:defRPr>
+      </a:lvl2pPr>
+      <a:lvl3pPr marL="914400" algn="l" defTabSz="914400" rtl="0" eaLnBrk="1" latinLnBrk="0" hangingPunct="1">
+        <a:defRPr sz="1800" kern="1200">
+          <a:solidFill>
+            <a:schemeClr val="tx1"/>
+          </a:solidFill>
+          <a:latin typeface="+mn-lt"/>
+          <a:ea typeface="+mn-ea"/>
+          <a:cs typeface="+mn-cs"/>
+        </a:defRPr>
+      </a:lvl3pPr>
+      <a:lvl4pPr marL="1371600" algn="l" defTabSz="914400" rtl="0" eaLnBrk="1" latinLnBrk="0" hangingPunct="1">
+        <a:defRPr sz="1800" kern="1200">
+          <a:solidFill>
+            <a:schemeClr val="tx1"/>
+          </a:solidFill>
+          <a:latin typeface="+mn-lt"/>
+          <a:ea typeface="+mn-ea"/>
+          <a:cs typeface="+mn-cs"/>
+        </a:defRPr>
+      </a:lvl4pPr>
+      <a:lvl5pPr marL="1828800" algn="l" defTabSz="914400" rtl="0" eaLnBrk="1" latinLnBrk="0" hangingPunct="1">
+        <a:defRPr sz="1800" kern="1200">
+          <a:solidFill>
+            <a:schemeClr val="tx1"/>
+          </a:solidFill>
+          <a:latin typeface="+mn-lt"/>
+          <a:ea typeface="+mn-ea"/>
+          <a:cs typeface="+mn-cs"/>
+        </a:defRPr>
+      </a:lvl5pPr>
+      <a:lvl6pPr marL="2286000" algn="l" defTabSz="914400" rtl="0" eaLnBrk="1" latinLnBrk="0" hangingPunct="1">
+        <a:defRPr sz="1800" kern="1200">
+          <a:solidFill>
+            <a:schemeClr val="tx1"/>
+          </a:solidFill>
+          <a:latin typeface="+mn-lt"/>
+          <a:ea typeface="+mn-ea"/>
+          <a:cs typeface="+mn-cs"/>
+        </a:defRPr>
+      </a:lvl6pPr>
+      <a:lvl7pPr marL="2743200" algn="l" defTabSz="914400" rtl="0" eaLnBrk="1" latinLnBrk="0" hangingPunct="1">
+        <a:defRPr sz="1800" kern="1200">
+          <a:solidFill>
+            <a:schemeClr val="tx1"/>
+          </a:solidFill>
+          <a:latin typeface="+mn-lt"/>
+          <a:ea typeface="+mn-ea"/>
+          <a:cs typeface="+mn-cs"/>
+        </a:defRPr>
+      </a:lvl7pPr>
+      <a:lvl8pPr marL="3200400" algn="l" defTabSz="914400" rtl="0" eaLnBrk="1" latinLnBrk="0" hangingPunct="1">
+        <a:defRPr sz="1800" kern="1200">
+          <a:solidFill>
+            <a:schemeClr val="tx1"/>
+          </a:solidFill>
+          <a:latin typeface="+mn-lt"/>
+          <a:ea typeface="+mn-ea"/>
+          <a:cs typeface="+mn-cs"/>
+        </a:defRPr>
+      </a:lvl8pPr>
+      <a:lvl9pPr marL="3657600" algn="l" defTabSz="914400" rtl="0" eaLnBrk="1" latinLnBrk="0" hangingPunct="1">
+        <a:defRPr sz="1800" kern="1200">
+          <a:solidFill>
+            <a:schemeClr val="tx1"/>
+          </a:solidFill>
+          <a:latin typeface="+mn-lt"/>
+          <a:ea typeface="+mn-ea"/>
+          <a:cs typeface="+mn-cs"/>
+        </a:defRPr>
+      </a:lvl9pPr>
+    </p:otherStyle>
+  </p:txStyles>
 </p:sldMaster>
 </file>
 
 <file path=ppt/slideMasters/slideMaster2.xml><?xml version="1.0" encoding="utf-8"?>
-<p:sldMaster xmlns:a="http://schemas.openxmlformats.org/drawingml/2006/main" xmlns:p="http://schemas.openxmlformats.org/presentationml/2006/main" xmlns:r="http://schemas.openxmlformats.org/officeDocument/2006/relationships" xmlns:p14="http://schemas.microsoft.com/office/powerpoint/2010/main" xmlns:p15="http://schemas.microsoft.com/office/powerpoint/2012/main" xmlns:mc="http://schemas.openxmlformats.org/markup-compatibility/2006">
+<p:sldMaster xmlns:a="http://schemas.openxmlformats.org/drawingml/2006/main" xmlns:r="http://schemas.openxmlformats.org/officeDocument/2006/relationships" xmlns:p="http://schemas.openxmlformats.org/presentationml/2006/main">
   <p:cSld>
     <p:bg>
       <p:bgPr>
         <a:blipFill rotWithShape="0">
-          <a:blip r:embed="rId2"/>
+          <a:blip r:embed="rId14"/>
           <a:stretch>
             <a:fillRect/>
           </a:stretch>
         </a:blipFill>
+        <a:effectLst/>
       </p:bgPr>
     </p:bg>
     <p:spTree>
@@ -4321,18 +4892,16 @@
           </a:prstGeom>
         </p:spPr>
         <p:txBody>
-          <a:bodyPr lIns="0" rIns="0" tIns="0" bIns="0" anchor="ctr"/>
+          <a:bodyPr lIns="0" tIns="0" rIns="0" bIns="0" anchor="ctr"/>
+          <a:lstStyle/>
           <a:p>
             <a:pPr algn="ctr"/>
             <a:r>
-              <a:rPr b="0" lang="cs-CZ" sz="4400" spc="-1" strike="noStrike">
+              <a:rPr lang="cs-CZ" sz="4400" b="0" strike="noStrike" spc="-1">
                 <a:latin typeface="Arial"/>
               </a:rPr>
               <a:t>Klikněte pro úpravu formátu textu nadpisu</a:t>
             </a:r>
-            <a:endParaRPr b="0" lang="cs-CZ" sz="4400" spc="-1" strike="noStrike">
-              <a:latin typeface="Arial"/>
-            </a:endParaRPr>
           </a:p>
         </p:txBody>
       </p:sp>
@@ -4356,9 +4925,10 @@
           </a:prstGeom>
         </p:spPr>
         <p:txBody>
-          <a:bodyPr lIns="0" rIns="0" tIns="0" bIns="0">
+          <a:bodyPr lIns="0" tIns="0" rIns="0" bIns="0">
             <a:normAutofit/>
           </a:bodyPr>
+          <a:lstStyle/>
           <a:p>
             <a:pPr marL="432000" indent="-324000">
               <a:spcBef>
@@ -4372,17 +4942,14 @@
               <a:buChar char=""/>
             </a:pPr>
             <a:r>
-              <a:rPr b="0" lang="cs-CZ" sz="3200" spc="-1" strike="noStrike">
+              <a:rPr lang="cs-CZ" sz="3200" b="0" strike="noStrike" spc="-1">
                 <a:latin typeface="Arial"/>
               </a:rPr>
               <a:t>Klikněte pro úpravu formátu textu osnovy</a:t>
             </a:r>
-            <a:endParaRPr b="0" lang="cs-CZ" sz="3200" spc="-1" strike="noStrike">
-              <a:latin typeface="Arial"/>
-            </a:endParaRPr>
-          </a:p>
-          <a:p>
-            <a:pPr lvl="1" marL="864000" indent="-324000">
+          </a:p>
+          <a:p>
+            <a:pPr marL="864000" lvl="1" indent="-324000">
               <a:spcBef>
                 <a:spcPts val="1134"/>
               </a:spcBef>
@@ -4394,17 +4961,14 @@
               <a:buChar char=""/>
             </a:pPr>
             <a:r>
-              <a:rPr b="0" lang="cs-CZ" sz="2800" spc="-1" strike="noStrike">
+              <a:rPr lang="cs-CZ" sz="2800" b="0" strike="noStrike" spc="-1">
                 <a:latin typeface="Arial"/>
               </a:rPr>
               <a:t>Druhá úroveň</a:t>
             </a:r>
-            <a:endParaRPr b="0" lang="cs-CZ" sz="2800" spc="-1" strike="noStrike">
-              <a:latin typeface="Arial"/>
-            </a:endParaRPr>
-          </a:p>
-          <a:p>
-            <a:pPr lvl="2" marL="1296000" indent="-288000">
+          </a:p>
+          <a:p>
+            <a:pPr marL="1296000" lvl="2" indent="-288000">
               <a:spcBef>
                 <a:spcPts val="850"/>
               </a:spcBef>
@@ -4416,17 +4980,14 @@
               <a:buChar char=""/>
             </a:pPr>
             <a:r>
-              <a:rPr b="0" lang="cs-CZ" sz="2400" spc="-1" strike="noStrike">
+              <a:rPr lang="cs-CZ" sz="2400" b="0" strike="noStrike" spc="-1">
                 <a:latin typeface="Arial"/>
               </a:rPr>
               <a:t>Třetí úroveň</a:t>
             </a:r>
-            <a:endParaRPr b="0" lang="cs-CZ" sz="2400" spc="-1" strike="noStrike">
-              <a:latin typeface="Arial"/>
-            </a:endParaRPr>
-          </a:p>
-          <a:p>
-            <a:pPr lvl="3" marL="1728000" indent="-216000">
+          </a:p>
+          <a:p>
+            <a:pPr marL="1728000" lvl="3" indent="-216000">
               <a:spcBef>
                 <a:spcPts val="567"/>
               </a:spcBef>
@@ -4438,17 +4999,14 @@
               <a:buChar char=""/>
             </a:pPr>
             <a:r>
-              <a:rPr b="0" lang="cs-CZ" sz="2000" spc="-1" strike="noStrike">
+              <a:rPr lang="cs-CZ" sz="2000" b="0" strike="noStrike" spc="-1">
                 <a:latin typeface="Arial"/>
               </a:rPr>
               <a:t>Čtvrtá úroveň osnovy</a:t>
             </a:r>
-            <a:endParaRPr b="0" lang="cs-CZ" sz="2000" spc="-1" strike="noStrike">
-              <a:latin typeface="Arial"/>
-            </a:endParaRPr>
-          </a:p>
-          <a:p>
-            <a:pPr lvl="4" marL="2160000" indent="-216000">
+          </a:p>
+          <a:p>
+            <a:pPr marL="2160000" lvl="4" indent="-216000">
               <a:spcBef>
                 <a:spcPts val="283"/>
               </a:spcBef>
@@ -4460,17 +5018,14 @@
               <a:buChar char=""/>
             </a:pPr>
             <a:r>
-              <a:rPr b="0" lang="cs-CZ" sz="2000" spc="-1" strike="noStrike">
+              <a:rPr lang="cs-CZ" sz="2000" b="0" strike="noStrike" spc="-1">
                 <a:latin typeface="Arial"/>
               </a:rPr>
               <a:t>Pátá úroveň osnovy</a:t>
             </a:r>
-            <a:endParaRPr b="0" lang="cs-CZ" sz="2000" spc="-1" strike="noStrike">
-              <a:latin typeface="Arial"/>
-            </a:endParaRPr>
-          </a:p>
-          <a:p>
-            <a:pPr lvl="5" marL="2592000" indent="-216000">
+          </a:p>
+          <a:p>
+            <a:pPr marL="2592000" lvl="5" indent="-216000">
               <a:spcBef>
                 <a:spcPts val="283"/>
               </a:spcBef>
@@ -4482,17 +5037,14 @@
               <a:buChar char=""/>
             </a:pPr>
             <a:r>
-              <a:rPr b="0" lang="cs-CZ" sz="2000" spc="-1" strike="noStrike">
+              <a:rPr lang="cs-CZ" sz="2000" b="0" strike="noStrike" spc="-1">
                 <a:latin typeface="Arial"/>
               </a:rPr>
               <a:t>Šestá úroveň</a:t>
             </a:r>
-            <a:endParaRPr b="0" lang="cs-CZ" sz="2000" spc="-1" strike="noStrike">
-              <a:latin typeface="Arial"/>
-            </a:endParaRPr>
-          </a:p>
-          <a:p>
-            <a:pPr lvl="6" marL="3024000" indent="-216000">
+          </a:p>
+          <a:p>
+            <a:pPr marL="3024000" lvl="6" indent="-216000">
               <a:spcBef>
                 <a:spcPts val="283"/>
               </a:spcBef>
@@ -4504,48 +5056,326 @@
               <a:buChar char=""/>
             </a:pPr>
             <a:r>
-              <a:rPr b="0" lang="cs-CZ" sz="2000" spc="-1" strike="noStrike">
+              <a:rPr lang="cs-CZ" sz="2000" b="0" strike="noStrike" spc="-1">
                 <a:latin typeface="Arial"/>
               </a:rPr>
               <a:t>Sedmá úroveň</a:t>
             </a:r>
-            <a:endParaRPr b="0" lang="cs-CZ" sz="2000" spc="-1" strike="noStrike">
-              <a:latin typeface="Arial"/>
-            </a:endParaRPr>
           </a:p>
         </p:txBody>
       </p:sp>
     </p:spTree>
   </p:cSld>
-  <p:clrMap bg1="lt1" bg2="lt2" tx1="dk1" tx2="dk2" accent1="accent1" accent2="accent2" accent3="accent3" accent4="accent4" accent5="accent5" accent6="accent6" hlink="hlink" folHlink="folHlink"/>
+  <p:clrMap bg1="lt1" tx1="dk1" bg2="lt2" tx2="dk2" accent1="accent1" accent2="accent2" accent3="accent3" accent4="accent4" accent5="accent5" accent6="accent6" hlink="hlink" folHlink="folHlink"/>
   <p:sldLayoutIdLst>
-    <p:sldLayoutId id="2147483662" r:id="rId3"/>
-    <p:sldLayoutId id="2147483663" r:id="rId4"/>
-    <p:sldLayoutId id="2147483664" r:id="rId5"/>
-    <p:sldLayoutId id="2147483665" r:id="rId6"/>
-    <p:sldLayoutId id="2147483666" r:id="rId7"/>
-    <p:sldLayoutId id="2147483667" r:id="rId8"/>
-    <p:sldLayoutId id="2147483668" r:id="rId9"/>
-    <p:sldLayoutId id="2147483669" r:id="rId10"/>
-    <p:sldLayoutId id="2147483670" r:id="rId11"/>
-    <p:sldLayoutId id="2147483671" r:id="rId12"/>
-    <p:sldLayoutId id="2147483672" r:id="rId13"/>
-    <p:sldLayoutId id="2147483673" r:id="rId14"/>
+    <p:sldLayoutId id="2147483662" r:id="rId1"/>
+    <p:sldLayoutId id="2147483663" r:id="rId2"/>
+    <p:sldLayoutId id="2147483664" r:id="rId3"/>
+    <p:sldLayoutId id="2147483665" r:id="rId4"/>
+    <p:sldLayoutId id="2147483666" r:id="rId5"/>
+    <p:sldLayoutId id="2147483667" r:id="rId6"/>
+    <p:sldLayoutId id="2147483668" r:id="rId7"/>
+    <p:sldLayoutId id="2147483669" r:id="rId8"/>
+    <p:sldLayoutId id="2147483670" r:id="rId9"/>
+    <p:sldLayoutId id="2147483671" r:id="rId10"/>
+    <p:sldLayoutId id="2147483672" r:id="rId11"/>
+    <p:sldLayoutId id="2147483673" r:id="rId12"/>
   </p:sldLayoutIdLst>
+  <p:txStyles>
+    <p:titleStyle>
+      <a:lvl1pPr algn="l" defTabSz="914400" rtl="0" eaLnBrk="1" latinLnBrk="0" hangingPunct="1">
+        <a:lnSpc>
+          <a:spcPct val="90000"/>
+        </a:lnSpc>
+        <a:spcBef>
+          <a:spcPct val="0"/>
+        </a:spcBef>
+        <a:buNone/>
+        <a:defRPr sz="4400" kern="1200">
+          <a:solidFill>
+            <a:schemeClr val="tx1"/>
+          </a:solidFill>
+          <a:latin typeface="+mj-lt"/>
+          <a:ea typeface="+mj-ea"/>
+          <a:cs typeface="+mj-cs"/>
+        </a:defRPr>
+      </a:lvl1pPr>
+    </p:titleStyle>
+    <p:bodyStyle>
+      <a:lvl1pPr marL="228600" indent="-228600" algn="l" defTabSz="914400" rtl="0" eaLnBrk="1" latinLnBrk="0" hangingPunct="1">
+        <a:lnSpc>
+          <a:spcPct val="90000"/>
+        </a:lnSpc>
+        <a:spcBef>
+          <a:spcPts val="1000"/>
+        </a:spcBef>
+        <a:buFont typeface="Arial" panose="020B0604020202020204" pitchFamily="34" charset="0"/>
+        <a:buChar char="•"/>
+        <a:defRPr sz="2800" kern="1200">
+          <a:solidFill>
+            <a:schemeClr val="tx1"/>
+          </a:solidFill>
+          <a:latin typeface="+mn-lt"/>
+          <a:ea typeface="+mn-ea"/>
+          <a:cs typeface="+mn-cs"/>
+        </a:defRPr>
+      </a:lvl1pPr>
+      <a:lvl2pPr marL="685800" indent="-228600" algn="l" defTabSz="914400" rtl="0" eaLnBrk="1" latinLnBrk="0" hangingPunct="1">
+        <a:lnSpc>
+          <a:spcPct val="90000"/>
+        </a:lnSpc>
+        <a:spcBef>
+          <a:spcPts val="500"/>
+        </a:spcBef>
+        <a:buFont typeface="Arial" panose="020B0604020202020204" pitchFamily="34" charset="0"/>
+        <a:buChar char="•"/>
+        <a:defRPr sz="2400" kern="1200">
+          <a:solidFill>
+            <a:schemeClr val="tx1"/>
+          </a:solidFill>
+          <a:latin typeface="+mn-lt"/>
+          <a:ea typeface="+mn-ea"/>
+          <a:cs typeface="+mn-cs"/>
+        </a:defRPr>
+      </a:lvl2pPr>
+      <a:lvl3pPr marL="1143000" indent="-228600" algn="l" defTabSz="914400" rtl="0" eaLnBrk="1" latinLnBrk="0" hangingPunct="1">
+        <a:lnSpc>
+          <a:spcPct val="90000"/>
+        </a:lnSpc>
+        <a:spcBef>
+          <a:spcPts val="500"/>
+        </a:spcBef>
+        <a:buFont typeface="Arial" panose="020B0604020202020204" pitchFamily="34" charset="0"/>
+        <a:buChar char="•"/>
+        <a:defRPr sz="2000" kern="1200">
+          <a:solidFill>
+            <a:schemeClr val="tx1"/>
+          </a:solidFill>
+          <a:latin typeface="+mn-lt"/>
+          <a:ea typeface="+mn-ea"/>
+          <a:cs typeface="+mn-cs"/>
+        </a:defRPr>
+      </a:lvl3pPr>
+      <a:lvl4pPr marL="1600200" indent="-228600" algn="l" defTabSz="914400" rtl="0" eaLnBrk="1" latinLnBrk="0" hangingPunct="1">
+        <a:lnSpc>
+          <a:spcPct val="90000"/>
+        </a:lnSpc>
+        <a:spcBef>
+          <a:spcPts val="500"/>
+        </a:spcBef>
+        <a:buFont typeface="Arial" panose="020B0604020202020204" pitchFamily="34" charset="0"/>
+        <a:buChar char="•"/>
+        <a:defRPr sz="1800" kern="1200">
+          <a:solidFill>
+            <a:schemeClr val="tx1"/>
+          </a:solidFill>
+          <a:latin typeface="+mn-lt"/>
+          <a:ea typeface="+mn-ea"/>
+          <a:cs typeface="+mn-cs"/>
+        </a:defRPr>
+      </a:lvl4pPr>
+      <a:lvl5pPr marL="2057400" indent="-228600" algn="l" defTabSz="914400" rtl="0" eaLnBrk="1" latinLnBrk="0" hangingPunct="1">
+        <a:lnSpc>
+          <a:spcPct val="90000"/>
+        </a:lnSpc>
+        <a:spcBef>
+          <a:spcPts val="500"/>
+        </a:spcBef>
+        <a:buFont typeface="Arial" panose="020B0604020202020204" pitchFamily="34" charset="0"/>
+        <a:buChar char="•"/>
+        <a:defRPr sz="1800" kern="1200">
+          <a:solidFill>
+            <a:schemeClr val="tx1"/>
+          </a:solidFill>
+          <a:latin typeface="+mn-lt"/>
+          <a:ea typeface="+mn-ea"/>
+          <a:cs typeface="+mn-cs"/>
+        </a:defRPr>
+      </a:lvl5pPr>
+      <a:lvl6pPr marL="2514600" indent="-228600" algn="l" defTabSz="914400" rtl="0" eaLnBrk="1" latinLnBrk="0" hangingPunct="1">
+        <a:lnSpc>
+          <a:spcPct val="90000"/>
+        </a:lnSpc>
+        <a:spcBef>
+          <a:spcPts val="500"/>
+        </a:spcBef>
+        <a:buFont typeface="Arial" panose="020B0604020202020204" pitchFamily="34" charset="0"/>
+        <a:buChar char="•"/>
+        <a:defRPr sz="1800" kern="1200">
+          <a:solidFill>
+            <a:schemeClr val="tx1"/>
+          </a:solidFill>
+          <a:latin typeface="+mn-lt"/>
+          <a:ea typeface="+mn-ea"/>
+          <a:cs typeface="+mn-cs"/>
+        </a:defRPr>
+      </a:lvl6pPr>
+      <a:lvl7pPr marL="2971800" indent="-228600" algn="l" defTabSz="914400" rtl="0" eaLnBrk="1" latinLnBrk="0" hangingPunct="1">
+        <a:lnSpc>
+          <a:spcPct val="90000"/>
+        </a:lnSpc>
+        <a:spcBef>
+          <a:spcPts val="500"/>
+        </a:spcBef>
+        <a:buFont typeface="Arial" panose="020B0604020202020204" pitchFamily="34" charset="0"/>
+        <a:buChar char="•"/>
+        <a:defRPr sz="1800" kern="1200">
+          <a:solidFill>
+            <a:schemeClr val="tx1"/>
+          </a:solidFill>
+          <a:latin typeface="+mn-lt"/>
+          <a:ea typeface="+mn-ea"/>
+          <a:cs typeface="+mn-cs"/>
+        </a:defRPr>
+      </a:lvl7pPr>
+      <a:lvl8pPr marL="3429000" indent="-228600" algn="l" defTabSz="914400" rtl="0" eaLnBrk="1" latinLnBrk="0" hangingPunct="1">
+        <a:lnSpc>
+          <a:spcPct val="90000"/>
+        </a:lnSpc>
+        <a:spcBef>
+          <a:spcPts val="500"/>
+        </a:spcBef>
+        <a:buFont typeface="Arial" panose="020B0604020202020204" pitchFamily="34" charset="0"/>
+        <a:buChar char="•"/>
+        <a:defRPr sz="1800" kern="1200">
+          <a:solidFill>
+            <a:schemeClr val="tx1"/>
+          </a:solidFill>
+          <a:latin typeface="+mn-lt"/>
+          <a:ea typeface="+mn-ea"/>
+          <a:cs typeface="+mn-cs"/>
+        </a:defRPr>
+      </a:lvl8pPr>
+      <a:lvl9pPr marL="3886200" indent="-228600" algn="l" defTabSz="914400" rtl="0" eaLnBrk="1" latinLnBrk="0" hangingPunct="1">
+        <a:lnSpc>
+          <a:spcPct val="90000"/>
+        </a:lnSpc>
+        <a:spcBef>
+          <a:spcPts val="500"/>
+        </a:spcBef>
+        <a:buFont typeface="Arial" panose="020B0604020202020204" pitchFamily="34" charset="0"/>
+        <a:buChar char="•"/>
+        <a:defRPr sz="1800" kern="1200">
+          <a:solidFill>
+            <a:schemeClr val="tx1"/>
+          </a:solidFill>
+          <a:latin typeface="+mn-lt"/>
+          <a:ea typeface="+mn-ea"/>
+          <a:cs typeface="+mn-cs"/>
+        </a:defRPr>
+      </a:lvl9pPr>
+    </p:bodyStyle>
+    <p:otherStyle>
+      <a:defPPr>
+        <a:defRPr lang="cs-CZ"/>
+      </a:defPPr>
+      <a:lvl1pPr marL="0" algn="l" defTabSz="914400" rtl="0" eaLnBrk="1" latinLnBrk="0" hangingPunct="1">
+        <a:defRPr sz="1800" kern="1200">
+          <a:solidFill>
+            <a:schemeClr val="tx1"/>
+          </a:solidFill>
+          <a:latin typeface="+mn-lt"/>
+          <a:ea typeface="+mn-ea"/>
+          <a:cs typeface="+mn-cs"/>
+        </a:defRPr>
+      </a:lvl1pPr>
+      <a:lvl2pPr marL="457200" algn="l" defTabSz="914400" rtl="0" eaLnBrk="1" latinLnBrk="0" hangingPunct="1">
+        <a:defRPr sz="1800" kern="1200">
+          <a:solidFill>
+            <a:schemeClr val="tx1"/>
+          </a:solidFill>
+          <a:latin typeface="+mn-lt"/>
+          <a:ea typeface="+mn-ea"/>
+          <a:cs typeface="+mn-cs"/>
+        </a:defRPr>
+      </a:lvl2pPr>
+      <a:lvl3pPr marL="914400" algn="l" defTabSz="914400" rtl="0" eaLnBrk="1" latinLnBrk="0" hangingPunct="1">
+        <a:defRPr sz="1800" kern="1200">
+          <a:solidFill>
+            <a:schemeClr val="tx1"/>
+          </a:solidFill>
+          <a:latin typeface="+mn-lt"/>
+          <a:ea typeface="+mn-ea"/>
+          <a:cs typeface="+mn-cs"/>
+        </a:defRPr>
+      </a:lvl3pPr>
+      <a:lvl4pPr marL="1371600" algn="l" defTabSz="914400" rtl="0" eaLnBrk="1" latinLnBrk="0" hangingPunct="1">
+        <a:defRPr sz="1800" kern="1200">
+          <a:solidFill>
+            <a:schemeClr val="tx1"/>
+          </a:solidFill>
+          <a:latin typeface="+mn-lt"/>
+          <a:ea typeface="+mn-ea"/>
+          <a:cs typeface="+mn-cs"/>
+        </a:defRPr>
+      </a:lvl4pPr>
+      <a:lvl5pPr marL="1828800" algn="l" defTabSz="914400" rtl="0" eaLnBrk="1" latinLnBrk="0" hangingPunct="1">
+        <a:defRPr sz="1800" kern="1200">
+          <a:solidFill>
+            <a:schemeClr val="tx1"/>
+          </a:solidFill>
+          <a:latin typeface="+mn-lt"/>
+          <a:ea typeface="+mn-ea"/>
+          <a:cs typeface="+mn-cs"/>
+        </a:defRPr>
+      </a:lvl5pPr>
+      <a:lvl6pPr marL="2286000" algn="l" defTabSz="914400" rtl="0" eaLnBrk="1" latinLnBrk="0" hangingPunct="1">
+        <a:defRPr sz="1800" kern="1200">
+          <a:solidFill>
+            <a:schemeClr val="tx1"/>
+          </a:solidFill>
+          <a:latin typeface="+mn-lt"/>
+          <a:ea typeface="+mn-ea"/>
+          <a:cs typeface="+mn-cs"/>
+        </a:defRPr>
+      </a:lvl6pPr>
+      <a:lvl7pPr marL="2743200" algn="l" defTabSz="914400" rtl="0" eaLnBrk="1" latinLnBrk="0" hangingPunct="1">
+        <a:defRPr sz="1800" kern="1200">
+          <a:solidFill>
+            <a:schemeClr val="tx1"/>
+          </a:solidFill>
+          <a:latin typeface="+mn-lt"/>
+          <a:ea typeface="+mn-ea"/>
+          <a:cs typeface="+mn-cs"/>
+        </a:defRPr>
+      </a:lvl7pPr>
+      <a:lvl8pPr marL="3200400" algn="l" defTabSz="914400" rtl="0" eaLnBrk="1" latinLnBrk="0" hangingPunct="1">
+        <a:defRPr sz="1800" kern="1200">
+          <a:solidFill>
+            <a:schemeClr val="tx1"/>
+          </a:solidFill>
+          <a:latin typeface="+mn-lt"/>
+          <a:ea typeface="+mn-ea"/>
+          <a:cs typeface="+mn-cs"/>
+        </a:defRPr>
+      </a:lvl8pPr>
+      <a:lvl9pPr marL="3657600" algn="l" defTabSz="914400" rtl="0" eaLnBrk="1" latinLnBrk="0" hangingPunct="1">
+        <a:defRPr sz="1800" kern="1200">
+          <a:solidFill>
+            <a:schemeClr val="tx1"/>
+          </a:solidFill>
+          <a:latin typeface="+mn-lt"/>
+          <a:ea typeface="+mn-ea"/>
+          <a:cs typeface="+mn-cs"/>
+        </a:defRPr>
+      </a:lvl9pPr>
+    </p:otherStyle>
+  </p:txStyles>
 </p:sldMaster>
 </file>
 
 <file path=ppt/slideMasters/slideMaster3.xml><?xml version="1.0" encoding="utf-8"?>
-<p:sldMaster xmlns:a="http://schemas.openxmlformats.org/drawingml/2006/main" xmlns:p="http://schemas.openxmlformats.org/presentationml/2006/main" xmlns:r="http://schemas.openxmlformats.org/officeDocument/2006/relationships" xmlns:p14="http://schemas.microsoft.com/office/powerpoint/2010/main" xmlns:p15="http://schemas.microsoft.com/office/powerpoint/2012/main" xmlns:mc="http://schemas.openxmlformats.org/markup-compatibility/2006">
+<p:sldMaster xmlns:a="http://schemas.openxmlformats.org/drawingml/2006/main" xmlns:r="http://schemas.openxmlformats.org/officeDocument/2006/relationships" xmlns:p="http://schemas.openxmlformats.org/presentationml/2006/main">
   <p:cSld>
     <p:bg>
       <p:bgPr>
         <a:blipFill rotWithShape="0">
-          <a:blip r:embed="rId2"/>
+          <a:blip r:embed="rId14"/>
           <a:stretch>
             <a:fillRect/>
           </a:stretch>
         </a:blipFill>
+        <a:effectLst/>
       </p:bgPr>
     </p:bg>
     <p:spTree>
@@ -4582,17 +5412,15 @@
           </a:prstGeom>
         </p:spPr>
         <p:txBody>
-          <a:bodyPr lIns="0" rIns="0" tIns="0" bIns="0" anchor="ctr"/>
-          <a:p>
-            <a:r>
-              <a:rPr b="0" lang="cs-CZ" sz="1800" spc="-1" strike="noStrike">
+          <a:bodyPr lIns="0" tIns="0" rIns="0" bIns="0" anchor="ctr"/>
+          <a:lstStyle/>
+          <a:p>
+            <a:r>
+              <a:rPr lang="cs-CZ" sz="1800" b="0" strike="noStrike" spc="-1">
                 <a:latin typeface="Arial"/>
               </a:rPr>
               <a:t>Klikněte pro úpravu formátu textu nadpisu</a:t>
             </a:r>
-            <a:endParaRPr b="0" lang="cs-CZ" sz="1800" spc="-1" strike="noStrike">
-              <a:latin typeface="Arial"/>
-            </a:endParaRPr>
           </a:p>
         </p:txBody>
       </p:sp>
@@ -4616,9 +5444,10 @@
           </a:prstGeom>
         </p:spPr>
         <p:txBody>
-          <a:bodyPr lIns="0" rIns="0" tIns="0" bIns="0">
+          <a:bodyPr lIns="0" tIns="0" rIns="0" bIns="0">
             <a:normAutofit/>
           </a:bodyPr>
+          <a:lstStyle/>
           <a:p>
             <a:pPr marL="432000" indent="-324000">
               <a:spcBef>
@@ -4632,17 +5461,14 @@
               <a:buChar char=""/>
             </a:pPr>
             <a:r>
-              <a:rPr b="0" lang="cs-CZ" sz="3200" spc="-1" strike="noStrike">
+              <a:rPr lang="cs-CZ" sz="3200" b="0" strike="noStrike" spc="-1">
                 <a:latin typeface="Arial"/>
               </a:rPr>
               <a:t>Klikněte pro úpravu formátu textu osnovy</a:t>
             </a:r>
-            <a:endParaRPr b="0" lang="cs-CZ" sz="3200" spc="-1" strike="noStrike">
-              <a:latin typeface="Arial"/>
-            </a:endParaRPr>
-          </a:p>
-          <a:p>
-            <a:pPr lvl="1" marL="864000" indent="-324000">
+          </a:p>
+          <a:p>
+            <a:pPr marL="864000" lvl="1" indent="-324000">
               <a:spcBef>
                 <a:spcPts val="1134"/>
               </a:spcBef>
@@ -4654,17 +5480,14 @@
               <a:buChar char=""/>
             </a:pPr>
             <a:r>
-              <a:rPr b="0" lang="cs-CZ" sz="2800" spc="-1" strike="noStrike">
+              <a:rPr lang="cs-CZ" sz="2800" b="0" strike="noStrike" spc="-1">
                 <a:latin typeface="Arial"/>
               </a:rPr>
               <a:t>Druhá úroveň</a:t>
             </a:r>
-            <a:endParaRPr b="0" lang="cs-CZ" sz="2800" spc="-1" strike="noStrike">
-              <a:latin typeface="Arial"/>
-            </a:endParaRPr>
-          </a:p>
-          <a:p>
-            <a:pPr lvl="2" marL="1296000" indent="-288000">
+          </a:p>
+          <a:p>
+            <a:pPr marL="1296000" lvl="2" indent="-288000">
               <a:spcBef>
                 <a:spcPts val="850"/>
               </a:spcBef>
@@ -4676,17 +5499,14 @@
               <a:buChar char=""/>
             </a:pPr>
             <a:r>
-              <a:rPr b="0" lang="cs-CZ" sz="2400" spc="-1" strike="noStrike">
+              <a:rPr lang="cs-CZ" sz="2400" b="0" strike="noStrike" spc="-1">
                 <a:latin typeface="Arial"/>
               </a:rPr>
               <a:t>Třetí úroveň</a:t>
             </a:r>
-            <a:endParaRPr b="0" lang="cs-CZ" sz="2400" spc="-1" strike="noStrike">
-              <a:latin typeface="Arial"/>
-            </a:endParaRPr>
-          </a:p>
-          <a:p>
-            <a:pPr lvl="3" marL="1728000" indent="-216000">
+          </a:p>
+          <a:p>
+            <a:pPr marL="1728000" lvl="3" indent="-216000">
               <a:spcBef>
                 <a:spcPts val="567"/>
               </a:spcBef>
@@ -4698,17 +5518,14 @@
               <a:buChar char=""/>
             </a:pPr>
             <a:r>
-              <a:rPr b="0" lang="cs-CZ" sz="2000" spc="-1" strike="noStrike">
+              <a:rPr lang="cs-CZ" sz="2000" b="0" strike="noStrike" spc="-1">
                 <a:latin typeface="Arial"/>
               </a:rPr>
               <a:t>Čtvrtá úroveň osnovy</a:t>
             </a:r>
-            <a:endParaRPr b="0" lang="cs-CZ" sz="2000" spc="-1" strike="noStrike">
-              <a:latin typeface="Arial"/>
-            </a:endParaRPr>
-          </a:p>
-          <a:p>
-            <a:pPr lvl="4" marL="2160000" indent="-216000">
+          </a:p>
+          <a:p>
+            <a:pPr marL="2160000" lvl="4" indent="-216000">
               <a:spcBef>
                 <a:spcPts val="283"/>
               </a:spcBef>
@@ -4720,17 +5537,14 @@
               <a:buChar char=""/>
             </a:pPr>
             <a:r>
-              <a:rPr b="0" lang="cs-CZ" sz="2000" spc="-1" strike="noStrike">
+              <a:rPr lang="cs-CZ" sz="2000" b="0" strike="noStrike" spc="-1">
                 <a:latin typeface="Arial"/>
               </a:rPr>
               <a:t>Pátá úroveň osnovy</a:t>
             </a:r>
-            <a:endParaRPr b="0" lang="cs-CZ" sz="2000" spc="-1" strike="noStrike">
-              <a:latin typeface="Arial"/>
-            </a:endParaRPr>
-          </a:p>
-          <a:p>
-            <a:pPr lvl="5" marL="2592000" indent="-216000">
+          </a:p>
+          <a:p>
+            <a:pPr marL="2592000" lvl="5" indent="-216000">
               <a:spcBef>
                 <a:spcPts val="283"/>
               </a:spcBef>
@@ -4742,17 +5556,14 @@
               <a:buChar char=""/>
             </a:pPr>
             <a:r>
-              <a:rPr b="0" lang="cs-CZ" sz="2000" spc="-1" strike="noStrike">
+              <a:rPr lang="cs-CZ" sz="2000" b="0" strike="noStrike" spc="-1">
                 <a:latin typeface="Arial"/>
               </a:rPr>
               <a:t>Šestá úroveň</a:t>
             </a:r>
-            <a:endParaRPr b="0" lang="cs-CZ" sz="2000" spc="-1" strike="noStrike">
-              <a:latin typeface="Arial"/>
-            </a:endParaRPr>
-          </a:p>
-          <a:p>
-            <a:pPr lvl="6" marL="3024000" indent="-216000">
+          </a:p>
+          <a:p>
+            <a:pPr marL="3024000" lvl="6" indent="-216000">
               <a:spcBef>
                 <a:spcPts val="283"/>
               </a:spcBef>
@@ -4764,39 +5575,316 @@
               <a:buChar char=""/>
             </a:pPr>
             <a:r>
-              <a:rPr b="0" lang="cs-CZ" sz="2000" spc="-1" strike="noStrike">
+              <a:rPr lang="cs-CZ" sz="2000" b="0" strike="noStrike" spc="-1">
                 <a:latin typeface="Arial"/>
               </a:rPr>
               <a:t>Sedmá úroveň</a:t>
             </a:r>
-            <a:endParaRPr b="0" lang="cs-CZ" sz="2000" spc="-1" strike="noStrike">
-              <a:latin typeface="Arial"/>
-            </a:endParaRPr>
           </a:p>
         </p:txBody>
       </p:sp>
     </p:spTree>
   </p:cSld>
-  <p:clrMap bg1="lt1" bg2="lt2" tx1="dk1" tx2="dk2" accent1="accent1" accent2="accent2" accent3="accent3" accent4="accent4" accent5="accent5" accent6="accent6" hlink="hlink" folHlink="folHlink"/>
+  <p:clrMap bg1="lt1" tx1="dk1" bg2="lt2" tx2="dk2" accent1="accent1" accent2="accent2" accent3="accent3" accent4="accent4" accent5="accent5" accent6="accent6" hlink="hlink" folHlink="folHlink"/>
   <p:sldLayoutIdLst>
-    <p:sldLayoutId id="2147483675" r:id="rId3"/>
-    <p:sldLayoutId id="2147483676" r:id="rId4"/>
-    <p:sldLayoutId id="2147483677" r:id="rId5"/>
-    <p:sldLayoutId id="2147483678" r:id="rId6"/>
-    <p:sldLayoutId id="2147483679" r:id="rId7"/>
-    <p:sldLayoutId id="2147483680" r:id="rId8"/>
-    <p:sldLayoutId id="2147483681" r:id="rId9"/>
-    <p:sldLayoutId id="2147483682" r:id="rId10"/>
-    <p:sldLayoutId id="2147483683" r:id="rId11"/>
-    <p:sldLayoutId id="2147483684" r:id="rId12"/>
-    <p:sldLayoutId id="2147483685" r:id="rId13"/>
-    <p:sldLayoutId id="2147483686" r:id="rId14"/>
+    <p:sldLayoutId id="2147483675" r:id="rId1"/>
+    <p:sldLayoutId id="2147483676" r:id="rId2"/>
+    <p:sldLayoutId id="2147483677" r:id="rId3"/>
+    <p:sldLayoutId id="2147483678" r:id="rId4"/>
+    <p:sldLayoutId id="2147483679" r:id="rId5"/>
+    <p:sldLayoutId id="2147483680" r:id="rId6"/>
+    <p:sldLayoutId id="2147483681" r:id="rId7"/>
+    <p:sldLayoutId id="2147483682" r:id="rId8"/>
+    <p:sldLayoutId id="2147483683" r:id="rId9"/>
+    <p:sldLayoutId id="2147483684" r:id="rId10"/>
+    <p:sldLayoutId id="2147483685" r:id="rId11"/>
+    <p:sldLayoutId id="2147483686" r:id="rId12"/>
   </p:sldLayoutIdLst>
+  <p:txStyles>
+    <p:titleStyle>
+      <a:lvl1pPr algn="l" defTabSz="914400" rtl="0" eaLnBrk="1" latinLnBrk="0" hangingPunct="1">
+        <a:lnSpc>
+          <a:spcPct val="90000"/>
+        </a:lnSpc>
+        <a:spcBef>
+          <a:spcPct val="0"/>
+        </a:spcBef>
+        <a:buNone/>
+        <a:defRPr sz="4400" kern="1200">
+          <a:solidFill>
+            <a:schemeClr val="tx1"/>
+          </a:solidFill>
+          <a:latin typeface="+mj-lt"/>
+          <a:ea typeface="+mj-ea"/>
+          <a:cs typeface="+mj-cs"/>
+        </a:defRPr>
+      </a:lvl1pPr>
+    </p:titleStyle>
+    <p:bodyStyle>
+      <a:lvl1pPr marL="228600" indent="-228600" algn="l" defTabSz="914400" rtl="0" eaLnBrk="1" latinLnBrk="0" hangingPunct="1">
+        <a:lnSpc>
+          <a:spcPct val="90000"/>
+        </a:lnSpc>
+        <a:spcBef>
+          <a:spcPts val="1000"/>
+        </a:spcBef>
+        <a:buFont typeface="Arial" panose="020B0604020202020204" pitchFamily="34" charset="0"/>
+        <a:buChar char="•"/>
+        <a:defRPr sz="2800" kern="1200">
+          <a:solidFill>
+            <a:schemeClr val="tx1"/>
+          </a:solidFill>
+          <a:latin typeface="+mn-lt"/>
+          <a:ea typeface="+mn-ea"/>
+          <a:cs typeface="+mn-cs"/>
+        </a:defRPr>
+      </a:lvl1pPr>
+      <a:lvl2pPr marL="685800" indent="-228600" algn="l" defTabSz="914400" rtl="0" eaLnBrk="1" latinLnBrk="0" hangingPunct="1">
+        <a:lnSpc>
+          <a:spcPct val="90000"/>
+        </a:lnSpc>
+        <a:spcBef>
+          <a:spcPts val="500"/>
+        </a:spcBef>
+        <a:buFont typeface="Arial" panose="020B0604020202020204" pitchFamily="34" charset="0"/>
+        <a:buChar char="•"/>
+        <a:defRPr sz="2400" kern="1200">
+          <a:solidFill>
+            <a:schemeClr val="tx1"/>
+          </a:solidFill>
+          <a:latin typeface="+mn-lt"/>
+          <a:ea typeface="+mn-ea"/>
+          <a:cs typeface="+mn-cs"/>
+        </a:defRPr>
+      </a:lvl2pPr>
+      <a:lvl3pPr marL="1143000" indent="-228600" algn="l" defTabSz="914400" rtl="0" eaLnBrk="1" latinLnBrk="0" hangingPunct="1">
+        <a:lnSpc>
+          <a:spcPct val="90000"/>
+        </a:lnSpc>
+        <a:spcBef>
+          <a:spcPts val="500"/>
+        </a:spcBef>
+        <a:buFont typeface="Arial" panose="020B0604020202020204" pitchFamily="34" charset="0"/>
+        <a:buChar char="•"/>
+        <a:defRPr sz="2000" kern="1200">
+          <a:solidFill>
+            <a:schemeClr val="tx1"/>
+          </a:solidFill>
+          <a:latin typeface="+mn-lt"/>
+          <a:ea typeface="+mn-ea"/>
+          <a:cs typeface="+mn-cs"/>
+        </a:defRPr>
+      </a:lvl3pPr>
+      <a:lvl4pPr marL="1600200" indent="-228600" algn="l" defTabSz="914400" rtl="0" eaLnBrk="1" latinLnBrk="0" hangingPunct="1">
+        <a:lnSpc>
+          <a:spcPct val="90000"/>
+        </a:lnSpc>
+        <a:spcBef>
+          <a:spcPts val="500"/>
+        </a:spcBef>
+        <a:buFont typeface="Arial" panose="020B0604020202020204" pitchFamily="34" charset="0"/>
+        <a:buChar char="•"/>
+        <a:defRPr sz="1800" kern="1200">
+          <a:solidFill>
+            <a:schemeClr val="tx1"/>
+          </a:solidFill>
+          <a:latin typeface="+mn-lt"/>
+          <a:ea typeface="+mn-ea"/>
+          <a:cs typeface="+mn-cs"/>
+        </a:defRPr>
+      </a:lvl4pPr>
+      <a:lvl5pPr marL="2057400" indent="-228600" algn="l" defTabSz="914400" rtl="0" eaLnBrk="1" latinLnBrk="0" hangingPunct="1">
+        <a:lnSpc>
+          <a:spcPct val="90000"/>
+        </a:lnSpc>
+        <a:spcBef>
+          <a:spcPts val="500"/>
+        </a:spcBef>
+        <a:buFont typeface="Arial" panose="020B0604020202020204" pitchFamily="34" charset="0"/>
+        <a:buChar char="•"/>
+        <a:defRPr sz="1800" kern="1200">
+          <a:solidFill>
+            <a:schemeClr val="tx1"/>
+          </a:solidFill>
+          <a:latin typeface="+mn-lt"/>
+          <a:ea typeface="+mn-ea"/>
+          <a:cs typeface="+mn-cs"/>
+        </a:defRPr>
+      </a:lvl5pPr>
+      <a:lvl6pPr marL="2514600" indent="-228600" algn="l" defTabSz="914400" rtl="0" eaLnBrk="1" latinLnBrk="0" hangingPunct="1">
+        <a:lnSpc>
+          <a:spcPct val="90000"/>
+        </a:lnSpc>
+        <a:spcBef>
+          <a:spcPts val="500"/>
+        </a:spcBef>
+        <a:buFont typeface="Arial" panose="020B0604020202020204" pitchFamily="34" charset="0"/>
+        <a:buChar char="•"/>
+        <a:defRPr sz="1800" kern="1200">
+          <a:solidFill>
+            <a:schemeClr val="tx1"/>
+          </a:solidFill>
+          <a:latin typeface="+mn-lt"/>
+          <a:ea typeface="+mn-ea"/>
+          <a:cs typeface="+mn-cs"/>
+        </a:defRPr>
+      </a:lvl6pPr>
+      <a:lvl7pPr marL="2971800" indent="-228600" algn="l" defTabSz="914400" rtl="0" eaLnBrk="1" latinLnBrk="0" hangingPunct="1">
+        <a:lnSpc>
+          <a:spcPct val="90000"/>
+        </a:lnSpc>
+        <a:spcBef>
+          <a:spcPts val="500"/>
+        </a:spcBef>
+        <a:buFont typeface="Arial" panose="020B0604020202020204" pitchFamily="34" charset="0"/>
+        <a:buChar char="•"/>
+        <a:defRPr sz="1800" kern="1200">
+          <a:solidFill>
+            <a:schemeClr val="tx1"/>
+          </a:solidFill>
+          <a:latin typeface="+mn-lt"/>
+          <a:ea typeface="+mn-ea"/>
+          <a:cs typeface="+mn-cs"/>
+        </a:defRPr>
+      </a:lvl7pPr>
+      <a:lvl8pPr marL="3429000" indent="-228600" algn="l" defTabSz="914400" rtl="0" eaLnBrk="1" latinLnBrk="0" hangingPunct="1">
+        <a:lnSpc>
+          <a:spcPct val="90000"/>
+        </a:lnSpc>
+        <a:spcBef>
+          <a:spcPts val="500"/>
+        </a:spcBef>
+        <a:buFont typeface="Arial" panose="020B0604020202020204" pitchFamily="34" charset="0"/>
+        <a:buChar char="•"/>
+        <a:defRPr sz="1800" kern="1200">
+          <a:solidFill>
+            <a:schemeClr val="tx1"/>
+          </a:solidFill>
+          <a:latin typeface="+mn-lt"/>
+          <a:ea typeface="+mn-ea"/>
+          <a:cs typeface="+mn-cs"/>
+        </a:defRPr>
+      </a:lvl8pPr>
+      <a:lvl9pPr marL="3886200" indent="-228600" algn="l" defTabSz="914400" rtl="0" eaLnBrk="1" latinLnBrk="0" hangingPunct="1">
+        <a:lnSpc>
+          <a:spcPct val="90000"/>
+        </a:lnSpc>
+        <a:spcBef>
+          <a:spcPts val="500"/>
+        </a:spcBef>
+        <a:buFont typeface="Arial" panose="020B0604020202020204" pitchFamily="34" charset="0"/>
+        <a:buChar char="•"/>
+        <a:defRPr sz="1800" kern="1200">
+          <a:solidFill>
+            <a:schemeClr val="tx1"/>
+          </a:solidFill>
+          <a:latin typeface="+mn-lt"/>
+          <a:ea typeface="+mn-ea"/>
+          <a:cs typeface="+mn-cs"/>
+        </a:defRPr>
+      </a:lvl9pPr>
+    </p:bodyStyle>
+    <p:otherStyle>
+      <a:defPPr>
+        <a:defRPr lang="cs-CZ"/>
+      </a:defPPr>
+      <a:lvl1pPr marL="0" algn="l" defTabSz="914400" rtl="0" eaLnBrk="1" latinLnBrk="0" hangingPunct="1">
+        <a:defRPr sz="1800" kern="1200">
+          <a:solidFill>
+            <a:schemeClr val="tx1"/>
+          </a:solidFill>
+          <a:latin typeface="+mn-lt"/>
+          <a:ea typeface="+mn-ea"/>
+          <a:cs typeface="+mn-cs"/>
+        </a:defRPr>
+      </a:lvl1pPr>
+      <a:lvl2pPr marL="457200" algn="l" defTabSz="914400" rtl="0" eaLnBrk="1" latinLnBrk="0" hangingPunct="1">
+        <a:defRPr sz="1800" kern="1200">
+          <a:solidFill>
+            <a:schemeClr val="tx1"/>
+          </a:solidFill>
+          <a:latin typeface="+mn-lt"/>
+          <a:ea typeface="+mn-ea"/>
+          <a:cs typeface="+mn-cs"/>
+        </a:defRPr>
+      </a:lvl2pPr>
+      <a:lvl3pPr marL="914400" algn="l" defTabSz="914400" rtl="0" eaLnBrk="1" latinLnBrk="0" hangingPunct="1">
+        <a:defRPr sz="1800" kern="1200">
+          <a:solidFill>
+            <a:schemeClr val="tx1"/>
+          </a:solidFill>
+          <a:latin typeface="+mn-lt"/>
+          <a:ea typeface="+mn-ea"/>
+          <a:cs typeface="+mn-cs"/>
+        </a:defRPr>
+      </a:lvl3pPr>
+      <a:lvl4pPr marL="1371600" algn="l" defTabSz="914400" rtl="0" eaLnBrk="1" latinLnBrk="0" hangingPunct="1">
+        <a:defRPr sz="1800" kern="1200">
+          <a:solidFill>
+            <a:schemeClr val="tx1"/>
+          </a:solidFill>
+          <a:latin typeface="+mn-lt"/>
+          <a:ea typeface="+mn-ea"/>
+          <a:cs typeface="+mn-cs"/>
+        </a:defRPr>
+      </a:lvl4pPr>
+      <a:lvl5pPr marL="1828800" algn="l" defTabSz="914400" rtl="0" eaLnBrk="1" latinLnBrk="0" hangingPunct="1">
+        <a:defRPr sz="1800" kern="1200">
+          <a:solidFill>
+            <a:schemeClr val="tx1"/>
+          </a:solidFill>
+          <a:latin typeface="+mn-lt"/>
+          <a:ea typeface="+mn-ea"/>
+          <a:cs typeface="+mn-cs"/>
+        </a:defRPr>
+      </a:lvl5pPr>
+      <a:lvl6pPr marL="2286000" algn="l" defTabSz="914400" rtl="0" eaLnBrk="1" latinLnBrk="0" hangingPunct="1">
+        <a:defRPr sz="1800" kern="1200">
+          <a:solidFill>
+            <a:schemeClr val="tx1"/>
+          </a:solidFill>
+          <a:latin typeface="+mn-lt"/>
+          <a:ea typeface="+mn-ea"/>
+          <a:cs typeface="+mn-cs"/>
+        </a:defRPr>
+      </a:lvl6pPr>
+      <a:lvl7pPr marL="2743200" algn="l" defTabSz="914400" rtl="0" eaLnBrk="1" latinLnBrk="0" hangingPunct="1">
+        <a:defRPr sz="1800" kern="1200">
+          <a:solidFill>
+            <a:schemeClr val="tx1"/>
+          </a:solidFill>
+          <a:latin typeface="+mn-lt"/>
+          <a:ea typeface="+mn-ea"/>
+          <a:cs typeface="+mn-cs"/>
+        </a:defRPr>
+      </a:lvl7pPr>
+      <a:lvl8pPr marL="3200400" algn="l" defTabSz="914400" rtl="0" eaLnBrk="1" latinLnBrk="0" hangingPunct="1">
+        <a:defRPr sz="1800" kern="1200">
+          <a:solidFill>
+            <a:schemeClr val="tx1"/>
+          </a:solidFill>
+          <a:latin typeface="+mn-lt"/>
+          <a:ea typeface="+mn-ea"/>
+          <a:cs typeface="+mn-cs"/>
+        </a:defRPr>
+      </a:lvl8pPr>
+      <a:lvl9pPr marL="3657600" algn="l" defTabSz="914400" rtl="0" eaLnBrk="1" latinLnBrk="0" hangingPunct="1">
+        <a:defRPr sz="1800" kern="1200">
+          <a:solidFill>
+            <a:schemeClr val="tx1"/>
+          </a:solidFill>
+          <a:latin typeface="+mn-lt"/>
+          <a:ea typeface="+mn-ea"/>
+          <a:cs typeface="+mn-cs"/>
+        </a:defRPr>
+      </a:lvl9pPr>
+    </p:otherStyle>
+  </p:txStyles>
 </p:sldMaster>
 </file>
 
 <file path=ppt/slides/slide1.xml><?xml version="1.0" encoding="utf-8"?>
-<p:sld xmlns:a="http://schemas.openxmlformats.org/drawingml/2006/main" xmlns:p="http://schemas.openxmlformats.org/presentationml/2006/main" xmlns:r="http://schemas.openxmlformats.org/officeDocument/2006/relationships" xmlns:p14="http://schemas.microsoft.com/office/powerpoint/2010/main" xmlns:p15="http://schemas.microsoft.com/office/powerpoint/2012/main" xmlns:mc="http://schemas.openxmlformats.org/markup-compatibility/2006">
+<p:sld xmlns:a="http://schemas.openxmlformats.org/drawingml/2006/main" xmlns:r="http://schemas.openxmlformats.org/officeDocument/2006/relationships" xmlns:p="http://schemas.openxmlformats.org/presentationml/2006/main">
   <p:cSld>
     <p:spTree>
       <p:nvGrpSpPr>
@@ -4832,15 +5920,22 @@
           </a:ln>
         </p:spPr>
         <p:style>
-          <a:lnRef idx="0"/>
-          <a:fillRef idx="0"/>
-          <a:effectRef idx="0"/>
+          <a:lnRef idx="0">
+            <a:scrgbClr r="0" g="0" b="0"/>
+          </a:lnRef>
+          <a:fillRef idx="0">
+            <a:scrgbClr r="0" g="0" b="0"/>
+          </a:fillRef>
+          <a:effectRef idx="0">
+            <a:scrgbClr r="0" g="0" b="0"/>
+          </a:effectRef>
           <a:fontRef idx="minor"/>
         </p:style>
         <p:txBody>
-          <a:bodyPr lIns="0" rIns="0" tIns="0" bIns="0" anchor="ctr">
+          <a:bodyPr lIns="0" tIns="0" rIns="0" bIns="0" anchor="ctr">
             <a:normAutofit/>
           </a:bodyPr>
+          <a:lstStyle/>
           <a:p>
             <a:pPr algn="ctr">
               <a:lnSpc>
@@ -4848,16 +5943,16 @@
               </a:lnSpc>
             </a:pPr>
             <a:r>
-              <a:rPr b="0" lang="cs-CZ" sz="4400" spc="-1" strike="noStrike">
-                <a:solidFill>
-                  <a:srgbClr val="ffffff"/>
+              <a:rPr lang="cs-CZ" sz="4400" b="0" strike="noStrike" spc="-1" dirty="0">
+                <a:solidFill>
+                  <a:srgbClr val="FFFFFF"/>
                 </a:solidFill>
                 <a:latin typeface="Ubuntu"/>
                 <a:ea typeface="DejaVu Sans"/>
               </a:rPr>
-              <a:t>1-3 Obrazky</a:t>
-            </a:r>
-            <a:endParaRPr b="0" lang="cs-CZ" sz="4400" spc="-1" strike="noStrike">
+              <a:t>1-3 Obrázky</a:t>
+            </a:r>
+            <a:endParaRPr lang="cs-CZ" sz="4400" b="0" strike="noStrike" spc="-1" dirty="0">
               <a:latin typeface="Arial"/>
             </a:endParaRPr>
           </a:p>
@@ -4883,13 +5978,20 @@
           </a:ln>
         </p:spPr>
         <p:style>
-          <a:lnRef idx="0"/>
-          <a:fillRef idx="0"/>
-          <a:effectRef idx="0"/>
+          <a:lnRef idx="0">
+            <a:scrgbClr r="0" g="0" b="0"/>
+          </a:lnRef>
+          <a:fillRef idx="0">
+            <a:scrgbClr r="0" g="0" b="0"/>
+          </a:fillRef>
+          <a:effectRef idx="0">
+            <a:scrgbClr r="0" g="0" b="0"/>
+          </a:effectRef>
           <a:fontRef idx="minor"/>
         </p:style>
         <p:txBody>
-          <a:bodyPr lIns="90000" rIns="90000" tIns="45000" bIns="45000"/>
+          <a:bodyPr lIns="90000" tIns="45000" rIns="90000" bIns="45000"/>
+          <a:lstStyle/>
           <a:p>
             <a:pPr>
               <a:lnSpc>
@@ -4897,7 +5999,7 @@
               </a:lnSpc>
             </a:pPr>
             <a:r>
-              <a:rPr b="0" lang="cs-CZ" sz="6000" spc="-1" strike="noStrike">
+              <a:rPr lang="cs-CZ" sz="6000" b="0" strike="noStrike" spc="-1">
                 <a:solidFill>
                   <a:srgbClr val="000000"/>
                 </a:solidFill>
@@ -4906,7 +6008,7 @@
               </a:rPr>
               <a:t>PRIM – Micro:bit</a:t>
             </a:r>
-            <a:endParaRPr b="0" lang="cs-CZ" sz="6000" spc="-1" strike="noStrike">
+            <a:endParaRPr lang="cs-CZ" sz="6000" b="0" strike="noStrike" spc="-1">
               <a:latin typeface="Arial"/>
             </a:endParaRPr>
           </a:p>
@@ -4914,6 +6016,9 @@
       </p:sp>
     </p:spTree>
   </p:cSld>
+  <p:clrMapOvr>
+    <a:masterClrMapping/>
+  </p:clrMapOvr>
   <p:timing>
     <p:tnLst>
       <p:par>
@@ -4922,14 +6027,14 @@
             <p:seq>
               <p:cTn id="2" dur="indefinite" nodeType="mainSeq"/>
               <p:prevCondLst>
-                <p:cond delay="0" evt="onPrev">
+                <p:cond evt="onPrev" delay="0">
                   <p:tgtEl>
                     <p:sldTgt/>
                   </p:tgtEl>
                 </p:cond>
               </p:prevCondLst>
               <p:nextCondLst>
-                <p:cond delay="0" evt="onNext">
+                <p:cond evt="onNext" delay="0">
                   <p:tgtEl>
                     <p:sldTgt/>
                   </p:tgtEl>
@@ -4945,7 +6050,7 @@
 </file>
 
 <file path=ppt/slides/slide2.xml><?xml version="1.0" encoding="utf-8"?>
-<p:sld xmlns:a="http://schemas.openxmlformats.org/drawingml/2006/main" xmlns:p="http://schemas.openxmlformats.org/presentationml/2006/main" xmlns:r="http://schemas.openxmlformats.org/officeDocument/2006/relationships" xmlns:p14="http://schemas.microsoft.com/office/powerpoint/2010/main" xmlns:p15="http://schemas.microsoft.com/office/powerpoint/2012/main" xmlns:mc="http://schemas.openxmlformats.org/markup-compatibility/2006">
+<p:sld xmlns:a="http://schemas.openxmlformats.org/drawingml/2006/main" xmlns:r="http://schemas.openxmlformats.org/officeDocument/2006/relationships" xmlns:p="http://schemas.openxmlformats.org/presentationml/2006/main">
   <p:cSld>
     <p:spTree>
       <p:nvGrpSpPr>
@@ -4981,13 +6086,20 @@
           </a:ln>
         </p:spPr>
         <p:style>
-          <a:lnRef idx="0"/>
-          <a:fillRef idx="0"/>
-          <a:effectRef idx="0"/>
+          <a:lnRef idx="0">
+            <a:scrgbClr r="0" g="0" b="0"/>
+          </a:lnRef>
+          <a:fillRef idx="0">
+            <a:scrgbClr r="0" g="0" b="0"/>
+          </a:fillRef>
+          <a:effectRef idx="0">
+            <a:scrgbClr r="0" g="0" b="0"/>
+          </a:effectRef>
           <a:fontRef idx="minor"/>
         </p:style>
         <p:txBody>
-          <a:bodyPr lIns="0" rIns="0" tIns="0" bIns="0" anchor="ctr"/>
+          <a:bodyPr lIns="0" tIns="0" rIns="0" bIns="0" anchor="ctr"/>
+          <a:lstStyle/>
           <a:p>
             <a:pPr algn="ctr">
               <a:lnSpc>
@@ -4995,7 +6107,7 @@
               </a:lnSpc>
             </a:pPr>
             <a:r>
-              <a:rPr b="0" lang="cs-CZ" sz="4400" spc="-1" strike="noStrike">
+              <a:rPr lang="cs-CZ" sz="4400" b="0" strike="noStrike" spc="-1">
                 <a:solidFill>
                   <a:srgbClr val="000000"/>
                 </a:solidFill>
@@ -5004,7 +6116,7 @@
               </a:rPr>
               <a:t>Ukázka připravených obrázků</a:t>
             </a:r>
-            <a:endParaRPr b="0" lang="cs-CZ" sz="4400" spc="-1" strike="noStrike">
+            <a:endParaRPr lang="cs-CZ" sz="4400" b="0" strike="noStrike" spc="-1">
               <a:latin typeface="Arial"/>
             </a:endParaRPr>
           </a:p>
@@ -5030,15 +6142,22 @@
           </a:ln>
         </p:spPr>
         <p:style>
-          <a:lnRef idx="0"/>
-          <a:fillRef idx="0"/>
-          <a:effectRef idx="0"/>
+          <a:lnRef idx="0">
+            <a:scrgbClr r="0" g="0" b="0"/>
+          </a:lnRef>
+          <a:fillRef idx="0">
+            <a:scrgbClr r="0" g="0" b="0"/>
+          </a:fillRef>
+          <a:effectRef idx="0">
+            <a:scrgbClr r="0" g="0" b="0"/>
+          </a:effectRef>
           <a:fontRef idx="minor"/>
         </p:style>
         <p:txBody>
-          <a:bodyPr lIns="0" rIns="0" tIns="0" bIns="0">
+          <a:bodyPr lIns="0" tIns="0" rIns="0" bIns="0">
             <a:normAutofit/>
           </a:bodyPr>
+          <a:lstStyle/>
           <a:p>
             <a:pPr>
               <a:lnSpc>
@@ -5046,7 +6165,7 @@
               </a:lnSpc>
             </a:pPr>
             <a:r>
-              <a:rPr b="0" lang="cs-CZ" sz="3200" spc="-1" strike="noStrike">
+              <a:rPr lang="cs-CZ" sz="3200" b="0" strike="noStrike" spc="-1">
                 <a:solidFill>
                   <a:srgbClr val="008000"/>
                 </a:solidFill>
@@ -5056,7 +6175,7 @@
               <a:t>from</a:t>
             </a:r>
             <a:r>
-              <a:rPr b="0" lang="cs-CZ" sz="3200" spc="-1" strike="noStrike">
+              <a:rPr lang="cs-CZ" sz="3200" b="0" strike="noStrike" spc="-1">
                 <a:solidFill>
                   <a:srgbClr val="000000"/>
                 </a:solidFill>
@@ -5066,9 +6185,9 @@
               <a:t> </a:t>
             </a:r>
             <a:r>
-              <a:rPr b="0" lang="cs-CZ" sz="3200" spc="-1" strike="noStrike">
-                <a:solidFill>
-                  <a:srgbClr val="0000ff"/>
+              <a:rPr lang="cs-CZ" sz="3200" b="0" strike="noStrike" spc="-1">
+                <a:solidFill>
+                  <a:srgbClr val="0000FF"/>
                 </a:solidFill>
                 <a:latin typeface="Courier New"/>
                 <a:ea typeface="DejaVu Sans"/>
@@ -5076,7 +6195,7 @@
               <a:t>microbit</a:t>
             </a:r>
             <a:r>
-              <a:rPr b="0" lang="cs-CZ" sz="3200" spc="-1" strike="noStrike">
+              <a:rPr lang="cs-CZ" sz="3200" b="0" strike="noStrike" spc="-1">
                 <a:solidFill>
                   <a:srgbClr val="000000"/>
                 </a:solidFill>
@@ -5086,7 +6205,7 @@
               <a:t> </a:t>
             </a:r>
             <a:r>
-              <a:rPr b="0" lang="cs-CZ" sz="3200" spc="-1" strike="noStrike">
+              <a:rPr lang="cs-CZ" sz="3200" b="0" strike="noStrike" spc="-1">
                 <a:solidFill>
                   <a:srgbClr val="008000"/>
                 </a:solidFill>
@@ -5096,7 +6215,7 @@
               <a:t>import</a:t>
             </a:r>
             <a:r>
-              <a:rPr b="0" lang="cs-CZ" sz="3200" spc="-1" strike="noStrike">
+              <a:rPr lang="cs-CZ" sz="3200" b="0" strike="noStrike" spc="-1">
                 <a:solidFill>
                   <a:srgbClr val="000000"/>
                 </a:solidFill>
@@ -5106,7 +6225,7 @@
               <a:t> </a:t>
             </a:r>
             <a:r>
-              <a:rPr b="0" lang="cs-CZ" sz="3200" spc="-1" strike="noStrike">
+              <a:rPr lang="cs-CZ" sz="3200" b="0" strike="noStrike" spc="-1">
                 <a:solidFill>
                   <a:srgbClr val="666666"/>
                 </a:solidFill>
@@ -5115,7 +6234,7 @@
               </a:rPr>
               <a:t>*</a:t>
             </a:r>
-            <a:endParaRPr b="0" lang="cs-CZ" sz="3200" spc="-1" strike="noStrike">
+            <a:endParaRPr lang="cs-CZ" sz="3200" b="0" strike="noStrike" spc="-1">
               <a:latin typeface="Arial"/>
             </a:endParaRPr>
           </a:p>
@@ -5126,7 +6245,7 @@
               </a:lnSpc>
             </a:pPr>
             <a:r>
-              <a:rPr b="0" lang="cs-CZ" sz="3200" spc="-1" strike="noStrike">
+              <a:rPr lang="cs-CZ" sz="3200" b="0" strike="noStrike" spc="-1">
                 <a:solidFill>
                   <a:srgbClr val="000000"/>
                 </a:solidFill>
@@ -5136,7 +6255,7 @@
               <a:t>display</a:t>
             </a:r>
             <a:r>
-              <a:rPr b="0" lang="cs-CZ" sz="3200" spc="-1" strike="noStrike">
+              <a:rPr lang="cs-CZ" sz="3200" b="0" strike="noStrike" spc="-1">
                 <a:solidFill>
                   <a:srgbClr val="666666"/>
                 </a:solidFill>
@@ -5146,7 +6265,7 @@
               <a:t>.</a:t>
             </a:r>
             <a:r>
-              <a:rPr b="0" lang="cs-CZ" sz="3200" spc="-1" strike="noStrike">
+              <a:rPr lang="cs-CZ" sz="3200" b="0" strike="noStrike" spc="-1">
                 <a:solidFill>
                   <a:srgbClr val="000000"/>
                 </a:solidFill>
@@ -5156,7 +6275,7 @@
               <a:t>show(Image</a:t>
             </a:r>
             <a:r>
-              <a:rPr b="0" lang="cs-CZ" sz="3200" spc="-1" strike="noStrike">
+              <a:rPr lang="cs-CZ" sz="3200" b="0" strike="noStrike" spc="-1">
                 <a:solidFill>
                   <a:srgbClr val="666666"/>
                 </a:solidFill>
@@ -5166,7 +6285,7 @@
               <a:t>.</a:t>
             </a:r>
             <a:r>
-              <a:rPr b="0" lang="cs-CZ" sz="3200" spc="-1" strike="noStrike">
+              <a:rPr lang="cs-CZ" sz="3200" b="0" strike="noStrike" spc="-1">
                 <a:solidFill>
                   <a:srgbClr val="000000"/>
                 </a:solidFill>
@@ -5175,7 +6294,7 @@
               </a:rPr>
               <a:t>SAD)</a:t>
             </a:r>
-            <a:endParaRPr b="0" lang="cs-CZ" sz="3200" spc="-1" strike="noStrike">
+            <a:endParaRPr lang="cs-CZ" sz="3200" b="0" strike="noStrike" spc="-1">
               <a:latin typeface="Arial"/>
             </a:endParaRPr>
           </a:p>
@@ -5186,7 +6305,7 @@
               </a:lnSpc>
             </a:pPr>
             <a:r>
-              <a:rPr b="0" lang="cs-CZ" sz="3200" spc="-1" strike="noStrike">
+              <a:rPr lang="cs-CZ" sz="3200" b="0" strike="noStrike" spc="-1">
                 <a:solidFill>
                   <a:srgbClr val="000000"/>
                 </a:solidFill>
@@ -5196,7 +6315,7 @@
               <a:t>sleep(</a:t>
             </a:r>
             <a:r>
-              <a:rPr b="0" lang="cs-CZ" sz="3200" spc="-1" strike="noStrike">
+              <a:rPr lang="cs-CZ" sz="3200" b="0" strike="noStrike" spc="-1">
                 <a:solidFill>
                   <a:srgbClr val="666666"/>
                 </a:solidFill>
@@ -5206,7 +6325,7 @@
               <a:t>1000</a:t>
             </a:r>
             <a:r>
-              <a:rPr b="0" lang="cs-CZ" sz="3200" spc="-1" strike="noStrike">
+              <a:rPr lang="cs-CZ" sz="3200" b="0" strike="noStrike" spc="-1">
                 <a:solidFill>
                   <a:srgbClr val="000000"/>
                 </a:solidFill>
@@ -5215,7 +6334,7 @@
               </a:rPr>
               <a:t>)</a:t>
             </a:r>
-            <a:endParaRPr b="0" lang="cs-CZ" sz="3200" spc="-1" strike="noStrike">
+            <a:endParaRPr lang="cs-CZ" sz="3200" b="0" strike="noStrike" spc="-1">
               <a:latin typeface="Arial"/>
             </a:endParaRPr>
           </a:p>
@@ -5226,7 +6345,7 @@
               </a:lnSpc>
             </a:pPr>
             <a:r>
-              <a:rPr b="0" lang="cs-CZ" sz="3200" spc="-1" strike="noStrike">
+              <a:rPr lang="cs-CZ" sz="3200" b="0" strike="noStrike" spc="-1">
                 <a:solidFill>
                   <a:srgbClr val="000000"/>
                 </a:solidFill>
@@ -5236,7 +6355,7 @@
               <a:t>display</a:t>
             </a:r>
             <a:r>
-              <a:rPr b="0" lang="cs-CZ" sz="3200" spc="-1" strike="noStrike">
+              <a:rPr lang="cs-CZ" sz="3200" b="0" strike="noStrike" spc="-1">
                 <a:solidFill>
                   <a:srgbClr val="666666"/>
                 </a:solidFill>
@@ -5246,7 +6365,7 @@
               <a:t>.</a:t>
             </a:r>
             <a:r>
-              <a:rPr b="0" lang="cs-CZ" sz="3200" spc="-1" strike="noStrike">
+              <a:rPr lang="cs-CZ" sz="3200" b="0" strike="noStrike" spc="-1">
                 <a:solidFill>
                   <a:srgbClr val="000000"/>
                 </a:solidFill>
@@ -5256,7 +6375,7 @@
               <a:t>show(Image</a:t>
             </a:r>
             <a:r>
-              <a:rPr b="0" lang="cs-CZ" sz="3200" spc="-1" strike="noStrike">
+              <a:rPr lang="cs-CZ" sz="3200" b="0" strike="noStrike" spc="-1">
                 <a:solidFill>
                   <a:srgbClr val="666666"/>
                 </a:solidFill>
@@ -5266,7 +6385,7 @@
               <a:t>.</a:t>
             </a:r>
             <a:r>
-              <a:rPr b="0" lang="cs-CZ" sz="3200" spc="-1" strike="noStrike">
+              <a:rPr lang="cs-CZ" sz="3200" b="0" strike="noStrike" spc="-1">
                 <a:solidFill>
                   <a:srgbClr val="000000"/>
                 </a:solidFill>
@@ -5275,7 +6394,7 @@
               </a:rPr>
               <a:t>SMILE)</a:t>
             </a:r>
-            <a:endParaRPr b="0" lang="cs-CZ" sz="3200" spc="-1" strike="noStrike">
+            <a:endParaRPr lang="cs-CZ" sz="3200" b="0" strike="noStrike" spc="-1">
               <a:latin typeface="Arial"/>
             </a:endParaRPr>
           </a:p>
@@ -5286,7 +6405,7 @@
               </a:lnSpc>
             </a:pPr>
             <a:r>
-              <a:rPr b="0" lang="cs-CZ" sz="3200" spc="-1" strike="noStrike">
+              <a:rPr lang="cs-CZ" sz="3200" b="0" strike="noStrike" spc="-1">
                 <a:solidFill>
                   <a:srgbClr val="000000"/>
                 </a:solidFill>
@@ -5296,7 +6415,7 @@
               <a:t>sleep(</a:t>
             </a:r>
             <a:r>
-              <a:rPr b="0" lang="cs-CZ" sz="3200" spc="-1" strike="noStrike">
+              <a:rPr lang="cs-CZ" sz="3200" b="0" strike="noStrike" spc="-1">
                 <a:solidFill>
                   <a:srgbClr val="666666"/>
                 </a:solidFill>
@@ -5306,7 +6425,7 @@
               <a:t>1000</a:t>
             </a:r>
             <a:r>
-              <a:rPr b="0" lang="cs-CZ" sz="3200" spc="-1" strike="noStrike">
+              <a:rPr lang="cs-CZ" sz="3200" b="0" strike="noStrike" spc="-1">
                 <a:solidFill>
                   <a:srgbClr val="000000"/>
                 </a:solidFill>
@@ -5315,7 +6434,7 @@
               </a:rPr>
               <a:t>)</a:t>
             </a:r>
-            <a:endParaRPr b="0" lang="cs-CZ" sz="3200" spc="-1" strike="noStrike">
+            <a:endParaRPr lang="cs-CZ" sz="3200" b="0" strike="noStrike" spc="-1">
               <a:latin typeface="Arial"/>
             </a:endParaRPr>
           </a:p>
@@ -5326,7 +6445,7 @@
               </a:lnSpc>
             </a:pPr>
             <a:r>
-              <a:rPr b="0" lang="cs-CZ" sz="3200" spc="-1" strike="noStrike">
+              <a:rPr lang="cs-CZ" sz="3200" b="0" strike="noStrike" spc="-1">
                 <a:solidFill>
                   <a:srgbClr val="000000"/>
                 </a:solidFill>
@@ -5336,7 +6455,7 @@
               <a:t>display</a:t>
             </a:r>
             <a:r>
-              <a:rPr b="0" lang="cs-CZ" sz="3200" spc="-1" strike="noStrike">
+              <a:rPr lang="cs-CZ" sz="3200" b="0" strike="noStrike" spc="-1">
                 <a:solidFill>
                   <a:srgbClr val="666666"/>
                 </a:solidFill>
@@ -5346,7 +6465,7 @@
               <a:t>.</a:t>
             </a:r>
             <a:r>
-              <a:rPr b="0" lang="cs-CZ" sz="3200" spc="-1" strike="noStrike">
+              <a:rPr lang="cs-CZ" sz="3200" b="0" strike="noStrike" spc="-1">
                 <a:solidFill>
                   <a:srgbClr val="000000"/>
                 </a:solidFill>
@@ -5356,7 +6475,7 @@
               <a:t>show(Image</a:t>
             </a:r>
             <a:r>
-              <a:rPr b="0" lang="cs-CZ" sz="3200" spc="-1" strike="noStrike">
+              <a:rPr lang="cs-CZ" sz="3200" b="0" strike="noStrike" spc="-1">
                 <a:solidFill>
                   <a:srgbClr val="666666"/>
                 </a:solidFill>
@@ -5366,7 +6485,7 @@
               <a:t>.</a:t>
             </a:r>
             <a:r>
-              <a:rPr b="0" lang="cs-CZ" sz="3200" spc="-1" strike="noStrike">
+              <a:rPr lang="cs-CZ" sz="3200" b="0" strike="noStrike" spc="-1">
                 <a:solidFill>
                   <a:srgbClr val="000000"/>
                 </a:solidFill>
@@ -5375,7 +6494,7 @@
               </a:rPr>
               <a:t>HAPPY)</a:t>
             </a:r>
-            <a:endParaRPr b="0" lang="cs-CZ" sz="3200" spc="-1" strike="noStrike">
+            <a:endParaRPr lang="cs-CZ" sz="3200" b="0" strike="noStrike" spc="-1">
               <a:latin typeface="Arial"/>
             </a:endParaRPr>
           </a:p>
@@ -5386,7 +6505,7 @@
               </a:lnSpc>
             </a:pPr>
             <a:r>
-              <a:rPr b="0" lang="cs-CZ" sz="3200" spc="-1" strike="noStrike">
+              <a:rPr lang="cs-CZ" sz="3200" b="0" strike="noStrike" spc="-1">
                 <a:solidFill>
                   <a:srgbClr val="000000"/>
                 </a:solidFill>
@@ -5396,7 +6515,7 @@
               <a:t>sleep(</a:t>
             </a:r>
             <a:r>
-              <a:rPr b="0" lang="cs-CZ" sz="3200" spc="-1" strike="noStrike">
+              <a:rPr lang="cs-CZ" sz="3200" b="0" strike="noStrike" spc="-1">
                 <a:solidFill>
                   <a:srgbClr val="666666"/>
                 </a:solidFill>
@@ -5406,7 +6525,7 @@
               <a:t>1000</a:t>
             </a:r>
             <a:r>
-              <a:rPr b="0" lang="cs-CZ" sz="3200" spc="-1" strike="noStrike">
+              <a:rPr lang="cs-CZ" sz="3200" b="0" strike="noStrike" spc="-1">
                 <a:solidFill>
                   <a:srgbClr val="000000"/>
                 </a:solidFill>
@@ -5415,7 +6534,7 @@
               </a:rPr>
               <a:t>)</a:t>
             </a:r>
-            <a:endParaRPr b="0" lang="cs-CZ" sz="3200" spc="-1" strike="noStrike">
+            <a:endParaRPr lang="cs-CZ" sz="3200" b="0" strike="noStrike" spc="-1">
               <a:latin typeface="Arial"/>
             </a:endParaRPr>
           </a:p>
@@ -5426,7 +6545,7 @@
               </a:lnSpc>
             </a:pPr>
             <a:r>
-              <a:rPr b="0" lang="cs-CZ" sz="3200" spc="-1" strike="noStrike">
+              <a:rPr lang="cs-CZ" sz="3200" b="0" strike="noStrike" spc="-1">
                 <a:solidFill>
                   <a:srgbClr val="000000"/>
                 </a:solidFill>
@@ -5436,7 +6555,7 @@
               <a:t>display</a:t>
             </a:r>
             <a:r>
-              <a:rPr b="0" lang="cs-CZ" sz="3200" spc="-1" strike="noStrike">
+              <a:rPr lang="cs-CZ" sz="3200" b="0" strike="noStrike" spc="-1">
                 <a:solidFill>
                   <a:srgbClr val="666666"/>
                 </a:solidFill>
@@ -5446,7 +6565,7 @@
               <a:t>.</a:t>
             </a:r>
             <a:r>
-              <a:rPr b="0" lang="cs-CZ" sz="3200" spc="-1" strike="noStrike">
+              <a:rPr lang="cs-CZ" sz="3200" b="0" strike="noStrike" spc="-1">
                 <a:solidFill>
                   <a:srgbClr val="000000"/>
                 </a:solidFill>
@@ -5455,7 +6574,7 @@
               </a:rPr>
               <a:t>clear()</a:t>
             </a:r>
-            <a:endParaRPr b="0" lang="cs-CZ" sz="3200" spc="-1" strike="noStrike">
+            <a:endParaRPr lang="cs-CZ" sz="3200" b="0" strike="noStrike" spc="-1">
               <a:latin typeface="Arial"/>
             </a:endParaRPr>
           </a:p>
@@ -5463,22 +6582,25 @@
       </p:sp>
     </p:spTree>
   </p:cSld>
+  <p:clrMapOvr>
+    <a:masterClrMapping/>
+  </p:clrMapOvr>
   <p:timing>
     <p:tnLst>
       <p:par>
-        <p:cTn id="3" dur="indefinite" restart="never" nodeType="tmRoot">
+        <p:cTn id="1" dur="indefinite" restart="never" nodeType="tmRoot">
           <p:childTnLst>
             <p:seq>
-              <p:cTn id="4" dur="indefinite" nodeType="mainSeq"/>
+              <p:cTn id="2" dur="indefinite" nodeType="mainSeq"/>
               <p:prevCondLst>
-                <p:cond delay="0" evt="onPrev">
+                <p:cond evt="onPrev" delay="0">
                   <p:tgtEl>
                     <p:sldTgt/>
                   </p:tgtEl>
                 </p:cond>
               </p:prevCondLst>
               <p:nextCondLst>
-                <p:cond delay="0" evt="onNext">
+                <p:cond evt="onNext" delay="0">
                   <p:tgtEl>
                     <p:sldTgt/>
                   </p:tgtEl>
@@ -5494,7 +6616,7 @@
 </file>
 
 <file path=ppt/slides/slide3.xml><?xml version="1.0" encoding="utf-8"?>
-<p:sld xmlns:a="http://schemas.openxmlformats.org/drawingml/2006/main" xmlns:p="http://schemas.openxmlformats.org/presentationml/2006/main" xmlns:r="http://schemas.openxmlformats.org/officeDocument/2006/relationships" xmlns:p14="http://schemas.microsoft.com/office/powerpoint/2010/main" xmlns:p15="http://schemas.microsoft.com/office/powerpoint/2012/main" xmlns:mc="http://schemas.openxmlformats.org/markup-compatibility/2006">
+<p:sld xmlns:a="http://schemas.openxmlformats.org/drawingml/2006/main" xmlns:r="http://schemas.openxmlformats.org/officeDocument/2006/relationships" xmlns:p="http://schemas.openxmlformats.org/presentationml/2006/main">
   <p:cSld>
     <p:spTree>
       <p:nvGrpSpPr>
@@ -5530,13 +6652,20 @@
           </a:ln>
         </p:spPr>
         <p:style>
-          <a:lnRef idx="0"/>
-          <a:fillRef idx="0"/>
-          <a:effectRef idx="0"/>
+          <a:lnRef idx="0">
+            <a:scrgbClr r="0" g="0" b="0"/>
+          </a:lnRef>
+          <a:fillRef idx="0">
+            <a:scrgbClr r="0" g="0" b="0"/>
+          </a:fillRef>
+          <a:effectRef idx="0">
+            <a:scrgbClr r="0" g="0" b="0"/>
+          </a:effectRef>
           <a:fontRef idx="minor"/>
         </p:style>
         <p:txBody>
-          <a:bodyPr lIns="0" rIns="0" tIns="0" bIns="0" anchor="ctr"/>
+          <a:bodyPr lIns="0" tIns="0" rIns="0" bIns="0" anchor="ctr"/>
+          <a:lstStyle/>
           <a:p>
             <a:pPr algn="ctr">
               <a:lnSpc>
@@ -5544,7 +6673,7 @@
               </a:lnSpc>
             </a:pPr>
             <a:r>
-              <a:rPr b="0" lang="cs-CZ" sz="4400" spc="-1" strike="noStrike">
+              <a:rPr lang="cs-CZ" sz="4400" b="0" strike="noStrike" spc="-1" dirty="0">
                 <a:solidFill>
                   <a:srgbClr val="000000"/>
                 </a:solidFill>
@@ -5553,7 +6682,7 @@
               </a:rPr>
               <a:t>Srdeční tep</a:t>
             </a:r>
-            <a:endParaRPr b="0" lang="cs-CZ" sz="4400" spc="-1" strike="noStrike">
+            <a:endParaRPr lang="cs-CZ" sz="4400" b="0" strike="noStrike" spc="-1" dirty="0">
               <a:latin typeface="Arial"/>
             </a:endParaRPr>
           </a:p>
@@ -5579,15 +6708,22 @@
           </a:ln>
         </p:spPr>
         <p:style>
-          <a:lnRef idx="0"/>
-          <a:fillRef idx="0"/>
-          <a:effectRef idx="0"/>
+          <a:lnRef idx="0">
+            <a:scrgbClr r="0" g="0" b="0"/>
+          </a:lnRef>
+          <a:fillRef idx="0">
+            <a:scrgbClr r="0" g="0" b="0"/>
+          </a:fillRef>
+          <a:effectRef idx="0">
+            <a:scrgbClr r="0" g="0" b="0"/>
+          </a:effectRef>
           <a:fontRef idx="minor"/>
         </p:style>
         <p:txBody>
-          <a:bodyPr lIns="0" rIns="0" tIns="0" bIns="0">
+          <a:bodyPr lIns="0" tIns="0" rIns="0" bIns="0">
             <a:normAutofit/>
           </a:bodyPr>
+          <a:lstStyle/>
           <a:p>
             <a:pPr>
               <a:lnSpc>
@@ -5595,7 +6731,7 @@
               </a:lnSpc>
             </a:pPr>
             <a:r>
-              <a:rPr b="0" lang="cs-CZ" sz="3200" spc="-1" strike="noStrike">
+              <a:rPr lang="cs-CZ" sz="3200" b="0" strike="noStrike" spc="-1">
                 <a:solidFill>
                   <a:srgbClr val="008000"/>
                 </a:solidFill>
@@ -5605,7 +6741,7 @@
               <a:t>from</a:t>
             </a:r>
             <a:r>
-              <a:rPr b="0" lang="cs-CZ" sz="3200" spc="-1" strike="noStrike">
+              <a:rPr lang="cs-CZ" sz="3200" b="0" strike="noStrike" spc="-1">
                 <a:solidFill>
                   <a:srgbClr val="000000"/>
                 </a:solidFill>
@@ -5615,9 +6751,9 @@
               <a:t> </a:t>
             </a:r>
             <a:r>
-              <a:rPr b="0" lang="cs-CZ" sz="3200" spc="-1" strike="noStrike">
-                <a:solidFill>
-                  <a:srgbClr val="0000ff"/>
+              <a:rPr lang="cs-CZ" sz="3200" b="0" strike="noStrike" spc="-1">
+                <a:solidFill>
+                  <a:srgbClr val="0000FF"/>
                 </a:solidFill>
                 <a:latin typeface="Courier New"/>
                 <a:ea typeface="DejaVu Sans"/>
@@ -5625,7 +6761,7 @@
               <a:t>microbit</a:t>
             </a:r>
             <a:r>
-              <a:rPr b="0" lang="cs-CZ" sz="3200" spc="-1" strike="noStrike">
+              <a:rPr lang="cs-CZ" sz="3200" b="0" strike="noStrike" spc="-1">
                 <a:solidFill>
                   <a:srgbClr val="000000"/>
                 </a:solidFill>
@@ -5635,7 +6771,7 @@
               <a:t> </a:t>
             </a:r>
             <a:r>
-              <a:rPr b="0" lang="cs-CZ" sz="3200" spc="-1" strike="noStrike">
+              <a:rPr lang="cs-CZ" sz="3200" b="0" strike="noStrike" spc="-1">
                 <a:solidFill>
                   <a:srgbClr val="008000"/>
                 </a:solidFill>
@@ -5645,7 +6781,7 @@
               <a:t>import</a:t>
             </a:r>
             <a:r>
-              <a:rPr b="0" lang="cs-CZ" sz="3200" spc="-1" strike="noStrike">
+              <a:rPr lang="cs-CZ" sz="3200" b="0" strike="noStrike" spc="-1">
                 <a:solidFill>
                   <a:srgbClr val="000000"/>
                 </a:solidFill>
@@ -5655,7 +6791,7 @@
               <a:t> </a:t>
             </a:r>
             <a:r>
-              <a:rPr b="0" lang="cs-CZ" sz="3200" spc="-1" strike="noStrike">
+              <a:rPr lang="cs-CZ" sz="3200" b="0" strike="noStrike" spc="-1">
                 <a:solidFill>
                   <a:srgbClr val="666666"/>
                 </a:solidFill>
@@ -5664,7 +6800,7 @@
               </a:rPr>
               <a:t>*</a:t>
             </a:r>
-            <a:endParaRPr b="0" lang="cs-CZ" sz="3200" spc="-1" strike="noStrike">
+            <a:endParaRPr lang="cs-CZ" sz="3200" b="0" strike="noStrike" spc="-1">
               <a:latin typeface="Arial"/>
             </a:endParaRPr>
           </a:p>
@@ -5675,7 +6811,7 @@
               </a:lnSpc>
             </a:pPr>
             <a:r>
-              <a:rPr b="0" lang="cs-CZ" sz="3200" spc="-1" strike="noStrike">
+              <a:rPr lang="cs-CZ" sz="3200" b="0" strike="noStrike" spc="-1">
                 <a:solidFill>
                   <a:srgbClr val="008000"/>
                 </a:solidFill>
@@ -5685,7 +6821,7 @@
               <a:t>for</a:t>
             </a:r>
             <a:r>
-              <a:rPr b="0" lang="cs-CZ" sz="3200" spc="-1" strike="noStrike">
+              <a:rPr lang="cs-CZ" sz="3200" b="0" strike="noStrike" spc="-1">
                 <a:solidFill>
                   <a:srgbClr val="000000"/>
                 </a:solidFill>
@@ -5695,9 +6831,9 @@
               <a:t> i </a:t>
             </a:r>
             <a:r>
-              <a:rPr b="0" lang="cs-CZ" sz="3200" spc="-1" strike="noStrike">
-                <a:solidFill>
-                  <a:srgbClr val="aa22ff"/>
+              <a:rPr lang="cs-CZ" sz="3200" b="0" strike="noStrike" spc="-1">
+                <a:solidFill>
+                  <a:srgbClr val="AA22FF"/>
                 </a:solidFill>
                 <a:latin typeface="Courier New"/>
                 <a:ea typeface="DejaVu Sans"/>
@@ -5705,7 +6841,7 @@
               <a:t>in</a:t>
             </a:r>
             <a:r>
-              <a:rPr b="0" lang="cs-CZ" sz="3200" spc="-1" strike="noStrike">
+              <a:rPr lang="cs-CZ" sz="3200" b="0" strike="noStrike" spc="-1">
                 <a:solidFill>
                   <a:srgbClr val="000000"/>
                 </a:solidFill>
@@ -5715,7 +6851,7 @@
               <a:t> </a:t>
             </a:r>
             <a:r>
-              <a:rPr b="0" lang="cs-CZ" sz="3200" spc="-1" strike="noStrike">
+              <a:rPr lang="cs-CZ" sz="3200" b="0" strike="noStrike" spc="-1">
                 <a:solidFill>
                   <a:srgbClr val="008000"/>
                 </a:solidFill>
@@ -5725,7 +6861,7 @@
               <a:t>range</a:t>
             </a:r>
             <a:r>
-              <a:rPr b="0" lang="cs-CZ" sz="3200" spc="-1" strike="noStrike">
+              <a:rPr lang="cs-CZ" sz="3200" b="0" strike="noStrike" spc="-1">
                 <a:solidFill>
                   <a:srgbClr val="000000"/>
                 </a:solidFill>
@@ -5735,7 +6871,7 @@
               <a:t>(</a:t>
             </a:r>
             <a:r>
-              <a:rPr b="0" lang="cs-CZ" sz="3200" spc="-1" strike="noStrike">
+              <a:rPr lang="cs-CZ" sz="3200" b="0" strike="noStrike" spc="-1">
                 <a:solidFill>
                   <a:srgbClr val="666666"/>
                 </a:solidFill>
@@ -5745,7 +6881,7 @@
               <a:t>1</a:t>
             </a:r>
             <a:r>
-              <a:rPr b="0" lang="cs-CZ" sz="3200" spc="-1" strike="noStrike">
+              <a:rPr lang="cs-CZ" sz="3200" b="0" strike="noStrike" spc="-1">
                 <a:solidFill>
                   <a:srgbClr val="000000"/>
                 </a:solidFill>
@@ -5755,7 +6891,7 @@
               <a:t>, </a:t>
             </a:r>
             <a:r>
-              <a:rPr b="0" lang="cs-CZ" sz="3200" spc="-1" strike="noStrike">
+              <a:rPr lang="cs-CZ" sz="3200" b="0" strike="noStrike" spc="-1">
                 <a:solidFill>
                   <a:srgbClr val="666666"/>
                 </a:solidFill>
@@ -5765,7 +6901,7 @@
               <a:t>100</a:t>
             </a:r>
             <a:r>
-              <a:rPr b="0" lang="cs-CZ" sz="3200" spc="-1" strike="noStrike">
+              <a:rPr lang="cs-CZ" sz="3200" b="0" strike="noStrike" spc="-1">
                 <a:solidFill>
                   <a:srgbClr val="000000"/>
                 </a:solidFill>
@@ -5774,7 +6910,7 @@
               </a:rPr>
               <a:t>):</a:t>
             </a:r>
-            <a:endParaRPr b="0" lang="cs-CZ" sz="3200" spc="-1" strike="noStrike">
+            <a:endParaRPr lang="cs-CZ" sz="3200" b="0" strike="noStrike" spc="-1">
               <a:latin typeface="Arial"/>
             </a:endParaRPr>
           </a:p>
@@ -5785,27 +6921,37 @@
               </a:lnSpc>
             </a:pPr>
             <a:r>
-              <a:rPr b="0" lang="cs-CZ" sz="3200" spc="-1" strike="noStrike">
+              <a:rPr lang="cs-CZ" sz="3200" b="0" strike="noStrike" spc="-1">
                 <a:solidFill>
                   <a:srgbClr val="000000"/>
                 </a:solidFill>
                 <a:latin typeface="Courier New"/>
                 <a:ea typeface="DejaVu Sans"/>
               </a:rPr>
-              <a:t>    </a:t>
-            </a:r>
-            <a:r>
-              <a:rPr b="0" lang="cs-CZ" sz="3200" spc="-1" strike="noStrike">
+              <a:t>    display</a:t>
+            </a:r>
+            <a:r>
+              <a:rPr lang="cs-CZ" sz="3200" b="0" strike="noStrike" spc="-1">
+                <a:solidFill>
+                  <a:srgbClr val="666666"/>
+                </a:solidFill>
+                <a:latin typeface="Courier New"/>
+                <a:ea typeface="DejaVu Sans"/>
+              </a:rPr>
+              <a:t>.</a:t>
+            </a:r>
+            <a:r>
+              <a:rPr lang="cs-CZ" sz="3200" b="0" strike="noStrike" spc="-1">
                 <a:solidFill>
                   <a:srgbClr val="000000"/>
                 </a:solidFill>
                 <a:latin typeface="Courier New"/>
                 <a:ea typeface="DejaVu Sans"/>
               </a:rPr>
-              <a:t>display</a:t>
-            </a:r>
-            <a:r>
-              <a:rPr b="0" lang="cs-CZ" sz="3200" spc="-1" strike="noStrike">
+              <a:t>show(Image</a:t>
+            </a:r>
+            <a:r>
+              <a:rPr lang="cs-CZ" sz="3200" b="0" strike="noStrike" spc="-1">
                 <a:solidFill>
                   <a:srgbClr val="666666"/>
                 </a:solidFill>
@@ -5815,36 +6961,16 @@
               <a:t>.</a:t>
             </a:r>
             <a:r>
-              <a:rPr b="0" lang="cs-CZ" sz="3200" spc="-1" strike="noStrike">
+              <a:rPr lang="cs-CZ" sz="3200" b="0" strike="noStrike" spc="-1">
                 <a:solidFill>
                   <a:srgbClr val="000000"/>
                 </a:solidFill>
                 <a:latin typeface="Courier New"/>
                 <a:ea typeface="DejaVu Sans"/>
               </a:rPr>
-              <a:t>show(Image</a:t>
-            </a:r>
-            <a:r>
-              <a:rPr b="0" lang="cs-CZ" sz="3200" spc="-1" strike="noStrike">
-                <a:solidFill>
-                  <a:srgbClr val="666666"/>
-                </a:solidFill>
-                <a:latin typeface="Courier New"/>
-                <a:ea typeface="DejaVu Sans"/>
-              </a:rPr>
-              <a:t>.</a:t>
-            </a:r>
-            <a:r>
-              <a:rPr b="0" lang="cs-CZ" sz="3200" spc="-1" strike="noStrike">
-                <a:solidFill>
-                  <a:srgbClr val="000000"/>
-                </a:solidFill>
-                <a:latin typeface="Courier New"/>
-                <a:ea typeface="DejaVu Sans"/>
-              </a:rPr>
               <a:t>HEART)</a:t>
             </a:r>
-            <a:endParaRPr b="0" lang="cs-CZ" sz="3200" spc="-1" strike="noStrike">
+            <a:endParaRPr lang="cs-CZ" sz="3200" b="0" strike="noStrike" spc="-1">
               <a:latin typeface="Arial"/>
             </a:endParaRPr>
           </a:p>
@@ -5855,46 +6981,36 @@
               </a:lnSpc>
             </a:pPr>
             <a:r>
-              <a:rPr b="0" lang="cs-CZ" sz="3200" spc="-1" strike="noStrike">
+              <a:rPr lang="cs-CZ" sz="3200" b="0" strike="noStrike" spc="-1">
                 <a:solidFill>
                   <a:srgbClr val="000000"/>
                 </a:solidFill>
                 <a:latin typeface="Courier New"/>
                 <a:ea typeface="DejaVu Sans"/>
               </a:rPr>
-              <a:t>    </a:t>
-            </a:r>
-            <a:r>
-              <a:rPr b="0" lang="cs-CZ" sz="3200" spc="-1" strike="noStrike">
+              <a:t>    sleep(</a:t>
+            </a:r>
+            <a:r>
+              <a:rPr lang="cs-CZ" sz="3200" b="0" strike="noStrike" spc="-1">
+                <a:solidFill>
+                  <a:srgbClr val="666666"/>
+                </a:solidFill>
+                <a:latin typeface="Courier New"/>
+                <a:ea typeface="DejaVu Sans"/>
+              </a:rPr>
+              <a:t>400</a:t>
+            </a:r>
+            <a:r>
+              <a:rPr lang="cs-CZ" sz="3200" b="0" strike="noStrike" spc="-1">
                 <a:solidFill>
                   <a:srgbClr val="000000"/>
                 </a:solidFill>
                 <a:latin typeface="Courier New"/>
                 <a:ea typeface="DejaVu Sans"/>
               </a:rPr>
-              <a:t>sleep(</a:t>
-            </a:r>
-            <a:r>
-              <a:rPr b="0" lang="cs-CZ" sz="3200" spc="-1" strike="noStrike">
-                <a:solidFill>
-                  <a:srgbClr val="666666"/>
-                </a:solidFill>
-                <a:latin typeface="Courier New"/>
-                <a:ea typeface="DejaVu Sans"/>
-              </a:rPr>
-              <a:t>400</a:t>
-            </a:r>
-            <a:r>
-              <a:rPr b="0" lang="cs-CZ" sz="3200" spc="-1" strike="noStrike">
-                <a:solidFill>
-                  <a:srgbClr val="000000"/>
-                </a:solidFill>
-                <a:latin typeface="Courier New"/>
-                <a:ea typeface="DejaVu Sans"/>
-              </a:rPr>
               <a:t>)</a:t>
             </a:r>
-            <a:endParaRPr b="0" lang="cs-CZ" sz="3200" spc="-1" strike="noStrike">
+            <a:endParaRPr lang="cs-CZ" sz="3200" b="0" strike="noStrike" spc="-1">
               <a:latin typeface="Arial"/>
             </a:endParaRPr>
           </a:p>
@@ -5905,27 +7021,37 @@
               </a:lnSpc>
             </a:pPr>
             <a:r>
-              <a:rPr b="0" lang="cs-CZ" sz="3200" spc="-1" strike="noStrike">
+              <a:rPr lang="cs-CZ" sz="3200" b="0" strike="noStrike" spc="-1">
                 <a:solidFill>
                   <a:srgbClr val="000000"/>
                 </a:solidFill>
                 <a:latin typeface="Courier New"/>
                 <a:ea typeface="DejaVu Sans"/>
               </a:rPr>
-              <a:t>    </a:t>
-            </a:r>
-            <a:r>
-              <a:rPr b="0" lang="cs-CZ" sz="3200" spc="-1" strike="noStrike">
+              <a:t>    display</a:t>
+            </a:r>
+            <a:r>
+              <a:rPr lang="cs-CZ" sz="3200" b="0" strike="noStrike" spc="-1">
+                <a:solidFill>
+                  <a:srgbClr val="666666"/>
+                </a:solidFill>
+                <a:latin typeface="Courier New"/>
+                <a:ea typeface="DejaVu Sans"/>
+              </a:rPr>
+              <a:t>.</a:t>
+            </a:r>
+            <a:r>
+              <a:rPr lang="cs-CZ" sz="3200" b="0" strike="noStrike" spc="-1">
                 <a:solidFill>
                   <a:srgbClr val="000000"/>
                 </a:solidFill>
                 <a:latin typeface="Courier New"/>
                 <a:ea typeface="DejaVu Sans"/>
               </a:rPr>
-              <a:t>display</a:t>
-            </a:r>
-            <a:r>
-              <a:rPr b="0" lang="cs-CZ" sz="3200" spc="-1" strike="noStrike">
+              <a:t>show(Image</a:t>
+            </a:r>
+            <a:r>
+              <a:rPr lang="cs-CZ" sz="3200" b="0" strike="noStrike" spc="-1">
                 <a:solidFill>
                   <a:srgbClr val="666666"/>
                 </a:solidFill>
@@ -5935,36 +7061,16 @@
               <a:t>.</a:t>
             </a:r>
             <a:r>
-              <a:rPr b="0" lang="cs-CZ" sz="3200" spc="-1" strike="noStrike">
+              <a:rPr lang="cs-CZ" sz="3200" b="0" strike="noStrike" spc="-1">
                 <a:solidFill>
                   <a:srgbClr val="000000"/>
                 </a:solidFill>
                 <a:latin typeface="Courier New"/>
                 <a:ea typeface="DejaVu Sans"/>
               </a:rPr>
-              <a:t>show(Image</a:t>
-            </a:r>
-            <a:r>
-              <a:rPr b="0" lang="cs-CZ" sz="3200" spc="-1" strike="noStrike">
-                <a:solidFill>
-                  <a:srgbClr val="666666"/>
-                </a:solidFill>
-                <a:latin typeface="Courier New"/>
-                <a:ea typeface="DejaVu Sans"/>
-              </a:rPr>
-              <a:t>.</a:t>
-            </a:r>
-            <a:r>
-              <a:rPr b="0" lang="cs-CZ" sz="3200" spc="-1" strike="noStrike">
-                <a:solidFill>
-                  <a:srgbClr val="000000"/>
-                </a:solidFill>
-                <a:latin typeface="Courier New"/>
-                <a:ea typeface="DejaVu Sans"/>
-              </a:rPr>
               <a:t>HEART_SMALL)</a:t>
             </a:r>
-            <a:endParaRPr b="0" lang="cs-CZ" sz="3200" spc="-1" strike="noStrike">
+            <a:endParaRPr lang="cs-CZ" sz="3200" b="0" strike="noStrike" spc="-1">
               <a:latin typeface="Arial"/>
             </a:endParaRPr>
           </a:p>
@@ -5975,46 +7081,36 @@
               </a:lnSpc>
             </a:pPr>
             <a:r>
-              <a:rPr b="0" lang="cs-CZ" sz="3200" spc="-1" strike="noStrike">
+              <a:rPr lang="cs-CZ" sz="3200" b="0" strike="noStrike" spc="-1">
                 <a:solidFill>
                   <a:srgbClr val="000000"/>
                 </a:solidFill>
                 <a:latin typeface="Courier New"/>
                 <a:ea typeface="DejaVu Sans"/>
               </a:rPr>
-              <a:t>    </a:t>
-            </a:r>
-            <a:r>
-              <a:rPr b="0" lang="cs-CZ" sz="3200" spc="-1" strike="noStrike">
+              <a:t>    sleep(</a:t>
+            </a:r>
+            <a:r>
+              <a:rPr lang="cs-CZ" sz="3200" b="0" strike="noStrike" spc="-1">
+                <a:solidFill>
+                  <a:srgbClr val="666666"/>
+                </a:solidFill>
+                <a:latin typeface="Courier New"/>
+                <a:ea typeface="DejaVu Sans"/>
+              </a:rPr>
+              <a:t>400</a:t>
+            </a:r>
+            <a:r>
+              <a:rPr lang="cs-CZ" sz="3200" b="0" strike="noStrike" spc="-1">
                 <a:solidFill>
                   <a:srgbClr val="000000"/>
                 </a:solidFill>
                 <a:latin typeface="Courier New"/>
                 <a:ea typeface="DejaVu Sans"/>
               </a:rPr>
-              <a:t>sleep(</a:t>
-            </a:r>
-            <a:r>
-              <a:rPr b="0" lang="cs-CZ" sz="3200" spc="-1" strike="noStrike">
-                <a:solidFill>
-                  <a:srgbClr val="666666"/>
-                </a:solidFill>
-                <a:latin typeface="Courier New"/>
-                <a:ea typeface="DejaVu Sans"/>
-              </a:rPr>
-              <a:t>400</a:t>
-            </a:r>
-            <a:r>
-              <a:rPr b="0" lang="cs-CZ" sz="3200" spc="-1" strike="noStrike">
-                <a:solidFill>
-                  <a:srgbClr val="000000"/>
-                </a:solidFill>
-                <a:latin typeface="Courier New"/>
-                <a:ea typeface="DejaVu Sans"/>
-              </a:rPr>
               <a:t>)</a:t>
             </a:r>
-            <a:endParaRPr b="0" lang="cs-CZ" sz="3200" spc="-1" strike="noStrike">
+            <a:endParaRPr lang="cs-CZ" sz="3200" b="0" strike="noStrike" spc="-1">
               <a:latin typeface="Arial"/>
             </a:endParaRPr>
           </a:p>
@@ -6025,7 +7121,7 @@
               </a:lnSpc>
             </a:pPr>
             <a:r>
-              <a:rPr b="0" lang="cs-CZ" sz="3200" spc="-1" strike="noStrike">
+              <a:rPr lang="cs-CZ" sz="3200" b="0" strike="noStrike" spc="-1">
                 <a:solidFill>
                   <a:srgbClr val="000000"/>
                 </a:solidFill>
@@ -6035,7 +7131,7 @@
               <a:t>display</a:t>
             </a:r>
             <a:r>
-              <a:rPr b="0" lang="cs-CZ" sz="3200" spc="-1" strike="noStrike">
+              <a:rPr lang="cs-CZ" sz="3200" b="0" strike="noStrike" spc="-1">
                 <a:solidFill>
                   <a:srgbClr val="666666"/>
                 </a:solidFill>
@@ -6045,7 +7141,7 @@
               <a:t>.</a:t>
             </a:r>
             <a:r>
-              <a:rPr b="0" lang="cs-CZ" sz="3200" spc="-1" strike="noStrike">
+              <a:rPr lang="cs-CZ" sz="3200" b="0" strike="noStrike" spc="-1">
                 <a:solidFill>
                   <a:srgbClr val="000000"/>
                 </a:solidFill>
@@ -6054,7 +7150,7 @@
               </a:rPr>
               <a:t>clear()</a:t>
             </a:r>
-            <a:endParaRPr b="0" lang="cs-CZ" sz="3200" spc="-1" strike="noStrike">
+            <a:endParaRPr lang="cs-CZ" sz="3200" b="0" strike="noStrike" spc="-1">
               <a:latin typeface="Arial"/>
             </a:endParaRPr>
           </a:p>
@@ -6062,22 +7158,25 @@
       </p:sp>
     </p:spTree>
   </p:cSld>
+  <p:clrMapOvr>
+    <a:masterClrMapping/>
+  </p:clrMapOvr>
   <p:timing>
     <p:tnLst>
       <p:par>
-        <p:cTn id="5" dur="indefinite" restart="never" nodeType="tmRoot">
+        <p:cTn id="1" dur="indefinite" restart="never" nodeType="tmRoot">
           <p:childTnLst>
             <p:seq>
-              <p:cTn id="6" dur="indefinite" nodeType="mainSeq"/>
+              <p:cTn id="2" dur="indefinite" nodeType="mainSeq"/>
               <p:prevCondLst>
-                <p:cond delay="0" evt="onPrev">
+                <p:cond evt="onPrev" delay="0">
                   <p:tgtEl>
                     <p:sldTgt/>
                   </p:tgtEl>
                 </p:cond>
               </p:prevCondLst>
               <p:nextCondLst>
-                <p:cond delay="0" evt="onNext">
+                <p:cond evt="onNext" delay="0">
                   <p:tgtEl>
                     <p:sldTgt/>
                   </p:tgtEl>
@@ -6093,7 +7192,7 @@
 </file>
 
 <file path=ppt/slides/slide4.xml><?xml version="1.0" encoding="utf-8"?>
-<p:sld xmlns:a="http://schemas.openxmlformats.org/drawingml/2006/main" xmlns:p="http://schemas.openxmlformats.org/presentationml/2006/main" xmlns:r="http://schemas.openxmlformats.org/officeDocument/2006/relationships" xmlns:p14="http://schemas.microsoft.com/office/powerpoint/2010/main" xmlns:p15="http://schemas.microsoft.com/office/powerpoint/2012/main" xmlns:mc="http://schemas.openxmlformats.org/markup-compatibility/2006">
+<p:sld xmlns:a="http://schemas.openxmlformats.org/drawingml/2006/main" xmlns:r="http://schemas.openxmlformats.org/officeDocument/2006/relationships" xmlns:p="http://schemas.openxmlformats.org/presentationml/2006/main">
   <p:cSld>
     <p:spTree>
       <p:nvGrpSpPr>
@@ -6129,13 +7228,20 @@
           </a:ln>
         </p:spPr>
         <p:style>
-          <a:lnRef idx="0"/>
-          <a:fillRef idx="0"/>
-          <a:effectRef idx="0"/>
+          <a:lnRef idx="0">
+            <a:scrgbClr r="0" g="0" b="0"/>
+          </a:lnRef>
+          <a:fillRef idx="0">
+            <a:scrgbClr r="0" g="0" b="0"/>
+          </a:fillRef>
+          <a:effectRef idx="0">
+            <a:scrgbClr r="0" g="0" b="0"/>
+          </a:effectRef>
           <a:fontRef idx="minor"/>
         </p:style>
         <p:txBody>
-          <a:bodyPr lIns="0" rIns="0" tIns="0" bIns="0" anchor="ctr"/>
+          <a:bodyPr lIns="0" tIns="0" rIns="0" bIns="0" anchor="ctr"/>
+          <a:lstStyle/>
           <a:p>
             <a:pPr algn="ctr">
               <a:lnSpc>
@@ -6143,7 +7249,7 @@
               </a:lnSpc>
             </a:pPr>
             <a:r>
-              <a:rPr b="0" lang="cs-CZ" sz="4400" spc="-1" strike="noStrike">
+              <a:rPr lang="cs-CZ" sz="4400" b="0" strike="noStrike" spc="-1">
                 <a:solidFill>
                   <a:srgbClr val="000000"/>
                 </a:solidFill>
@@ -6152,7 +7258,7 @@
               </a:rPr>
               <a:t>Vlastní grafika</a:t>
             </a:r>
-            <a:endParaRPr b="0" lang="cs-CZ" sz="4400" spc="-1" strike="noStrike">
+            <a:endParaRPr lang="cs-CZ" sz="4400" b="0" strike="noStrike" spc="-1">
               <a:latin typeface="Arial"/>
             </a:endParaRPr>
           </a:p>
@@ -6178,15 +7284,22 @@
           </a:ln>
         </p:spPr>
         <p:style>
-          <a:lnRef idx="0"/>
-          <a:fillRef idx="0"/>
-          <a:effectRef idx="0"/>
+          <a:lnRef idx="0">
+            <a:scrgbClr r="0" g="0" b="0"/>
+          </a:lnRef>
+          <a:fillRef idx="0">
+            <a:scrgbClr r="0" g="0" b="0"/>
+          </a:fillRef>
+          <a:effectRef idx="0">
+            <a:scrgbClr r="0" g="0" b="0"/>
+          </a:effectRef>
           <a:fontRef idx="minor"/>
         </p:style>
         <p:txBody>
-          <a:bodyPr lIns="0" rIns="0" tIns="0" bIns="0">
+          <a:bodyPr lIns="0" tIns="0" rIns="0" bIns="0">
             <a:normAutofit/>
           </a:bodyPr>
+          <a:lstStyle/>
           <a:p>
             <a:pPr>
               <a:lnSpc>
@@ -6194,7 +7307,7 @@
               </a:lnSpc>
             </a:pPr>
             <a:r>
-              <a:rPr b="0" lang="cs-CZ" sz="3200" spc="-1" strike="noStrike">
+              <a:rPr lang="cs-CZ" sz="3200" b="0" strike="noStrike" spc="-1">
                 <a:solidFill>
                   <a:srgbClr val="008000"/>
                 </a:solidFill>
@@ -6204,7 +7317,7 @@
               <a:t>from</a:t>
             </a:r>
             <a:r>
-              <a:rPr b="0" lang="cs-CZ" sz="3200" spc="-1" strike="noStrike">
+              <a:rPr lang="cs-CZ" sz="3200" b="0" strike="noStrike" spc="-1">
                 <a:solidFill>
                   <a:srgbClr val="000000"/>
                 </a:solidFill>
@@ -6214,9 +7327,9 @@
               <a:t> </a:t>
             </a:r>
             <a:r>
-              <a:rPr b="0" lang="cs-CZ" sz="3200" spc="-1" strike="noStrike">
-                <a:solidFill>
-                  <a:srgbClr val="0000ff"/>
+              <a:rPr lang="cs-CZ" sz="3200" b="0" strike="noStrike" spc="-1">
+                <a:solidFill>
+                  <a:srgbClr val="0000FF"/>
                 </a:solidFill>
                 <a:latin typeface="Courier New"/>
                 <a:ea typeface="DejaVu Sans"/>
@@ -6224,7 +7337,7 @@
               <a:t>microbit</a:t>
             </a:r>
             <a:r>
-              <a:rPr b="0" lang="cs-CZ" sz="3200" spc="-1" strike="noStrike">
+              <a:rPr lang="cs-CZ" sz="3200" b="0" strike="noStrike" spc="-1">
                 <a:solidFill>
                   <a:srgbClr val="000000"/>
                 </a:solidFill>
@@ -6234,7 +7347,7 @@
               <a:t> </a:t>
             </a:r>
             <a:r>
-              <a:rPr b="0" lang="cs-CZ" sz="3200" spc="-1" strike="noStrike">
+              <a:rPr lang="cs-CZ" sz="3200" b="0" strike="noStrike" spc="-1">
                 <a:solidFill>
                   <a:srgbClr val="008000"/>
                 </a:solidFill>
@@ -6244,7 +7357,7 @@
               <a:t>import</a:t>
             </a:r>
             <a:r>
-              <a:rPr b="0" lang="cs-CZ" sz="3200" spc="-1" strike="noStrike">
+              <a:rPr lang="cs-CZ" sz="3200" b="0" strike="noStrike" spc="-1">
                 <a:solidFill>
                   <a:srgbClr val="000000"/>
                 </a:solidFill>
@@ -6254,7 +7367,7 @@
               <a:t> </a:t>
             </a:r>
             <a:r>
-              <a:rPr b="0" lang="cs-CZ" sz="3200" spc="-1" strike="noStrike">
+              <a:rPr lang="cs-CZ" sz="3200" b="0" strike="noStrike" spc="-1">
                 <a:solidFill>
                   <a:srgbClr val="666666"/>
                 </a:solidFill>
@@ -6263,7 +7376,7 @@
               </a:rPr>
               <a:t>*</a:t>
             </a:r>
-            <a:endParaRPr b="0" lang="cs-CZ" sz="3200" spc="-1" strike="noStrike">
+            <a:endParaRPr lang="cs-CZ" sz="3200" b="0" strike="noStrike" spc="-1">
               <a:latin typeface="Arial"/>
             </a:endParaRPr>
           </a:p>
@@ -6274,7 +7387,7 @@
               </a:lnSpc>
             </a:pPr>
             <a:r>
-              <a:rPr b="0" lang="cs-CZ" sz="3200" spc="-1" strike="noStrike">
+              <a:rPr lang="cs-CZ" sz="3200" b="0" strike="noStrike" spc="-1">
                 <a:solidFill>
                   <a:srgbClr val="000000"/>
                 </a:solidFill>
@@ -6284,7 +7397,7 @@
               <a:t>raketa </a:t>
             </a:r>
             <a:r>
-              <a:rPr b="0" lang="cs-CZ" sz="3200" spc="-1" strike="noStrike">
+              <a:rPr lang="cs-CZ" sz="3200" b="0" strike="noStrike" spc="-1">
                 <a:solidFill>
                   <a:srgbClr val="666666"/>
                 </a:solidFill>
@@ -6294,7 +7407,7 @@
               <a:t>=</a:t>
             </a:r>
             <a:r>
-              <a:rPr b="0" lang="cs-CZ" sz="3200" spc="-1" strike="noStrike">
+              <a:rPr lang="cs-CZ" sz="3200" b="0" strike="noStrike" spc="-1">
                 <a:solidFill>
                   <a:srgbClr val="000000"/>
                 </a:solidFill>
@@ -6304,16 +7417,16 @@
               <a:t> Image(</a:t>
             </a:r>
             <a:r>
-              <a:rPr b="0" lang="cs-CZ" sz="3200" spc="-1" strike="noStrike">
-                <a:solidFill>
-                  <a:srgbClr val="ba2121"/>
+              <a:rPr lang="cs-CZ" sz="3200" b="0" strike="noStrike" spc="-1">
+                <a:solidFill>
+                  <a:srgbClr val="BA2121"/>
                 </a:solidFill>
                 <a:latin typeface="Courier New"/>
                 <a:ea typeface="DejaVu Sans"/>
               </a:rPr>
               <a:t>"00900:"</a:t>
             </a:r>
-            <a:endParaRPr b="0" lang="cs-CZ" sz="3200" spc="-1" strike="noStrike">
+            <a:endParaRPr lang="cs-CZ" sz="3200" b="0" strike="noStrike" spc="-1">
               <a:latin typeface="Arial"/>
             </a:endParaRPr>
           </a:p>
@@ -6324,7 +7437,7 @@
               </a:lnSpc>
             </a:pPr>
             <a:r>
-              <a:rPr b="0" lang="cs-CZ" sz="3200" spc="-1" strike="noStrike">
+              <a:rPr lang="cs-CZ" sz="3200" b="0" strike="noStrike" spc="-1">
                 <a:solidFill>
                   <a:srgbClr val="000000"/>
                 </a:solidFill>
@@ -6334,16 +7447,16 @@
               <a:t>               </a:t>
             </a:r>
             <a:r>
-              <a:rPr b="0" lang="cs-CZ" sz="3200" spc="-1" strike="noStrike">
-                <a:solidFill>
-                  <a:srgbClr val="ba2121"/>
+              <a:rPr lang="cs-CZ" sz="3200" b="0" strike="noStrike" spc="-1">
+                <a:solidFill>
+                  <a:srgbClr val="BA2121"/>
                 </a:solidFill>
                 <a:latin typeface="Courier New"/>
                 <a:ea typeface="DejaVu Sans"/>
               </a:rPr>
               <a:t>"05550:"</a:t>
             </a:r>
-            <a:endParaRPr b="0" lang="cs-CZ" sz="3200" spc="-1" strike="noStrike">
+            <a:endParaRPr lang="cs-CZ" sz="3200" b="0" strike="noStrike" spc="-1">
               <a:latin typeface="Arial"/>
             </a:endParaRPr>
           </a:p>
@@ -6354,7 +7467,7 @@
               </a:lnSpc>
             </a:pPr>
             <a:r>
-              <a:rPr b="0" lang="cs-CZ" sz="3200" spc="-1" strike="noStrike">
+              <a:rPr lang="cs-CZ" sz="3200" b="0" strike="noStrike" spc="-1">
                 <a:solidFill>
                   <a:srgbClr val="000000"/>
                 </a:solidFill>
@@ -6364,16 +7477,16 @@
               <a:t>               </a:t>
             </a:r>
             <a:r>
-              <a:rPr b="0" lang="cs-CZ" sz="3200" spc="-1" strike="noStrike">
-                <a:solidFill>
-                  <a:srgbClr val="ba2121"/>
+              <a:rPr lang="cs-CZ" sz="3200" b="0" strike="noStrike" spc="-1">
+                <a:solidFill>
+                  <a:srgbClr val="BA2121"/>
                 </a:solidFill>
                 <a:latin typeface="Courier New"/>
                 <a:ea typeface="DejaVu Sans"/>
               </a:rPr>
               <a:t>"05550:"</a:t>
             </a:r>
-            <a:endParaRPr b="0" lang="cs-CZ" sz="3200" spc="-1" strike="noStrike">
+            <a:endParaRPr lang="cs-CZ" sz="3200" b="0" strike="noStrike" spc="-1">
               <a:latin typeface="Arial"/>
             </a:endParaRPr>
           </a:p>
@@ -6384,7 +7497,7 @@
               </a:lnSpc>
             </a:pPr>
             <a:r>
-              <a:rPr b="0" lang="cs-CZ" sz="3200" spc="-1" strike="noStrike">
+              <a:rPr lang="cs-CZ" sz="3200" b="0" strike="noStrike" spc="-1">
                 <a:solidFill>
                   <a:srgbClr val="000000"/>
                 </a:solidFill>
@@ -6394,16 +7507,16 @@
               <a:t>               </a:t>
             </a:r>
             <a:r>
-              <a:rPr b="0" lang="cs-CZ" sz="3200" spc="-1" strike="noStrike">
-                <a:solidFill>
-                  <a:srgbClr val="ba2121"/>
+              <a:rPr lang="cs-CZ" sz="3200" b="0" strike="noStrike" spc="-1">
+                <a:solidFill>
+                  <a:srgbClr val="BA2121"/>
                 </a:solidFill>
                 <a:latin typeface="Courier New"/>
                 <a:ea typeface="DejaVu Sans"/>
               </a:rPr>
               <a:t>"09990:"</a:t>
             </a:r>
-            <a:endParaRPr b="0" lang="cs-CZ" sz="3200" spc="-1" strike="noStrike">
+            <a:endParaRPr lang="cs-CZ" sz="3200" b="0" strike="noStrike" spc="-1">
               <a:latin typeface="Arial"/>
             </a:endParaRPr>
           </a:p>
@@ -6414,7 +7527,7 @@
               </a:lnSpc>
             </a:pPr>
             <a:r>
-              <a:rPr b="0" lang="cs-CZ" sz="3200" spc="-1" strike="noStrike">
+              <a:rPr lang="cs-CZ" sz="3200" b="0" strike="noStrike" spc="-1">
                 <a:solidFill>
                   <a:srgbClr val="000000"/>
                 </a:solidFill>
@@ -6424,9 +7537,9 @@
               <a:t>               </a:t>
             </a:r>
             <a:r>
-              <a:rPr b="0" lang="cs-CZ" sz="3200" spc="-1" strike="noStrike">
-                <a:solidFill>
-                  <a:srgbClr val="ba2121"/>
+              <a:rPr lang="cs-CZ" sz="3200" b="0" strike="noStrike" spc="-1">
+                <a:solidFill>
+                  <a:srgbClr val="BA2121"/>
                 </a:solidFill>
                 <a:latin typeface="Courier New"/>
                 <a:ea typeface="DejaVu Sans"/>
@@ -6434,7 +7547,7 @@
               <a:t>"90909:"</a:t>
             </a:r>
             <a:r>
-              <a:rPr b="0" lang="cs-CZ" sz="3200" spc="-1" strike="noStrike">
+              <a:rPr lang="cs-CZ" sz="3200" b="0" strike="noStrike" spc="-1">
                 <a:solidFill>
                   <a:srgbClr val="000000"/>
                 </a:solidFill>
@@ -6443,7 +7556,7 @@
               </a:rPr>
               <a:t>)</a:t>
             </a:r>
-            <a:endParaRPr b="0" lang="cs-CZ" sz="3200" spc="-1" strike="noStrike">
+            <a:endParaRPr lang="cs-CZ" sz="3200" b="0" strike="noStrike" spc="-1">
               <a:latin typeface="Arial"/>
             </a:endParaRPr>
           </a:p>
@@ -6454,7 +7567,7 @@
               </a:lnSpc>
             </a:pPr>
             <a:r>
-              <a:rPr b="0" lang="cs-CZ" sz="3200" spc="-1" strike="noStrike">
+              <a:rPr lang="cs-CZ" sz="3200" b="0" strike="noStrike" spc="-1">
                 <a:solidFill>
                   <a:srgbClr val="000000"/>
                 </a:solidFill>
@@ -6464,7 +7577,7 @@
               <a:t>display</a:t>
             </a:r>
             <a:r>
-              <a:rPr b="0" lang="cs-CZ" sz="3200" spc="-1" strike="noStrike">
+              <a:rPr lang="cs-CZ" sz="3200" b="0" strike="noStrike" spc="-1">
                 <a:solidFill>
                   <a:srgbClr val="666666"/>
                 </a:solidFill>
@@ -6474,7 +7587,7 @@
               <a:t>.</a:t>
             </a:r>
             <a:r>
-              <a:rPr b="0" lang="cs-CZ" sz="3200" spc="-1" strike="noStrike">
+              <a:rPr lang="cs-CZ" sz="3200" b="0" strike="noStrike" spc="-1">
                 <a:solidFill>
                   <a:srgbClr val="000000"/>
                 </a:solidFill>
@@ -6483,7 +7596,7 @@
               </a:rPr>
               <a:t>show(raketa)</a:t>
             </a:r>
-            <a:endParaRPr b="0" lang="cs-CZ" sz="3200" spc="-1" strike="noStrike">
+            <a:endParaRPr lang="cs-CZ" sz="3200" b="0" strike="noStrike" spc="-1">
               <a:latin typeface="Arial"/>
             </a:endParaRPr>
           </a:p>
@@ -6491,22 +7604,25 @@
       </p:sp>
     </p:spTree>
   </p:cSld>
+  <p:clrMapOvr>
+    <a:masterClrMapping/>
+  </p:clrMapOvr>
   <p:timing>
     <p:tnLst>
       <p:par>
-        <p:cTn id="7" dur="indefinite" restart="never" nodeType="tmRoot">
+        <p:cTn id="1" dur="indefinite" restart="never" nodeType="tmRoot">
           <p:childTnLst>
             <p:seq>
-              <p:cTn id="8" dur="indefinite" nodeType="mainSeq"/>
+              <p:cTn id="2" dur="indefinite" nodeType="mainSeq"/>
               <p:prevCondLst>
-                <p:cond delay="0" evt="onPrev">
+                <p:cond evt="onPrev" delay="0">
                   <p:tgtEl>
                     <p:sldTgt/>
                   </p:tgtEl>
                 </p:cond>
               </p:prevCondLst>
               <p:nextCondLst>
-                <p:cond delay="0" evt="onNext">
+                <p:cond evt="onNext" delay="0">
                   <p:tgtEl>
                     <p:sldTgt/>
                   </p:tgtEl>
@@ -6522,7 +7638,7 @@
 </file>
 
 <file path=ppt/slides/slide5.xml><?xml version="1.0" encoding="utf-8"?>
-<p:sld xmlns:a="http://schemas.openxmlformats.org/drawingml/2006/main" xmlns:p="http://schemas.openxmlformats.org/presentationml/2006/main" xmlns:r="http://schemas.openxmlformats.org/officeDocument/2006/relationships" xmlns:p14="http://schemas.microsoft.com/office/powerpoint/2010/main" xmlns:p15="http://schemas.microsoft.com/office/powerpoint/2012/main" xmlns:mc="http://schemas.openxmlformats.org/markup-compatibility/2006">
+<p:sld xmlns:a="http://schemas.openxmlformats.org/drawingml/2006/main" xmlns:r="http://schemas.openxmlformats.org/officeDocument/2006/relationships" xmlns:p="http://schemas.openxmlformats.org/presentationml/2006/main">
   <p:cSld>
     <p:spTree>
       <p:nvGrpSpPr>
@@ -6558,13 +7674,20 @@
           </a:ln>
         </p:spPr>
         <p:style>
-          <a:lnRef idx="0"/>
-          <a:fillRef idx="0"/>
-          <a:effectRef idx="0"/>
+          <a:lnRef idx="0">
+            <a:scrgbClr r="0" g="0" b="0"/>
+          </a:lnRef>
+          <a:fillRef idx="0">
+            <a:scrgbClr r="0" g="0" b="0"/>
+          </a:fillRef>
+          <a:effectRef idx="0">
+            <a:scrgbClr r="0" g="0" b="0"/>
+          </a:effectRef>
           <a:fontRef idx="minor"/>
         </p:style>
         <p:txBody>
-          <a:bodyPr lIns="0" rIns="0" tIns="0" bIns="0" anchor="ctr"/>
+          <a:bodyPr lIns="0" tIns="0" rIns="0" bIns="0" anchor="ctr"/>
+          <a:lstStyle/>
           <a:p>
             <a:pPr algn="ctr">
               <a:lnSpc>
@@ -6572,7 +7695,7 @@
               </a:lnSpc>
             </a:pPr>
             <a:r>
-              <a:rPr b="0" lang="cs-CZ" sz="4400" spc="-1" strike="noStrike">
+              <a:rPr lang="cs-CZ" sz="4400" b="0" strike="noStrike" spc="-1">
                 <a:solidFill>
                   <a:srgbClr val="000000"/>
                 </a:solidFill>
@@ -6581,7 +7704,7 @@
               </a:rPr>
               <a:t>Generátor obrázků</a:t>
             </a:r>
-            <a:endParaRPr b="0" lang="cs-CZ" sz="4400" spc="-1" strike="noStrike">
+            <a:endParaRPr lang="cs-CZ" sz="4400" b="0" strike="noStrike" spc="-1">
               <a:latin typeface="Arial"/>
             </a:endParaRPr>
           </a:p>
@@ -6607,22 +7730,29 @@
           </a:ln>
         </p:spPr>
         <p:style>
-          <a:lnRef idx="0"/>
-          <a:fillRef idx="0"/>
-          <a:effectRef idx="0"/>
+          <a:lnRef idx="0">
+            <a:scrgbClr r="0" g="0" b="0"/>
+          </a:lnRef>
+          <a:fillRef idx="0">
+            <a:scrgbClr r="0" g="0" b="0"/>
+          </a:fillRef>
+          <a:effectRef idx="0">
+            <a:scrgbClr r="0" g="0" b="0"/>
+          </a:effectRef>
           <a:fontRef idx="minor"/>
         </p:style>
         <p:txBody>
-          <a:bodyPr lIns="0" rIns="0" tIns="0" bIns="0">
+          <a:bodyPr lIns="0" tIns="0" rIns="0" bIns="0">
             <a:normAutofit/>
           </a:bodyPr>
+          <a:lstStyle/>
           <a:p>
             <a:pPr>
               <a:lnSpc>
                 <a:spcPct val="100000"/>
               </a:lnSpc>
             </a:pPr>
-            <a:endParaRPr b="0" lang="cs-CZ" sz="1800" spc="-1" strike="noStrike">
+            <a:endParaRPr lang="cs-CZ" sz="1800" b="0" strike="noStrike" spc="-1">
               <a:latin typeface="Arial"/>
             </a:endParaRPr>
           </a:p>
@@ -6632,7 +7762,7 @@
                 <a:spcPct val="100000"/>
               </a:lnSpc>
             </a:pPr>
-            <a:endParaRPr b="0" lang="cs-CZ" sz="1800" spc="-1" strike="noStrike">
+            <a:endParaRPr lang="cs-CZ" sz="1800" b="0" strike="noStrike" spc="-1">
               <a:latin typeface="Arial"/>
             </a:endParaRPr>
           </a:p>
@@ -6643,18 +7773,18 @@
               </a:lnSpc>
             </a:pPr>
             <a:r>
-              <a:rPr b="0" lang="cs-CZ" sz="2800" spc="-1" strike="noStrike" u="sng">
-                <a:solidFill>
-                  <a:srgbClr val="0000ff"/>
+              <a:rPr lang="cs-CZ" sz="2800" b="0" u="sng" strike="noStrike" spc="-1">
+                <a:solidFill>
+                  <a:srgbClr val="0000FF"/>
                 </a:solidFill>
                 <a:uFillTx/>
                 <a:latin typeface="Arial"/>
                 <a:ea typeface="DejaVu Sans"/>
-                <a:hlinkClick r:id="rId1"/>
+                <a:hlinkClick r:id="rId2"/>
               </a:rPr>
               <a:t>https://www.prf.jcu.cz/generator-led-matrix/index.htm</a:t>
             </a:r>
-            <a:endParaRPr b="0" lang="cs-CZ" sz="2800" spc="-1" strike="noStrike">
+            <a:endParaRPr lang="cs-CZ" sz="2800" b="0" strike="noStrike" spc="-1">
               <a:latin typeface="Arial"/>
             </a:endParaRPr>
           </a:p>
@@ -6680,9 +7810,15 @@
           </a:ln>
         </p:spPr>
         <p:style>
-          <a:lnRef idx="0"/>
-          <a:fillRef idx="0"/>
-          <a:effectRef idx="0"/>
+          <a:lnRef idx="0">
+            <a:scrgbClr r="0" g="0" b="0"/>
+          </a:lnRef>
+          <a:fillRef idx="0">
+            <a:scrgbClr r="0" g="0" b="0"/>
+          </a:fillRef>
+          <a:effectRef idx="0">
+            <a:scrgbClr r="0" g="0" b="0"/>
+          </a:effectRef>
           <a:fontRef idx="minor"/>
         </p:style>
       </p:sp>
@@ -6706,20 +7842,27 @@
           </a:ln>
         </p:spPr>
         <p:style>
-          <a:lnRef idx="0"/>
-          <a:fillRef idx="0"/>
-          <a:effectRef idx="0"/>
+          <a:lnRef idx="0">
+            <a:scrgbClr r="0" g="0" b="0"/>
+          </a:lnRef>
+          <a:fillRef idx="0">
+            <a:scrgbClr r="0" g="0" b="0"/>
+          </a:fillRef>
+          <a:effectRef idx="0">
+            <a:scrgbClr r="0" g="0" b="0"/>
+          </a:effectRef>
           <a:fontRef idx="minor"/>
         </p:style>
         <p:txBody>
-          <a:bodyPr lIns="0" rIns="0" tIns="0" bIns="0" anchor="ctr"/>
+          <a:bodyPr lIns="0" tIns="0" rIns="0" bIns="0" anchor="ctr"/>
+          <a:lstStyle/>
           <a:p>
             <a:pPr>
               <a:lnSpc>
                 <a:spcPct val="100000"/>
               </a:lnSpc>
             </a:pPr>
-            <a:endParaRPr b="0" lang="cs-CZ" sz="1800" spc="-1" strike="noStrike">
+            <a:endParaRPr lang="cs-CZ" sz="1800" b="0" strike="noStrike" spc="-1">
               <a:latin typeface="Arial"/>
             </a:endParaRPr>
           </a:p>
@@ -6729,7 +7872,7 @@
                 <a:spcPct val="100000"/>
               </a:lnSpc>
             </a:pPr>
-            <a:endParaRPr b="0" lang="cs-CZ" sz="1800" spc="-1" strike="noStrike">
+            <a:endParaRPr lang="cs-CZ" sz="1800" b="0" strike="noStrike" spc="-1">
               <a:latin typeface="Arial"/>
             </a:endParaRPr>
           </a:p>
@@ -6746,17 +7889,14 @@
               <a:buChar char=""/>
             </a:pPr>
             <a:r>
-              <a:rPr b="0" lang="cs-CZ" sz="2800" spc="-1" strike="noStrike">
+              <a:rPr lang="cs-CZ" sz="2800" b="0" strike="noStrike" spc="-1">
                 <a:latin typeface="Arial"/>
               </a:rPr>
               <a:t>Je nutné nastavit:</a:t>
             </a:r>
-            <a:endParaRPr b="0" lang="cs-CZ" sz="2800" spc="-1" strike="noStrike">
-              <a:latin typeface="Arial"/>
-            </a:endParaRPr>
-          </a:p>
-          <a:p>
-            <a:pPr lvl="1" marL="432000" indent="-215640">
+          </a:p>
+          <a:p>
+            <a:pPr marL="432000" lvl="1" indent="-215640">
               <a:lnSpc>
                 <a:spcPct val="100000"/>
               </a:lnSpc>
@@ -6768,17 +7908,14 @@
               <a:buChar char=""/>
             </a:pPr>
             <a:r>
-              <a:rPr b="0" lang="cs-CZ" sz="2400" spc="-1" strike="noStrike">
+              <a:rPr lang="cs-CZ" sz="2400" b="0" strike="noStrike" spc="-1">
                 <a:latin typeface="Arial"/>
               </a:rPr>
               <a:t>Matici 5x5 (Micro:bit display)</a:t>
             </a:r>
-            <a:endParaRPr b="0" lang="cs-CZ" sz="2400" spc="-1" strike="noStrike">
-              <a:latin typeface="Arial"/>
-            </a:endParaRPr>
-          </a:p>
-          <a:p>
-            <a:pPr lvl="1" marL="432000" indent="-215640">
+          </a:p>
+          <a:p>
+            <a:pPr marL="432000" lvl="1" indent="-215640">
               <a:lnSpc>
                 <a:spcPct val="100000"/>
               </a:lnSpc>
@@ -6790,35 +7927,35 @@
               <a:buChar char=""/>
             </a:pPr>
             <a:r>
-              <a:rPr b="0" lang="cs-CZ" sz="2400" spc="-1" strike="noStrike">
+              <a:rPr lang="cs-CZ" sz="2400" b="0" strike="noStrike" spc="-1">
                 <a:latin typeface="Arial"/>
               </a:rPr>
               <a:t>Programovací jazyk Python</a:t>
             </a:r>
-            <a:endParaRPr b="0" lang="cs-CZ" sz="2400" spc="-1" strike="noStrike">
-              <a:latin typeface="Arial"/>
-            </a:endParaRPr>
           </a:p>
         </p:txBody>
       </p:sp>
     </p:spTree>
   </p:cSld>
+  <p:clrMapOvr>
+    <a:masterClrMapping/>
+  </p:clrMapOvr>
   <p:timing>
     <p:tnLst>
       <p:par>
-        <p:cTn id="9" dur="indefinite" restart="never" nodeType="tmRoot">
+        <p:cTn id="1" dur="indefinite" restart="never" nodeType="tmRoot">
           <p:childTnLst>
             <p:seq>
-              <p:cTn id="10" dur="indefinite" nodeType="mainSeq"/>
+              <p:cTn id="2" dur="indefinite" nodeType="mainSeq"/>
               <p:prevCondLst>
-                <p:cond delay="0" evt="onPrev">
+                <p:cond evt="onPrev" delay="0">
                   <p:tgtEl>
                     <p:sldTgt/>
                   </p:tgtEl>
                 </p:cond>
               </p:prevCondLst>
               <p:nextCondLst>
-                <p:cond delay="0" evt="onNext">
+                <p:cond evt="onNext" delay="0">
                   <p:tgtEl>
                     <p:sldTgt/>
                   </p:tgtEl>
@@ -6844,31 +7981,31 @@
         <a:sysClr val="window" lastClr="FFFFFF"/>
       </a:lt1>
       <a:dk2>
-        <a:srgbClr val="1f497d"/>
+        <a:srgbClr val="1F497D"/>
       </a:dk2>
       <a:lt2>
-        <a:srgbClr val="eeece1"/>
+        <a:srgbClr val="EEECE1"/>
       </a:lt2>
       <a:accent1>
-        <a:srgbClr val="4f81bd"/>
+        <a:srgbClr val="4F81BD"/>
       </a:accent1>
       <a:accent2>
-        <a:srgbClr val="c0504d"/>
+        <a:srgbClr val="C0504D"/>
       </a:accent2>
       <a:accent3>
-        <a:srgbClr val="9bbb59"/>
+        <a:srgbClr val="9BBB59"/>
       </a:accent3>
       <a:accent4>
-        <a:srgbClr val="8064a2"/>
+        <a:srgbClr val="8064A2"/>
       </a:accent4>
       <a:accent5>
-        <a:srgbClr val="4bacc6"/>
+        <a:srgbClr val="4BACC6"/>
       </a:accent5>
       <a:accent6>
-        <a:srgbClr val="f79646"/>
+        <a:srgbClr val="F79646"/>
       </a:accent6>
       <a:hlink>
-        <a:srgbClr val="0000ff"/>
+        <a:srgbClr val="0000FF"/>
       </a:hlink>
       <a:folHlink>
         <a:srgbClr val="800080"/>
@@ -7053,6 +8190,8 @@
       </a:bgFillStyleLst>
     </a:fmtScheme>
   </a:themeElements>
+  <a:objectDefaults/>
+  <a:extraClrSchemeLst/>
 </a:theme>
 </file>
 
@@ -7067,31 +8206,31 @@
         <a:sysClr val="window" lastClr="FFFFFF"/>
       </a:lt1>
       <a:dk2>
-        <a:srgbClr val="1f497d"/>
+        <a:srgbClr val="1F497D"/>
       </a:dk2>
       <a:lt2>
-        <a:srgbClr val="eeece1"/>
+        <a:srgbClr val="EEECE1"/>
       </a:lt2>
       <a:accent1>
-        <a:srgbClr val="4f81bd"/>
+        <a:srgbClr val="4F81BD"/>
       </a:accent1>
       <a:accent2>
-        <a:srgbClr val="c0504d"/>
+        <a:srgbClr val="C0504D"/>
       </a:accent2>
       <a:accent3>
-        <a:srgbClr val="9bbb59"/>
+        <a:srgbClr val="9BBB59"/>
       </a:accent3>
       <a:accent4>
-        <a:srgbClr val="8064a2"/>
+        <a:srgbClr val="8064A2"/>
       </a:accent4>
       <a:accent5>
-        <a:srgbClr val="4bacc6"/>
+        <a:srgbClr val="4BACC6"/>
       </a:accent5>
       <a:accent6>
-        <a:srgbClr val="f79646"/>
+        <a:srgbClr val="F79646"/>
       </a:accent6>
       <a:hlink>
-        <a:srgbClr val="0000ff"/>
+        <a:srgbClr val="0000FF"/>
       </a:hlink>
       <a:folHlink>
         <a:srgbClr val="800080"/>
@@ -7276,6 +8415,8 @@
       </a:bgFillStyleLst>
     </a:fmtScheme>
   </a:themeElements>
+  <a:objectDefaults/>
+  <a:extraClrSchemeLst/>
 </a:theme>
 </file>
 
@@ -7290,31 +8431,31 @@
         <a:sysClr val="window" lastClr="FFFFFF"/>
       </a:lt1>
       <a:dk2>
-        <a:srgbClr val="1f497d"/>
+        <a:srgbClr val="1F497D"/>
       </a:dk2>
       <a:lt2>
-        <a:srgbClr val="eeece1"/>
+        <a:srgbClr val="EEECE1"/>
       </a:lt2>
       <a:accent1>
-        <a:srgbClr val="4f81bd"/>
+        <a:srgbClr val="4F81BD"/>
       </a:accent1>
       <a:accent2>
-        <a:srgbClr val="c0504d"/>
+        <a:srgbClr val="C0504D"/>
       </a:accent2>
       <a:accent3>
-        <a:srgbClr val="9bbb59"/>
+        <a:srgbClr val="9BBB59"/>
       </a:accent3>
       <a:accent4>
-        <a:srgbClr val="8064a2"/>
+        <a:srgbClr val="8064A2"/>
       </a:accent4>
       <a:accent5>
-        <a:srgbClr val="4bacc6"/>
+        <a:srgbClr val="4BACC6"/>
       </a:accent5>
       <a:accent6>
-        <a:srgbClr val="f79646"/>
+        <a:srgbClr val="F79646"/>
       </a:accent6>
       <a:hlink>
-        <a:srgbClr val="0000ff"/>
+        <a:srgbClr val="0000FF"/>
       </a:hlink>
       <a:folHlink>
         <a:srgbClr val="800080"/>
@@ -7499,5 +8640,7 @@
       </a:bgFillStyleLst>
     </a:fmtScheme>
   </a:themeElements>
+  <a:objectDefaults/>
+  <a:extraClrSchemeLst/>
 </a:theme>
 </file>